--- a/docs/Slides/1-Intro-3-FirstAppCode.pptx
+++ b/docs/Slides/1-Intro-3-FirstAppCode.pptx
@@ -177,6 +177,25 @@
       </a:defRPr>
     </a:lvl9pPr>
   </p:defaultTextStyle>
+  <p:extLst>
+    <p:ext uri="{EFAFB233-063F-42B5-8137-9DF3F51BA10A}">
+      <p15:sldGuideLst xmlns:p15="http://schemas.microsoft.com/office/powerpoint/2012/main">
+        <p15:guide id="1" orient="horz" pos="2160">
+          <p15:clr>
+            <a:srgbClr val="A4A3A4"/>
+          </p15:clr>
+        </p15:guide>
+        <p15:guide id="2" pos="2880">
+          <p15:clr>
+            <a:srgbClr val="A4A3A4"/>
+          </p15:clr>
+        </p15:guide>
+      </p15:sldGuideLst>
+    </p:ext>
+    <p:ext uri="{2D200454-40CA-4A62-9FC3-DE9A4176ACB9}">
+      <p15:notesGuideLst xmlns:p15="http://schemas.microsoft.com/office/powerpoint/2012/main"/>
+    </p:ext>
+  </p:extLst>
 </p:presentation>
 </file>
 
@@ -230,14 +249,14 @@
           <a:effectLst/>
           <a:extLst>
             <a:ext uri="{909E8E84-426E-40dd-AFC4-6F175D3DCCD1}">
-              <a14:hiddenFill xmlns:a14="http://schemas.microsoft.com/office/drawing/2010/main">
+              <a14:hiddenFill xmlns:a14="http://schemas.microsoft.com/office/drawing/2010/main" xmlns="">
                 <a:solidFill>
                   <a:schemeClr val="accent1"/>
                 </a:solidFill>
               </a14:hiddenFill>
             </a:ext>
             <a:ext uri="{91240B29-F687-4f45-9708-019B960494DF}">
-              <a14:hiddenLine xmlns:a14="http://schemas.microsoft.com/office/drawing/2010/main" w="9525">
+              <a14:hiddenLine xmlns:a14="http://schemas.microsoft.com/office/drawing/2010/main" xmlns="" w="9525">
                 <a:solidFill>
                   <a:schemeClr val="tx1"/>
                 </a:solidFill>
@@ -247,7 +266,7 @@
               </a14:hiddenLine>
             </a:ext>
             <a:ext uri="{AF507438-7753-43e0-B8FC-AC1667EBCBE1}">
-              <a14:hiddenEffects xmlns:a14="http://schemas.microsoft.com/office/drawing/2010/main">
+              <a14:hiddenEffects xmlns:a14="http://schemas.microsoft.com/office/drawing/2010/main" xmlns="">
                 <a:effectLst>
                   <a:outerShdw dist="35921" dir="2700000" algn="ctr" rotWithShape="0">
                     <a:schemeClr val="bg2"/>
@@ -301,14 +320,14 @@
           <a:effectLst/>
           <a:extLst>
             <a:ext uri="{909E8E84-426E-40dd-AFC4-6F175D3DCCD1}">
-              <a14:hiddenFill xmlns:a14="http://schemas.microsoft.com/office/drawing/2010/main">
+              <a14:hiddenFill xmlns:a14="http://schemas.microsoft.com/office/drawing/2010/main" xmlns="">
                 <a:solidFill>
                   <a:schemeClr val="accent1"/>
                 </a:solidFill>
               </a14:hiddenFill>
             </a:ext>
             <a:ext uri="{91240B29-F687-4f45-9708-019B960494DF}">
-              <a14:hiddenLine xmlns:a14="http://schemas.microsoft.com/office/drawing/2010/main" w="9525">
+              <a14:hiddenLine xmlns:a14="http://schemas.microsoft.com/office/drawing/2010/main" xmlns="" w="9525">
                 <a:solidFill>
                   <a:schemeClr val="tx1"/>
                 </a:solidFill>
@@ -318,7 +337,7 @@
               </a14:hiddenLine>
             </a:ext>
             <a:ext uri="{AF507438-7753-43e0-B8FC-AC1667EBCBE1}">
-              <a14:hiddenEffects xmlns:a14="http://schemas.microsoft.com/office/drawing/2010/main">
+              <a14:hiddenEffects xmlns:a14="http://schemas.microsoft.com/office/drawing/2010/main" xmlns="">
                 <a:effectLst>
                   <a:outerShdw dist="35921" dir="2700000" algn="ctr" rotWithShape="0">
                     <a:schemeClr val="bg2"/>
@@ -348,7 +367,7 @@
               <a:pPr>
                 <a:defRPr/>
               </a:pPr>
-              <a:t>6/22/16</a:t>
+              <a:t>6/26/19</a:t>
             </a:fld>
             <a:endParaRPr lang="en-US"/>
           </a:p>
@@ -379,14 +398,14 @@
           <a:effectLst/>
           <a:extLst>
             <a:ext uri="{909E8E84-426E-40dd-AFC4-6F175D3DCCD1}">
-              <a14:hiddenFill xmlns:a14="http://schemas.microsoft.com/office/drawing/2010/main">
+              <a14:hiddenFill xmlns:a14="http://schemas.microsoft.com/office/drawing/2010/main" xmlns="">
                 <a:solidFill>
                   <a:schemeClr val="accent1"/>
                 </a:solidFill>
               </a14:hiddenFill>
             </a:ext>
             <a:ext uri="{91240B29-F687-4f45-9708-019B960494DF}">
-              <a14:hiddenLine xmlns:a14="http://schemas.microsoft.com/office/drawing/2010/main" w="9525">
+              <a14:hiddenLine xmlns:a14="http://schemas.microsoft.com/office/drawing/2010/main" xmlns="" w="9525">
                 <a:solidFill>
                   <a:schemeClr val="tx1"/>
                 </a:solidFill>
@@ -396,7 +415,7 @@
               </a14:hiddenLine>
             </a:ext>
             <a:ext uri="{AF507438-7753-43e0-B8FC-AC1667EBCBE1}">
-              <a14:hiddenEffects xmlns:a14="http://schemas.microsoft.com/office/drawing/2010/main">
+              <a14:hiddenEffects xmlns:a14="http://schemas.microsoft.com/office/drawing/2010/main" xmlns="">
                 <a:effectLst>
                   <a:outerShdw dist="35921" dir="2700000" algn="ctr" rotWithShape="0">
                     <a:schemeClr val="bg2"/>
@@ -450,14 +469,14 @@
           <a:effectLst/>
           <a:extLst>
             <a:ext uri="{909E8E84-426E-40dd-AFC4-6F175D3DCCD1}">
-              <a14:hiddenFill xmlns:a14="http://schemas.microsoft.com/office/drawing/2010/main">
+              <a14:hiddenFill xmlns:a14="http://schemas.microsoft.com/office/drawing/2010/main" xmlns="">
                 <a:solidFill>
                   <a:schemeClr val="accent1"/>
                 </a:solidFill>
               </a14:hiddenFill>
             </a:ext>
             <a:ext uri="{91240B29-F687-4f45-9708-019B960494DF}">
-              <a14:hiddenLine xmlns:a14="http://schemas.microsoft.com/office/drawing/2010/main" w="9525">
+              <a14:hiddenLine xmlns:a14="http://schemas.microsoft.com/office/drawing/2010/main" xmlns="" w="9525">
                 <a:solidFill>
                   <a:schemeClr val="tx1"/>
                 </a:solidFill>
@@ -467,7 +486,7 @@
               </a14:hiddenLine>
             </a:ext>
             <a:ext uri="{AF507438-7753-43e0-B8FC-AC1667EBCBE1}">
-              <a14:hiddenEffects xmlns:a14="http://schemas.microsoft.com/office/drawing/2010/main">
+              <a14:hiddenEffects xmlns:a14="http://schemas.microsoft.com/office/drawing/2010/main" xmlns="">
                 <a:effectLst>
                   <a:outerShdw dist="35921" dir="2700000" algn="ctr" rotWithShape="0">
                     <a:schemeClr val="bg2"/>
@@ -664,7 +683,7 @@
           </a:ln>
           <a:extLst>
             <a:ext uri="{909E8E84-426E-40dd-AFC4-6F175D3DCCD1}">
-              <a14:hiddenFill xmlns:a14="http://schemas.microsoft.com/office/drawing/2010/main">
+              <a14:hiddenFill xmlns:a14="http://schemas.microsoft.com/office/drawing/2010/main" xmlns="">
                 <a:solidFill>
                   <a:srgbClr val="FFFFFF"/>
                 </a:solidFill>
@@ -710,35 +729,35 @@
           <a:p>
             <a:pPr lvl="0"/>
             <a:r>
-              <a:rPr lang="en-US" noProof="0" smtClean="0"/>
+              <a:rPr lang="en-US" noProof="0"/>
               <a:t>Click to edit Master text styles</a:t>
             </a:r>
           </a:p>
           <a:p>
             <a:pPr lvl="1"/>
             <a:r>
-              <a:rPr lang="en-US" noProof="0" smtClean="0"/>
+              <a:rPr lang="en-US" noProof="0"/>
               <a:t>Second level</a:t>
             </a:r>
           </a:p>
           <a:p>
             <a:pPr lvl="2"/>
             <a:r>
-              <a:rPr lang="en-US" noProof="0" smtClean="0"/>
+              <a:rPr lang="en-US" noProof="0"/>
               <a:t>Third level</a:t>
             </a:r>
           </a:p>
           <a:p>
             <a:pPr lvl="3"/>
             <a:r>
-              <a:rPr lang="en-US" noProof="0" smtClean="0"/>
+              <a:rPr lang="en-US" noProof="0"/>
               <a:t>Fourth level</a:t>
             </a:r>
           </a:p>
           <a:p>
             <a:pPr lvl="4"/>
             <a:r>
-              <a:rPr lang="en-US" noProof="0" smtClean="0"/>
+              <a:rPr lang="en-US" noProof="0"/>
               <a:t>Fifth level</a:t>
             </a:r>
           </a:p>
@@ -1028,21 +1047,71 @@
           </a:lstStyle>
           <a:p>
             <a:r>
-              <a:rPr lang="en-US" dirty="0" smtClean="0"/>
+              <a:rPr lang="en-US" dirty="0"/>
               <a:t>Chapter number</a:t>
             </a:r>
+          </a:p>
+        </p:txBody>
+      </p:sp>
+      <p:sp>
+        <p:nvSpPr>
+          <p:cNvPr id="3" name="Date Placeholder 2"/>
+          <p:cNvSpPr>
+            <a:spLocks noGrp="1"/>
+          </p:cNvSpPr>
+          <p:nvPr>
+            <p:ph type="dt" sz="half" idx="10"/>
+          </p:nvPr>
+        </p:nvSpPr>
+        <p:spPr/>
+        <p:txBody>
+          <a:bodyPr/>
+          <a:lstStyle/>
+          <a:p>
+            <a:pPr>
+              <a:defRPr/>
+            </a:pPr>
+            <a:r>
+              <a:rPr lang="en-US"/>
+              <a:t>Murach's Android Programming (2nd Ed.), C3</a:t>
+            </a:r>
+          </a:p>
+        </p:txBody>
+      </p:sp>
+      <p:sp>
+        <p:nvSpPr>
+          <p:cNvPr id="4" name="Footer Placeholder 3"/>
+          <p:cNvSpPr>
+            <a:spLocks noGrp="1"/>
+          </p:cNvSpPr>
+          <p:nvPr>
+            <p:ph type="ftr" sz="quarter" idx="11"/>
+          </p:nvPr>
+        </p:nvSpPr>
+        <p:spPr/>
+        <p:txBody>
+          <a:bodyPr/>
+          <a:lstStyle/>
+          <a:p>
+            <a:pPr>
+              <a:defRPr/>
+            </a:pPr>
+            <a:r>
+              <a:rPr lang="en-US"/>
+              <a:t>© 2015, Mike Murach &amp; Associates, Inc.</a:t>
+            </a:r>
             <a:endParaRPr lang="en-US" dirty="0"/>
           </a:p>
         </p:txBody>
       </p:sp>
       <p:sp>
         <p:nvSpPr>
-          <p:cNvPr id="3" name="Date Placeholder 2"/>
-          <p:cNvSpPr>
-            <a:spLocks noGrp="1"/>
-          </p:cNvSpPr>
-          <p:nvPr>
-            <p:ph type="dt" sz="half" idx="10"/>
+          <p:cNvPr id="5" name="Slide Number Placeholder 4"/>
+          <p:cNvSpPr>
+            <a:spLocks noGrp="1"/>
+          </p:cNvSpPr>
+          <p:nvPr>
+            <p:ph type="sldNum" sz="quarter" idx="12"/>
           </p:nvPr>
         </p:nvSpPr>
         <p:spPr/>
@@ -1050,62 +1119,10 @@
           <a:bodyPr/>
           <a:lstStyle/>
           <a:p>
-            <a:pPr>
-              <a:defRPr/>
-            </a:pPr>
-            <a:r>
-              <a:rPr lang="en-US" smtClean="0"/>
-              <a:t>Murach's Android Programming (2nd Ed.), C3</a:t>
-            </a:r>
-            <a:endParaRPr lang="en-US"/>
-          </a:p>
-        </p:txBody>
-      </p:sp>
-      <p:sp>
-        <p:nvSpPr>
-          <p:cNvPr id="4" name="Footer Placeholder 3"/>
-          <p:cNvSpPr>
-            <a:spLocks noGrp="1"/>
-          </p:cNvSpPr>
-          <p:nvPr>
-            <p:ph type="ftr" sz="quarter" idx="11"/>
-          </p:nvPr>
-        </p:nvSpPr>
-        <p:spPr/>
-        <p:txBody>
-          <a:bodyPr/>
-          <a:lstStyle/>
-          <a:p>
-            <a:pPr>
-              <a:defRPr/>
-            </a:pPr>
-            <a:r>
-              <a:rPr lang="en-US" smtClean="0"/>
-              <a:t>© 2015, Mike Murach &amp; Associates, Inc.</a:t>
-            </a:r>
-            <a:endParaRPr lang="en-US" dirty="0"/>
-          </a:p>
-        </p:txBody>
-      </p:sp>
-      <p:sp>
-        <p:nvSpPr>
-          <p:cNvPr id="5" name="Slide Number Placeholder 4"/>
-          <p:cNvSpPr>
-            <a:spLocks noGrp="1"/>
-          </p:cNvSpPr>
-          <p:nvPr>
-            <p:ph type="sldNum" sz="quarter" idx="12"/>
-          </p:nvPr>
-        </p:nvSpPr>
-        <p:spPr/>
-        <p:txBody>
-          <a:bodyPr/>
-          <a:lstStyle/>
-          <a:p>
             <a:pPr algn="l">
               <a:defRPr/>
             </a:pPr>
-            <a:endParaRPr lang="en-US" sz="1400" smtClean="0">
+            <a:endParaRPr lang="en-US" sz="1400">
               <a:latin typeface="Times New Roman"/>
             </a:endParaRPr>
           </a:p>
@@ -1114,7 +1131,7 @@
               <a:defRPr/>
             </a:pPr>
             <a:r>
-              <a:rPr lang="en-US" smtClean="0"/>
+              <a:rPr lang="en-US"/>
               <a:t>Slide </a:t>
             </a:r>
             <a:fld id="{BF5C1183-B085-4070-A402-C03A3F977D3D}" type="slidenum">
@@ -1182,14 +1199,14 @@
           </a:ln>
           <a:extLst>
             <a:ext uri="{909E8E84-426E-40dd-AFC4-6F175D3DCCD1}">
-              <a14:hiddenFill xmlns:a14="http://schemas.microsoft.com/office/drawing/2010/main">
+              <a14:hiddenFill xmlns:a14="http://schemas.microsoft.com/office/drawing/2010/main" xmlns="">
                 <a:solidFill>
                   <a:srgbClr val="FFFFFF"/>
                 </a:solidFill>
               </a14:hiddenFill>
             </a:ext>
             <a:ext uri="{91240B29-F687-4f45-9708-019B960494DF}">
-              <a14:hiddenLine xmlns:a14="http://schemas.microsoft.com/office/drawing/2010/main" w="9525">
+              <a14:hiddenLine xmlns:a14="http://schemas.microsoft.com/office/drawing/2010/main" xmlns="" w="9525">
                 <a:solidFill>
                   <a:srgbClr val="000000"/>
                 </a:solidFill>
@@ -1216,7 +1233,7 @@
           <a:p>
             <a:pPr lvl="0"/>
             <a:r>
-              <a:rPr lang="en-US" dirty="0" smtClean="0"/>
+              <a:rPr lang="en-US" dirty="0"/>
               <a:t>Click to edit Master title style</a:t>
             </a:r>
           </a:p>
@@ -1247,10 +1264,9 @@
               <a:defRPr/>
             </a:pPr>
             <a:r>
-              <a:rPr lang="en-US" smtClean="0"/>
+              <a:rPr lang="en-US"/>
               <a:t>Murach's Android Programming (2nd Ed.), C3</a:t>
             </a:r>
-            <a:endParaRPr lang="en-US"/>
           </a:p>
         </p:txBody>
       </p:sp>
@@ -1279,10 +1295,9 @@
               <a:defRPr/>
             </a:pPr>
             <a:r>
-              <a:rPr lang="en-US" smtClean="0"/>
+              <a:rPr lang="en-US"/>
               <a:t>© 2015, Mike Murach &amp; Associates, Inc.</a:t>
             </a:r>
-            <a:endParaRPr lang="en-US"/>
           </a:p>
         </p:txBody>
       </p:sp>
@@ -1390,10 +1405,9 @@
           <a:lstStyle/>
           <a:p>
             <a:r>
-              <a:rPr lang="en-US" smtClean="0"/>
+              <a:rPr lang="en-US"/>
               <a:t>Click to edit Master title style</a:t>
             </a:r>
-            <a:endParaRPr lang="en-US"/>
           </a:p>
         </p:txBody>
       </p:sp>
@@ -1509,10 +1523,9 @@
           </a:lstStyle>
           <a:p>
             <a:r>
-              <a:rPr lang="en-US" smtClean="0"/>
+              <a:rPr lang="en-US"/>
               <a:t>Click to edit Master subtitle style</a:t>
             </a:r>
-            <a:endParaRPr lang="en-US"/>
           </a:p>
         </p:txBody>
       </p:sp>
@@ -1533,7 +1546,7 @@
           <a:p>
             <a:fld id="{12110144-19AD-4D4E-902D-E18AF93089D3}" type="datetimeFigureOut">
               <a:rPr lang="en-US" smtClean="0"/>
-              <a:t>6/22/16</a:t>
+              <a:t>6/26/19</a:t>
             </a:fld>
             <a:endParaRPr lang="en-US"/>
           </a:p>
@@ -1627,10 +1640,9 @@
           <a:lstStyle/>
           <a:p>
             <a:r>
-              <a:rPr lang="en-US" smtClean="0"/>
+              <a:rPr lang="en-US"/>
               <a:t>Click to edit Master title style</a:t>
             </a:r>
-            <a:endParaRPr lang="en-US"/>
           </a:p>
         </p:txBody>
       </p:sp>
@@ -1684,38 +1696,37 @@
           <a:p>
             <a:pPr lvl="0"/>
             <a:r>
-              <a:rPr lang="en-US" smtClean="0"/>
+              <a:rPr lang="en-US"/>
               <a:t>Click to edit Master text styles</a:t>
             </a:r>
           </a:p>
           <a:p>
             <a:pPr lvl="1"/>
             <a:r>
-              <a:rPr lang="en-US" smtClean="0"/>
+              <a:rPr lang="en-US"/>
               <a:t>Second level</a:t>
             </a:r>
           </a:p>
           <a:p>
             <a:pPr lvl="2"/>
             <a:r>
-              <a:rPr lang="en-US" smtClean="0"/>
+              <a:rPr lang="en-US"/>
               <a:t>Third level</a:t>
             </a:r>
           </a:p>
           <a:p>
             <a:pPr lvl="3"/>
             <a:r>
-              <a:rPr lang="en-US" smtClean="0"/>
+              <a:rPr lang="en-US"/>
               <a:t>Fourth level</a:t>
             </a:r>
           </a:p>
           <a:p>
             <a:pPr lvl="4"/>
             <a:r>
-              <a:rPr lang="en-US" smtClean="0"/>
+              <a:rPr lang="en-US"/>
               <a:t>Fifth level</a:t>
             </a:r>
-            <a:endParaRPr lang="en-US"/>
           </a:p>
         </p:txBody>
       </p:sp>
@@ -1769,38 +1780,37 @@
           <a:p>
             <a:pPr lvl="0"/>
             <a:r>
-              <a:rPr lang="en-US" smtClean="0"/>
+              <a:rPr lang="en-US"/>
               <a:t>Click to edit Master text styles</a:t>
             </a:r>
           </a:p>
           <a:p>
             <a:pPr lvl="1"/>
             <a:r>
-              <a:rPr lang="en-US" smtClean="0"/>
+              <a:rPr lang="en-US"/>
               <a:t>Second level</a:t>
             </a:r>
           </a:p>
           <a:p>
             <a:pPr lvl="2"/>
             <a:r>
-              <a:rPr lang="en-US" smtClean="0"/>
+              <a:rPr lang="en-US"/>
               <a:t>Third level</a:t>
             </a:r>
           </a:p>
           <a:p>
             <a:pPr lvl="3"/>
             <a:r>
-              <a:rPr lang="en-US" smtClean="0"/>
+              <a:rPr lang="en-US"/>
               <a:t>Fourth level</a:t>
             </a:r>
           </a:p>
           <a:p>
             <a:pPr lvl="4"/>
             <a:r>
-              <a:rPr lang="en-US" smtClean="0"/>
+              <a:rPr lang="en-US"/>
               <a:t>Fifth level</a:t>
             </a:r>
-            <a:endParaRPr lang="en-US"/>
           </a:p>
         </p:txBody>
       </p:sp>
@@ -1821,7 +1831,7 @@
           <a:p>
             <a:fld id="{12110144-19AD-4D4E-902D-E18AF93089D3}" type="datetimeFigureOut">
               <a:rPr lang="en-US" smtClean="0"/>
-              <a:t>6/22/16</a:t>
+              <a:t>6/26/19</a:t>
             </a:fld>
             <a:endParaRPr lang="en-US"/>
           </a:p>
@@ -1931,14 +1941,14 @@
           </a:ln>
           <a:extLst>
             <a:ext uri="{909E8E84-426E-40dd-AFC4-6F175D3DCCD1}">
-              <a14:hiddenFill xmlns:a14="http://schemas.microsoft.com/office/drawing/2010/main">
+              <a14:hiddenFill xmlns:a14="http://schemas.microsoft.com/office/drawing/2010/main" xmlns="">
                 <a:solidFill>
                   <a:srgbClr val="FFFFFF"/>
                 </a:solidFill>
               </a14:hiddenFill>
             </a:ext>
             <a:ext uri="{91240B29-F687-4f45-9708-019B960494DF}">
-              <a14:hiddenLine xmlns:a14="http://schemas.microsoft.com/office/drawing/2010/main" w="9525">
+              <a14:hiddenLine xmlns:a14="http://schemas.microsoft.com/office/drawing/2010/main" xmlns="" w="9525">
                 <a:solidFill>
                   <a:srgbClr val="000000"/>
                 </a:solidFill>
@@ -1959,7 +1969,7 @@
           <a:p>
             <a:pPr lvl="0"/>
             <a:r>
-              <a:rPr lang="en-US" smtClean="0"/>
+              <a:rPr lang="en-US"/>
               <a:t>Click to edit Master title style</a:t>
             </a:r>
           </a:p>
@@ -1989,14 +1999,14 @@
           </a:ln>
           <a:extLst>
             <a:ext uri="{909E8E84-426E-40dd-AFC4-6F175D3DCCD1}">
-              <a14:hiddenFill xmlns:a14="http://schemas.microsoft.com/office/drawing/2010/main">
+              <a14:hiddenFill xmlns:a14="http://schemas.microsoft.com/office/drawing/2010/main" xmlns="">
                 <a:solidFill>
                   <a:srgbClr val="FFFFFF"/>
                 </a:solidFill>
               </a14:hiddenFill>
             </a:ext>
             <a:ext uri="{91240B29-F687-4f45-9708-019B960494DF}">
-              <a14:hiddenLine xmlns:a14="http://schemas.microsoft.com/office/drawing/2010/main" w="9525">
+              <a14:hiddenLine xmlns:a14="http://schemas.microsoft.com/office/drawing/2010/main" xmlns="" w="9525">
                 <a:solidFill>
                   <a:srgbClr val="000000"/>
                 </a:solidFill>
@@ -2017,35 +2027,35 @@
           <a:p>
             <a:pPr lvl="0"/>
             <a:r>
-              <a:rPr lang="en-US" smtClean="0"/>
+              <a:rPr lang="en-US"/>
               <a:t>Click to edit Master text styles</a:t>
             </a:r>
           </a:p>
           <a:p>
             <a:pPr lvl="1"/>
             <a:r>
-              <a:rPr lang="en-US" smtClean="0"/>
+              <a:rPr lang="en-US"/>
               <a:t>Second level</a:t>
             </a:r>
           </a:p>
           <a:p>
             <a:pPr lvl="2"/>
             <a:r>
-              <a:rPr lang="en-US" smtClean="0"/>
+              <a:rPr lang="en-US"/>
               <a:t>Third level</a:t>
             </a:r>
           </a:p>
           <a:p>
             <a:pPr lvl="3"/>
             <a:r>
-              <a:rPr lang="en-US" smtClean="0"/>
+              <a:rPr lang="en-US"/>
               <a:t>Fourth level</a:t>
             </a:r>
           </a:p>
           <a:p>
             <a:pPr lvl="4"/>
             <a:r>
-              <a:rPr lang="en-US" smtClean="0"/>
+              <a:rPr lang="en-US"/>
               <a:t>Fifth level</a:t>
             </a:r>
           </a:p>
@@ -2094,10 +2104,9 @@
               <a:defRPr/>
             </a:pPr>
             <a:r>
-              <a:rPr lang="en-US" smtClean="0"/>
+              <a:rPr lang="en-US"/>
               <a:t>Murach's Android Programming (2nd Ed.), C3</a:t>
             </a:r>
-            <a:endParaRPr lang="en-US"/>
           </a:p>
         </p:txBody>
       </p:sp>
@@ -2144,10 +2153,9 @@
               <a:defRPr/>
             </a:pPr>
             <a:r>
-              <a:rPr lang="en-US" smtClean="0"/>
+              <a:rPr lang="en-US"/>
               <a:t>© 2015, Mike Murach &amp; Associates, Inc.</a:t>
             </a:r>
-            <a:endParaRPr lang="en-US"/>
           </a:p>
         </p:txBody>
       </p:sp>
@@ -2640,25 +2648,20 @@
               </a:spcAft>
             </a:pPr>
             <a:r>
-              <a:rPr lang="en-US" sz="9600" b="1" dirty="0" smtClean="0">
+              <a:rPr lang="en-US" sz="9600" b="1" dirty="0">
                 <a:solidFill>
                   <a:schemeClr val="accent6"/>
                 </a:solidFill>
               </a:rPr>
               <a:t>Your First App:</a:t>
             </a:r>
-            <a:r>
-              <a:rPr lang="en-US" sz="9600" b="1" dirty="0" smtClean="0"/>
-              <a:t/>
-            </a:r>
             <a:br>
-              <a:rPr lang="en-US" sz="9600" b="1" dirty="0" smtClean="0"/>
+              <a:rPr lang="en-US" sz="9600" b="1" dirty="0"/>
             </a:br>
             <a:r>
-              <a:rPr lang="en-US" sz="7200" b="1" dirty="0" smtClean="0"/>
+              <a:rPr lang="en-US" sz="7200" b="1" dirty="0"/>
               <a:t>Writing the Code</a:t>
             </a:r>
-            <a:endParaRPr lang="en-US" sz="7200" b="1" dirty="0"/>
           </a:p>
         </p:txBody>
       </p:sp>
@@ -2685,18 +2688,13 @@
           <a:lstStyle/>
           <a:p>
             <a:r>
-              <a:rPr lang="en-US" sz="4400" b="1" dirty="0" smtClean="0">
+              <a:rPr lang="en-US" sz="4400" b="1" dirty="0">
                 <a:solidFill>
                   <a:schemeClr val="tx1"/>
                 </a:solidFill>
               </a:rPr>
               <a:t>CIS 399</a:t>
             </a:r>
-            <a:endParaRPr lang="en-US" sz="4400" b="1" dirty="0">
-              <a:solidFill>
-                <a:schemeClr val="tx1"/>
-              </a:solidFill>
-            </a:endParaRPr>
           </a:p>
         </p:txBody>
       </p:sp>
@@ -2789,14 +2787,13 @@
               <a:defRPr/>
             </a:pPr>
             <a:r>
-              <a:rPr lang="en-US" dirty="0" err="1" smtClean="0"/>
+              <a:rPr lang="en-US" dirty="0" err="1"/>
               <a:t>Murach's</a:t>
             </a:r>
             <a:r>
-              <a:rPr lang="en-US" dirty="0" smtClean="0"/>
+              <a:rPr lang="en-US" dirty="0"/>
               <a:t> Android Programming (2nd Ed.), C3</a:t>
             </a:r>
-            <a:endParaRPr lang="en-US" dirty="0"/>
           </a:p>
         </p:txBody>
       </p:sp>
@@ -2819,39 +2816,38 @@
               <a:defRPr/>
             </a:pPr>
             <a:r>
-              <a:rPr lang="en-US" smtClean="0"/>
+              <a:rPr lang="en-US"/>
               <a:t>© 2015, Mike Murach &amp; Associates, Inc.</a:t>
             </a:r>
+          </a:p>
+        </p:txBody>
+      </p:sp>
+      <p:sp>
+        <p:nvSpPr>
+          <p:cNvPr id="5" name="Slide Number Placeholder 4"/>
+          <p:cNvSpPr>
+            <a:spLocks noGrp="1"/>
+          </p:cNvSpPr>
+          <p:nvPr>
+            <p:ph type="sldNum" sz="quarter" idx="12"/>
+          </p:nvPr>
+        </p:nvSpPr>
+        <p:spPr/>
+        <p:txBody>
+          <a:bodyPr/>
+          <a:lstStyle/>
+          <a:p>
+            <a:pPr>
+              <a:defRPr/>
+            </a:pPr>
             <a:endParaRPr lang="en-US"/>
           </a:p>
-        </p:txBody>
-      </p:sp>
-      <p:sp>
-        <p:nvSpPr>
-          <p:cNvPr id="5" name="Slide Number Placeholder 4"/>
-          <p:cNvSpPr>
-            <a:spLocks noGrp="1"/>
-          </p:cNvSpPr>
-          <p:nvPr>
-            <p:ph type="sldNum" sz="quarter" idx="12"/>
-          </p:nvPr>
-        </p:nvSpPr>
-        <p:spPr/>
-        <p:txBody>
-          <a:bodyPr/>
-          <a:lstStyle/>
-          <a:p>
-            <a:pPr>
-              <a:defRPr/>
-            </a:pPr>
-            <a:endParaRPr lang="en-US" smtClean="0"/>
-          </a:p>
           <a:p>
             <a:pPr algn="r">
               <a:defRPr/>
             </a:pPr>
             <a:r>
-              <a:rPr lang="en-US" sz="900" smtClean="0">
+              <a:rPr lang="en-US" sz="900">
                 <a:latin typeface="Arial Narrow" pitchFamily="34" charset="0"/>
               </a:rPr>
               <a:t>Slide </a:t>
@@ -2893,12 +2889,12 @@
           <a:graphicData uri="http://schemas.openxmlformats.org/presentationml/2006/ole">
             <mc:AlternateContent xmlns:mc="http://schemas.openxmlformats.org/markup-compatibility/2006">
               <mc:Choice xmlns:v="urn:schemas-microsoft-com:vml" Requires="v">
-                <p:oleObj spid="_x0000_s11271" name="Document" r:id="rId4" imgW="7301323" imgH="4364359" progId="Word.Document.12">
+                <p:oleObj spid="_x0000_s11273" name="Document" r:id="rId3" imgW="7301323" imgH="4364359" progId="Word.Document.12">
                   <p:embed/>
                 </p:oleObj>
               </mc:Choice>
               <mc:Fallback>
-                <p:oleObj name="Document" r:id="rId4" imgW="7301323" imgH="4364359" progId="Word.Document.12">
+                <p:oleObj name="Document" r:id="rId3" imgW="7301323" imgH="4364359" progId="Word.Document.12">
                   <p:embed/>
                   <p:pic>
                     <p:nvPicPr>
@@ -2907,7 +2903,7 @@
                       <p:nvPr/>
                     </p:nvPicPr>
                     <p:blipFill>
-                      <a:blip r:embed="rId5"/>
+                      <a:blip r:embed="rId4"/>
                       <a:stretch>
                         <a:fillRect/>
                       </a:stretch>
@@ -2938,13 +2934,6 @@
   <p:clrMapOvr>
     <a:masterClrMapping/>
   </p:clrMapOvr>
-  <p:timing>
-    <p:tnLst>
-      <p:par>
-        <p:cTn xmlns:p14="http://schemas.microsoft.com/office/powerpoint/2010/main" id="1" dur="indefinite" restart="never" nodeType="tmRoot"/>
-      </p:par>
-    </p:tnLst>
-  </p:timing>
 </p:sld>
 </file>
 
@@ -2989,15 +2978,11 @@
               <a:rPr lang="en-US" dirty="0"/>
               <a:t>An activity that handles </a:t>
             </a:r>
-            <a:r>
-              <a:rPr lang="en-US" dirty="0" smtClean="0"/>
-              <a:t/>
-            </a:r>
             <a:br>
-              <a:rPr lang="en-US" dirty="0" smtClean="0"/>
+              <a:rPr lang="en-US" dirty="0"/>
             </a:br>
             <a:r>
-              <a:rPr lang="en-US" dirty="0" smtClean="0"/>
+              <a:rPr lang="en-US" dirty="0"/>
               <a:t>the </a:t>
             </a:r>
             <a:r>
@@ -3035,65 +3020,63 @@
               <a:defRPr/>
             </a:pPr>
             <a:r>
-              <a:rPr lang="en-US" smtClean="0"/>
+              <a:rPr lang="en-US"/>
               <a:t>Murach's Android Programming (2nd Ed.), C3</a:t>
             </a:r>
+          </a:p>
+        </p:txBody>
+      </p:sp>
+      <p:sp>
+        <p:nvSpPr>
+          <p:cNvPr id="4" name="Footer Placeholder 3"/>
+          <p:cNvSpPr>
+            <a:spLocks noGrp="1"/>
+          </p:cNvSpPr>
+          <p:nvPr>
+            <p:ph type="ftr" sz="quarter" idx="11"/>
+          </p:nvPr>
+        </p:nvSpPr>
+        <p:spPr/>
+        <p:txBody>
+          <a:bodyPr/>
+          <a:lstStyle/>
+          <a:p>
+            <a:pPr>
+              <a:defRPr/>
+            </a:pPr>
+            <a:r>
+              <a:rPr lang="en-US"/>
+              <a:t>© 2015, Mike Murach &amp; Associates, Inc.</a:t>
+            </a:r>
+          </a:p>
+        </p:txBody>
+      </p:sp>
+      <p:sp>
+        <p:nvSpPr>
+          <p:cNvPr id="5" name="Slide Number Placeholder 4"/>
+          <p:cNvSpPr>
+            <a:spLocks noGrp="1"/>
+          </p:cNvSpPr>
+          <p:nvPr>
+            <p:ph type="sldNum" sz="quarter" idx="12"/>
+          </p:nvPr>
+        </p:nvSpPr>
+        <p:spPr/>
+        <p:txBody>
+          <a:bodyPr/>
+          <a:lstStyle/>
+          <a:p>
+            <a:pPr>
+              <a:defRPr/>
+            </a:pPr>
             <a:endParaRPr lang="en-US"/>
           </a:p>
-        </p:txBody>
-      </p:sp>
-      <p:sp>
-        <p:nvSpPr>
-          <p:cNvPr id="4" name="Footer Placeholder 3"/>
-          <p:cNvSpPr>
-            <a:spLocks noGrp="1"/>
-          </p:cNvSpPr>
-          <p:nvPr>
-            <p:ph type="ftr" sz="quarter" idx="11"/>
-          </p:nvPr>
-        </p:nvSpPr>
-        <p:spPr/>
-        <p:txBody>
-          <a:bodyPr/>
-          <a:lstStyle/>
-          <a:p>
-            <a:pPr>
-              <a:defRPr/>
-            </a:pPr>
-            <a:r>
-              <a:rPr lang="en-US" smtClean="0"/>
-              <a:t>© 2015, Mike Murach &amp; Associates, Inc.</a:t>
-            </a:r>
-            <a:endParaRPr lang="en-US"/>
-          </a:p>
-        </p:txBody>
-      </p:sp>
-      <p:sp>
-        <p:nvSpPr>
-          <p:cNvPr id="5" name="Slide Number Placeholder 4"/>
-          <p:cNvSpPr>
-            <a:spLocks noGrp="1"/>
-          </p:cNvSpPr>
-          <p:nvPr>
-            <p:ph type="sldNum" sz="quarter" idx="12"/>
-          </p:nvPr>
-        </p:nvSpPr>
-        <p:spPr/>
-        <p:txBody>
-          <a:bodyPr/>
-          <a:lstStyle/>
-          <a:p>
-            <a:pPr>
-              <a:defRPr/>
-            </a:pPr>
-            <a:endParaRPr lang="en-US" smtClean="0"/>
-          </a:p>
           <a:p>
             <a:pPr algn="r">
               <a:defRPr/>
             </a:pPr>
             <a:r>
-              <a:rPr lang="en-US" sz="900" smtClean="0">
+              <a:rPr lang="en-US" sz="900">
                 <a:latin typeface="Arial Narrow" pitchFamily="34" charset="0"/>
               </a:rPr>
               <a:t>Slide </a:t>
@@ -3135,12 +3118,12 @@
           <a:graphicData uri="http://schemas.openxmlformats.org/presentationml/2006/ole">
             <mc:AlternateContent xmlns:mc="http://schemas.openxmlformats.org/markup-compatibility/2006">
               <mc:Choice xmlns:v="urn:schemas-microsoft-com:vml" Requires="v">
-                <p:oleObj spid="_x0000_s12295" name="Document" r:id="rId4" imgW="7301323" imgH="4468058" progId="Word.Document.12">
+                <p:oleObj spid="_x0000_s12297" name="Document" r:id="rId3" imgW="7301323" imgH="4468058" progId="Word.Document.12">
                   <p:embed/>
                 </p:oleObj>
               </mc:Choice>
               <mc:Fallback>
-                <p:oleObj name="Document" r:id="rId4" imgW="7301323" imgH="4468058" progId="Word.Document.12">
+                <p:oleObj name="Document" r:id="rId3" imgW="7301323" imgH="4468058" progId="Word.Document.12">
                   <p:embed/>
                   <p:pic>
                     <p:nvPicPr>
@@ -3149,7 +3132,7 @@
                       <p:nvPr/>
                     </p:nvPicPr>
                     <p:blipFill>
-                      <a:blip r:embed="rId5"/>
+                      <a:blip r:embed="rId4"/>
                       <a:stretch>
                         <a:fillRect/>
                       </a:stretch>
@@ -3180,13 +3163,6 @@
   <p:clrMapOvr>
     <a:masterClrMapping/>
   </p:clrMapOvr>
-  <p:timing>
-    <p:tnLst>
-      <p:par>
-        <p:cTn xmlns:p14="http://schemas.microsoft.com/office/powerpoint/2010/main" id="1" dur="indefinite" restart="never" nodeType="tmRoot"/>
-      </p:par>
-    </p:tnLst>
-  </p:timing>
 </p:sld>
 </file>
 
@@ -3231,15 +3207,11 @@
               <a:rPr lang="en-US" dirty="0"/>
               <a:t>An activity that handles </a:t>
             </a:r>
-            <a:r>
-              <a:rPr lang="en-US" dirty="0" smtClean="0"/>
-              <a:t/>
-            </a:r>
             <a:br>
-              <a:rPr lang="en-US" dirty="0" smtClean="0"/>
+              <a:rPr lang="en-US" dirty="0"/>
             </a:br>
             <a:r>
-              <a:rPr lang="en-US" dirty="0" smtClean="0"/>
+              <a:rPr lang="en-US" dirty="0"/>
               <a:t>the </a:t>
             </a:r>
             <a:r>
@@ -3277,14 +3249,13 @@
               <a:defRPr/>
             </a:pPr>
             <a:r>
-              <a:rPr lang="en-US" dirty="0" err="1" smtClean="0"/>
+              <a:rPr lang="en-US" dirty="0" err="1"/>
               <a:t>Murach's</a:t>
             </a:r>
             <a:r>
-              <a:rPr lang="en-US" dirty="0" smtClean="0"/>
+              <a:rPr lang="en-US" dirty="0"/>
               <a:t> Android Programming (2nd Ed.), C3</a:t>
             </a:r>
-            <a:endParaRPr lang="en-US" dirty="0"/>
           </a:p>
         </p:txBody>
       </p:sp>
@@ -3307,39 +3278,38 @@
               <a:defRPr/>
             </a:pPr>
             <a:r>
-              <a:rPr lang="en-US" smtClean="0"/>
+              <a:rPr lang="en-US"/>
               <a:t>© 2015, Mike Murach &amp; Associates, Inc.</a:t>
             </a:r>
+          </a:p>
+        </p:txBody>
+      </p:sp>
+      <p:sp>
+        <p:nvSpPr>
+          <p:cNvPr id="5" name="Slide Number Placeholder 4"/>
+          <p:cNvSpPr>
+            <a:spLocks noGrp="1"/>
+          </p:cNvSpPr>
+          <p:nvPr>
+            <p:ph type="sldNum" sz="quarter" idx="12"/>
+          </p:nvPr>
+        </p:nvSpPr>
+        <p:spPr/>
+        <p:txBody>
+          <a:bodyPr/>
+          <a:lstStyle/>
+          <a:p>
+            <a:pPr>
+              <a:defRPr/>
+            </a:pPr>
             <a:endParaRPr lang="en-US"/>
           </a:p>
-        </p:txBody>
-      </p:sp>
-      <p:sp>
-        <p:nvSpPr>
-          <p:cNvPr id="5" name="Slide Number Placeholder 4"/>
-          <p:cNvSpPr>
-            <a:spLocks noGrp="1"/>
-          </p:cNvSpPr>
-          <p:nvPr>
-            <p:ph type="sldNum" sz="quarter" idx="12"/>
-          </p:nvPr>
-        </p:nvSpPr>
-        <p:spPr/>
-        <p:txBody>
-          <a:bodyPr/>
-          <a:lstStyle/>
-          <a:p>
-            <a:pPr>
-              <a:defRPr/>
-            </a:pPr>
-            <a:endParaRPr lang="en-US" smtClean="0"/>
-          </a:p>
           <a:p>
             <a:pPr algn="r">
               <a:defRPr/>
             </a:pPr>
             <a:r>
-              <a:rPr lang="en-US" sz="900" smtClean="0">
+              <a:rPr lang="en-US" sz="900">
                 <a:latin typeface="Arial Narrow" pitchFamily="34" charset="0"/>
               </a:rPr>
               <a:t>Slide </a:t>
@@ -3381,12 +3351,12 @@
           <a:graphicData uri="http://schemas.openxmlformats.org/presentationml/2006/ole">
             <mc:AlternateContent xmlns:mc="http://schemas.openxmlformats.org/markup-compatibility/2006">
               <mc:Choice xmlns:v="urn:schemas-microsoft-com:vml" Requires="v">
-                <p:oleObj spid="_x0000_s13320" name="Document" r:id="rId4" imgW="7301323" imgH="4468058" progId="Word.Document.12">
+                <p:oleObj spid="_x0000_s13322" name="Document" r:id="rId3" imgW="7301323" imgH="4468058" progId="Word.Document.12">
                   <p:embed/>
                 </p:oleObj>
               </mc:Choice>
               <mc:Fallback>
-                <p:oleObj name="Document" r:id="rId4" imgW="7301323" imgH="4468058" progId="Word.Document.12">
+                <p:oleObj name="Document" r:id="rId3" imgW="7301323" imgH="4468058" progId="Word.Document.12">
                   <p:embed/>
                   <p:pic>
                     <p:nvPicPr>
@@ -3395,7 +3365,7 @@
                       <p:nvPr/>
                     </p:nvPicPr>
                     <p:blipFill>
-                      <a:blip r:embed="rId5"/>
+                      <a:blip r:embed="rId4"/>
                       <a:stretch>
                         <a:fillRect/>
                       </a:stretch>
@@ -3426,13 +3396,6 @@
   <p:clrMapOvr>
     <a:masterClrMapping/>
   </p:clrMapOvr>
-  <p:timing>
-    <p:tnLst>
-      <p:par>
-        <p:cTn xmlns:p14="http://schemas.microsoft.com/office/powerpoint/2010/main" id="1" dur="indefinite" restart="never" nodeType="tmRoot"/>
-      </p:par>
-    </p:tnLst>
-  </p:timing>
 </p:sld>
 </file>
 
@@ -3512,65 +3475,63 @@
               <a:defRPr/>
             </a:pPr>
             <a:r>
-              <a:rPr lang="en-US" smtClean="0"/>
+              <a:rPr lang="en-US"/>
               <a:t>Murach's Android Programming (2nd Ed.), C3</a:t>
             </a:r>
+          </a:p>
+        </p:txBody>
+      </p:sp>
+      <p:sp>
+        <p:nvSpPr>
+          <p:cNvPr id="4" name="Footer Placeholder 3"/>
+          <p:cNvSpPr>
+            <a:spLocks noGrp="1"/>
+          </p:cNvSpPr>
+          <p:nvPr>
+            <p:ph type="ftr" sz="quarter" idx="11"/>
+          </p:nvPr>
+        </p:nvSpPr>
+        <p:spPr/>
+        <p:txBody>
+          <a:bodyPr/>
+          <a:lstStyle/>
+          <a:p>
+            <a:pPr>
+              <a:defRPr/>
+            </a:pPr>
+            <a:r>
+              <a:rPr lang="en-US"/>
+              <a:t>© 2015, Mike Murach &amp; Associates, Inc.</a:t>
+            </a:r>
+          </a:p>
+        </p:txBody>
+      </p:sp>
+      <p:sp>
+        <p:nvSpPr>
+          <p:cNvPr id="5" name="Slide Number Placeholder 4"/>
+          <p:cNvSpPr>
+            <a:spLocks noGrp="1"/>
+          </p:cNvSpPr>
+          <p:nvPr>
+            <p:ph type="sldNum" sz="quarter" idx="12"/>
+          </p:nvPr>
+        </p:nvSpPr>
+        <p:spPr/>
+        <p:txBody>
+          <a:bodyPr/>
+          <a:lstStyle/>
+          <a:p>
+            <a:pPr>
+              <a:defRPr/>
+            </a:pPr>
             <a:endParaRPr lang="en-US"/>
           </a:p>
-        </p:txBody>
-      </p:sp>
-      <p:sp>
-        <p:nvSpPr>
-          <p:cNvPr id="4" name="Footer Placeholder 3"/>
-          <p:cNvSpPr>
-            <a:spLocks noGrp="1"/>
-          </p:cNvSpPr>
-          <p:nvPr>
-            <p:ph type="ftr" sz="quarter" idx="11"/>
-          </p:nvPr>
-        </p:nvSpPr>
-        <p:spPr/>
-        <p:txBody>
-          <a:bodyPr/>
-          <a:lstStyle/>
-          <a:p>
-            <a:pPr>
-              <a:defRPr/>
-            </a:pPr>
-            <a:r>
-              <a:rPr lang="en-US" smtClean="0"/>
-              <a:t>© 2015, Mike Murach &amp; Associates, Inc.</a:t>
-            </a:r>
-            <a:endParaRPr lang="en-US"/>
-          </a:p>
-        </p:txBody>
-      </p:sp>
-      <p:sp>
-        <p:nvSpPr>
-          <p:cNvPr id="5" name="Slide Number Placeholder 4"/>
-          <p:cNvSpPr>
-            <a:spLocks noGrp="1"/>
-          </p:cNvSpPr>
-          <p:nvPr>
-            <p:ph type="sldNum" sz="quarter" idx="12"/>
-          </p:nvPr>
-        </p:nvSpPr>
-        <p:spPr/>
-        <p:txBody>
-          <a:bodyPr/>
-          <a:lstStyle/>
-          <a:p>
-            <a:pPr>
-              <a:defRPr/>
-            </a:pPr>
-            <a:endParaRPr lang="en-US" smtClean="0"/>
-          </a:p>
           <a:p>
             <a:pPr algn="r">
               <a:defRPr/>
             </a:pPr>
             <a:r>
-              <a:rPr lang="en-US" sz="900" smtClean="0">
+              <a:rPr lang="en-US" sz="900">
                 <a:latin typeface="Arial Narrow" pitchFamily="34" charset="0"/>
               </a:rPr>
               <a:t>Slide </a:t>
@@ -3612,12 +3573,12 @@
           <a:graphicData uri="http://schemas.openxmlformats.org/presentationml/2006/ole">
             <mc:AlternateContent xmlns:mc="http://schemas.openxmlformats.org/markup-compatibility/2006">
               <mc:Choice xmlns:v="urn:schemas-microsoft-com:vml" Requires="v">
-                <p:oleObj spid="_x0000_s14343" name="Document" r:id="rId4" imgW="7301323" imgH="2607958" progId="Word.Document.12">
+                <p:oleObj spid="_x0000_s14345" name="Document" r:id="rId3" imgW="7301323" imgH="2607958" progId="Word.Document.12">
                   <p:embed/>
                 </p:oleObj>
               </mc:Choice>
               <mc:Fallback>
-                <p:oleObj name="Document" r:id="rId4" imgW="7301323" imgH="2607958" progId="Word.Document.12">
+                <p:oleObj name="Document" r:id="rId3" imgW="7301323" imgH="2607958" progId="Word.Document.12">
                   <p:embed/>
                   <p:pic>
                     <p:nvPicPr>
@@ -3626,7 +3587,7 @@
                       <p:nvPr/>
                     </p:nvPicPr>
                     <p:blipFill>
-                      <a:blip r:embed="rId5"/>
+                      <a:blip r:embed="rId4"/>
                       <a:stretch>
                         <a:fillRect/>
                       </a:stretch>
@@ -3657,13 +3618,6 @@
   <p:clrMapOvr>
     <a:masterClrMapping/>
   </p:clrMapOvr>
-  <p:timing>
-    <p:tnLst>
-      <p:par>
-        <p:cTn xmlns:p14="http://schemas.microsoft.com/office/powerpoint/2010/main" id="1" dur="indefinite" restart="never" nodeType="tmRoot"/>
-      </p:par>
-    </p:tnLst>
-  </p:timing>
 </p:sld>
 </file>
 
@@ -3735,14 +3689,13 @@
               <a:defRPr/>
             </a:pPr>
             <a:r>
-              <a:rPr lang="en-US" dirty="0" err="1" smtClean="0"/>
+              <a:rPr lang="en-US" dirty="0" err="1"/>
               <a:t>Murach's</a:t>
             </a:r>
             <a:r>
-              <a:rPr lang="en-US" dirty="0" smtClean="0"/>
+              <a:rPr lang="en-US" dirty="0"/>
               <a:t> Android Programming (2nd Ed.), C3</a:t>
             </a:r>
-            <a:endParaRPr lang="en-US" dirty="0"/>
           </a:p>
         </p:txBody>
       </p:sp>
@@ -3765,39 +3718,38 @@
               <a:defRPr/>
             </a:pPr>
             <a:r>
-              <a:rPr lang="en-US" smtClean="0"/>
+              <a:rPr lang="en-US"/>
               <a:t>© 2015, Mike Murach &amp; Associates, Inc.</a:t>
             </a:r>
+          </a:p>
+        </p:txBody>
+      </p:sp>
+      <p:sp>
+        <p:nvSpPr>
+          <p:cNvPr id="5" name="Slide Number Placeholder 4"/>
+          <p:cNvSpPr>
+            <a:spLocks noGrp="1"/>
+          </p:cNvSpPr>
+          <p:nvPr>
+            <p:ph type="sldNum" sz="quarter" idx="12"/>
+          </p:nvPr>
+        </p:nvSpPr>
+        <p:spPr/>
+        <p:txBody>
+          <a:bodyPr/>
+          <a:lstStyle/>
+          <a:p>
+            <a:pPr>
+              <a:defRPr/>
+            </a:pPr>
             <a:endParaRPr lang="en-US"/>
           </a:p>
-        </p:txBody>
-      </p:sp>
-      <p:sp>
-        <p:nvSpPr>
-          <p:cNvPr id="5" name="Slide Number Placeholder 4"/>
-          <p:cNvSpPr>
-            <a:spLocks noGrp="1"/>
-          </p:cNvSpPr>
-          <p:nvPr>
-            <p:ph type="sldNum" sz="quarter" idx="12"/>
-          </p:nvPr>
-        </p:nvSpPr>
-        <p:spPr/>
-        <p:txBody>
-          <a:bodyPr/>
-          <a:lstStyle/>
-          <a:p>
-            <a:pPr>
-              <a:defRPr/>
-            </a:pPr>
-            <a:endParaRPr lang="en-US" smtClean="0"/>
-          </a:p>
           <a:p>
             <a:pPr algn="r">
               <a:defRPr/>
             </a:pPr>
             <a:r>
-              <a:rPr lang="en-US" sz="900" smtClean="0">
+              <a:rPr lang="en-US" sz="900">
                 <a:latin typeface="Arial Narrow" pitchFamily="34" charset="0"/>
               </a:rPr>
               <a:t>Slide </a:t>
@@ -3839,12 +3791,12 @@
           <a:graphicData uri="http://schemas.openxmlformats.org/presentationml/2006/ole">
             <mc:AlternateContent xmlns:mc="http://schemas.openxmlformats.org/markup-compatibility/2006">
               <mc:Choice xmlns:v="urn:schemas-microsoft-com:vml" Requires="v">
-                <p:oleObj spid="_x0000_s15367" name="Document" r:id="rId4" imgW="7301323" imgH="2626321" progId="Word.Document.12">
+                <p:oleObj spid="_x0000_s15369" name="Document" r:id="rId3" imgW="7301323" imgH="2626321" progId="Word.Document.12">
                   <p:embed/>
                 </p:oleObj>
               </mc:Choice>
               <mc:Fallback>
-                <p:oleObj name="Document" r:id="rId4" imgW="7301323" imgH="2626321" progId="Word.Document.12">
+                <p:oleObj name="Document" r:id="rId3" imgW="7301323" imgH="2626321" progId="Word.Document.12">
                   <p:embed/>
                   <p:pic>
                     <p:nvPicPr>
@@ -3853,7 +3805,7 @@
                       <p:nvPr/>
                     </p:nvPicPr>
                     <p:blipFill>
-                      <a:blip r:embed="rId5"/>
+                      <a:blip r:embed="rId4"/>
                       <a:stretch>
                         <a:fillRect/>
                       </a:stretch>
@@ -3884,13 +3836,6 @@
   <p:clrMapOvr>
     <a:masterClrMapping/>
   </p:clrMapOvr>
-  <p:timing>
-    <p:tnLst>
-      <p:par>
-        <p:cTn xmlns:p14="http://schemas.microsoft.com/office/powerpoint/2010/main" id="1" dur="indefinite" restart="never" nodeType="tmRoot"/>
-      </p:par>
-    </p:tnLst>
-  </p:timing>
 </p:sld>
 </file>
 
@@ -3935,20 +3880,12 @@
               <a:rPr lang="en-US" dirty="0"/>
               <a:t>A method that calculates </a:t>
             </a:r>
-            <a:r>
-              <a:rPr lang="en-US" dirty="0" smtClean="0"/>
-              <a:t/>
-            </a:r>
             <a:br>
-              <a:rPr lang="en-US" dirty="0" smtClean="0"/>
+              <a:rPr lang="en-US" dirty="0"/>
             </a:br>
             <a:r>
-              <a:rPr lang="en-US" dirty="0" smtClean="0"/>
-              <a:t>and </a:t>
-            </a:r>
-            <a:r>
               <a:rPr lang="en-US" dirty="0"/>
-              <a:t>displays amounts</a:t>
+              <a:t>and displays amounts</a:t>
             </a:r>
           </a:p>
         </p:txBody>
@@ -3977,14 +3914,13 @@
               <a:defRPr/>
             </a:pPr>
             <a:r>
-              <a:rPr lang="en-US" dirty="0" err="1" smtClean="0"/>
+              <a:rPr lang="en-US" dirty="0" err="1"/>
               <a:t>Murach's</a:t>
             </a:r>
             <a:r>
-              <a:rPr lang="en-US" dirty="0" smtClean="0"/>
+              <a:rPr lang="en-US" dirty="0"/>
               <a:t> Android Programming (2nd Ed.), C3</a:t>
             </a:r>
-            <a:endParaRPr lang="en-US" dirty="0"/>
           </a:p>
         </p:txBody>
       </p:sp>
@@ -4007,39 +3943,38 @@
               <a:defRPr/>
             </a:pPr>
             <a:r>
-              <a:rPr lang="en-US" smtClean="0"/>
+              <a:rPr lang="en-US"/>
               <a:t>© 2015, Mike Murach &amp; Associates, Inc.</a:t>
             </a:r>
+          </a:p>
+        </p:txBody>
+      </p:sp>
+      <p:sp>
+        <p:nvSpPr>
+          <p:cNvPr id="5" name="Slide Number Placeholder 4"/>
+          <p:cNvSpPr>
+            <a:spLocks noGrp="1"/>
+          </p:cNvSpPr>
+          <p:nvPr>
+            <p:ph type="sldNum" sz="quarter" idx="12"/>
+          </p:nvPr>
+        </p:nvSpPr>
+        <p:spPr/>
+        <p:txBody>
+          <a:bodyPr/>
+          <a:lstStyle/>
+          <a:p>
+            <a:pPr>
+              <a:defRPr/>
+            </a:pPr>
             <a:endParaRPr lang="en-US"/>
           </a:p>
-        </p:txBody>
-      </p:sp>
-      <p:sp>
-        <p:nvSpPr>
-          <p:cNvPr id="5" name="Slide Number Placeholder 4"/>
-          <p:cNvSpPr>
-            <a:spLocks noGrp="1"/>
-          </p:cNvSpPr>
-          <p:nvPr>
-            <p:ph type="sldNum" sz="quarter" idx="12"/>
-          </p:nvPr>
-        </p:nvSpPr>
-        <p:spPr/>
-        <p:txBody>
-          <a:bodyPr/>
-          <a:lstStyle/>
-          <a:p>
-            <a:pPr>
-              <a:defRPr/>
-            </a:pPr>
-            <a:endParaRPr lang="en-US" smtClean="0"/>
-          </a:p>
           <a:p>
             <a:pPr algn="r">
               <a:defRPr/>
             </a:pPr>
             <a:r>
-              <a:rPr lang="en-US" sz="900" smtClean="0">
+              <a:rPr lang="en-US" sz="900">
                 <a:latin typeface="Arial Narrow" pitchFamily="34" charset="0"/>
               </a:rPr>
               <a:t>Slide </a:t>
@@ -4081,12 +4016,12 @@
           <a:graphicData uri="http://schemas.openxmlformats.org/presentationml/2006/ole">
             <mc:AlternateContent xmlns:mc="http://schemas.openxmlformats.org/markup-compatibility/2006">
               <mc:Choice xmlns:v="urn:schemas-microsoft-com:vml" Requires="v">
-                <p:oleObj spid="_x0000_s16392" name="Document" r:id="rId4" imgW="7301323" imgH="4493623" progId="Word.Document.12">
+                <p:oleObj spid="_x0000_s16394" name="Document" r:id="rId3" imgW="7301323" imgH="4493623" progId="Word.Document.12">
                   <p:embed/>
                 </p:oleObj>
               </mc:Choice>
               <mc:Fallback>
-                <p:oleObj name="Document" r:id="rId4" imgW="7301323" imgH="4493623" progId="Word.Document.12">
+                <p:oleObj name="Document" r:id="rId3" imgW="7301323" imgH="4493623" progId="Word.Document.12">
                   <p:embed/>
                   <p:pic>
                     <p:nvPicPr>
@@ -4095,7 +4030,7 @@
                       <p:nvPr/>
                     </p:nvPicPr>
                     <p:blipFill>
-                      <a:blip r:embed="rId5"/>
+                      <a:blip r:embed="rId4"/>
                       <a:stretch>
                         <a:fillRect/>
                       </a:stretch>
@@ -4126,13 +4061,6 @@
   <p:clrMapOvr>
     <a:masterClrMapping/>
   </p:clrMapOvr>
-  <p:timing>
-    <p:tnLst>
-      <p:par>
-        <p:cTn xmlns:p14="http://schemas.microsoft.com/office/powerpoint/2010/main" id="1" dur="indefinite" restart="never" nodeType="tmRoot"/>
-      </p:par>
-    </p:tnLst>
-  </p:timing>
 </p:sld>
 </file>
 
@@ -4204,14 +4132,13 @@
               <a:defRPr/>
             </a:pPr>
             <a:r>
-              <a:rPr lang="en-US" dirty="0" err="1" smtClean="0"/>
+              <a:rPr lang="en-US" dirty="0" err="1"/>
               <a:t>Murach's</a:t>
             </a:r>
             <a:r>
-              <a:rPr lang="en-US" dirty="0" smtClean="0"/>
+              <a:rPr lang="en-US" dirty="0"/>
               <a:t> Android Programming (2nd Ed.), C3</a:t>
             </a:r>
-            <a:endParaRPr lang="en-US" dirty="0"/>
           </a:p>
         </p:txBody>
       </p:sp>
@@ -4234,39 +4161,38 @@
               <a:defRPr/>
             </a:pPr>
             <a:r>
-              <a:rPr lang="en-US" smtClean="0"/>
+              <a:rPr lang="en-US"/>
               <a:t>© 2015, Mike Murach &amp; Associates, Inc.</a:t>
             </a:r>
+          </a:p>
+        </p:txBody>
+      </p:sp>
+      <p:sp>
+        <p:nvSpPr>
+          <p:cNvPr id="5" name="Slide Number Placeholder 4"/>
+          <p:cNvSpPr>
+            <a:spLocks noGrp="1"/>
+          </p:cNvSpPr>
+          <p:nvPr>
+            <p:ph type="sldNum" sz="quarter" idx="12"/>
+          </p:nvPr>
+        </p:nvSpPr>
+        <p:spPr/>
+        <p:txBody>
+          <a:bodyPr/>
+          <a:lstStyle/>
+          <a:p>
+            <a:pPr>
+              <a:defRPr/>
+            </a:pPr>
             <a:endParaRPr lang="en-US"/>
           </a:p>
-        </p:txBody>
-      </p:sp>
-      <p:sp>
-        <p:nvSpPr>
-          <p:cNvPr id="5" name="Slide Number Placeholder 4"/>
-          <p:cNvSpPr>
-            <a:spLocks noGrp="1"/>
-          </p:cNvSpPr>
-          <p:nvPr>
-            <p:ph type="sldNum" sz="quarter" idx="12"/>
-          </p:nvPr>
-        </p:nvSpPr>
-        <p:spPr/>
-        <p:txBody>
-          <a:bodyPr/>
-          <a:lstStyle/>
-          <a:p>
-            <a:pPr>
-              <a:defRPr/>
-            </a:pPr>
-            <a:endParaRPr lang="en-US" smtClean="0"/>
-          </a:p>
           <a:p>
             <a:pPr algn="r">
               <a:defRPr/>
             </a:pPr>
             <a:r>
-              <a:rPr lang="en-US" sz="900" smtClean="0">
+              <a:rPr lang="en-US" sz="900">
                 <a:latin typeface="Arial Narrow" pitchFamily="34" charset="0"/>
               </a:rPr>
               <a:t>Slide </a:t>
@@ -4308,12 +4234,12 @@
           <a:graphicData uri="http://schemas.openxmlformats.org/presentationml/2006/ole">
             <mc:AlternateContent xmlns:mc="http://schemas.openxmlformats.org/markup-compatibility/2006">
               <mc:Choice xmlns:v="urn:schemas-microsoft-com:vml" Requires="v">
-                <p:oleObj spid="_x0000_s17416" name="Document" r:id="rId4" imgW="7301323" imgH="4733067" progId="Word.Document.12">
+                <p:oleObj spid="_x0000_s17418" name="Document" r:id="rId3" imgW="7301323" imgH="4733067" progId="Word.Document.12">
                   <p:embed/>
                 </p:oleObj>
               </mc:Choice>
               <mc:Fallback>
-                <p:oleObj name="Document" r:id="rId4" imgW="7301323" imgH="4733067" progId="Word.Document.12">
+                <p:oleObj name="Document" r:id="rId3" imgW="7301323" imgH="4733067" progId="Word.Document.12">
                   <p:embed/>
                   <p:pic>
                     <p:nvPicPr>
@@ -4322,7 +4248,7 @@
                       <p:nvPr/>
                     </p:nvPicPr>
                     <p:blipFill>
-                      <a:blip r:embed="rId5"/>
+                      <a:blip r:embed="rId4"/>
                       <a:stretch>
                         <a:fillRect/>
                       </a:stretch>
@@ -4353,13 +4279,6 @@
   <p:clrMapOvr>
     <a:masterClrMapping/>
   </p:clrMapOvr>
-  <p:timing>
-    <p:tnLst>
-      <p:par>
-        <p:cTn xmlns:p14="http://schemas.microsoft.com/office/powerpoint/2010/main" id="1" dur="indefinite" restart="never" nodeType="tmRoot"/>
-      </p:par>
-    </p:tnLst>
-  </p:timing>
 </p:sld>
 </file>
 
@@ -4431,14 +4350,13 @@
               <a:defRPr/>
             </a:pPr>
             <a:r>
-              <a:rPr lang="en-US" dirty="0" err="1" smtClean="0"/>
+              <a:rPr lang="en-US" dirty="0" err="1"/>
               <a:t>Murach's</a:t>
             </a:r>
             <a:r>
-              <a:rPr lang="en-US" dirty="0" smtClean="0"/>
+              <a:rPr lang="en-US" dirty="0"/>
               <a:t> Android Programming (2nd Ed.), C3</a:t>
             </a:r>
-            <a:endParaRPr lang="en-US" dirty="0"/>
           </a:p>
         </p:txBody>
       </p:sp>
@@ -4461,39 +4379,38 @@
               <a:defRPr/>
             </a:pPr>
             <a:r>
-              <a:rPr lang="en-US" smtClean="0"/>
+              <a:rPr lang="en-US"/>
               <a:t>© 2015, Mike Murach &amp; Associates, Inc.</a:t>
             </a:r>
+          </a:p>
+        </p:txBody>
+      </p:sp>
+      <p:sp>
+        <p:nvSpPr>
+          <p:cNvPr id="5" name="Slide Number Placeholder 4"/>
+          <p:cNvSpPr>
+            <a:spLocks noGrp="1"/>
+          </p:cNvSpPr>
+          <p:nvPr>
+            <p:ph type="sldNum" sz="quarter" idx="12"/>
+          </p:nvPr>
+        </p:nvSpPr>
+        <p:spPr/>
+        <p:txBody>
+          <a:bodyPr/>
+          <a:lstStyle/>
+          <a:p>
+            <a:pPr>
+              <a:defRPr/>
+            </a:pPr>
             <a:endParaRPr lang="en-US"/>
           </a:p>
-        </p:txBody>
-      </p:sp>
-      <p:sp>
-        <p:nvSpPr>
-          <p:cNvPr id="5" name="Slide Number Placeholder 4"/>
-          <p:cNvSpPr>
-            <a:spLocks noGrp="1"/>
-          </p:cNvSpPr>
-          <p:nvPr>
-            <p:ph type="sldNum" sz="quarter" idx="12"/>
-          </p:nvPr>
-        </p:nvSpPr>
-        <p:spPr/>
-        <p:txBody>
-          <a:bodyPr/>
-          <a:lstStyle/>
-          <a:p>
-            <a:pPr>
-              <a:defRPr/>
-            </a:pPr>
-            <a:endParaRPr lang="en-US" smtClean="0"/>
-          </a:p>
           <a:p>
             <a:pPr algn="r">
               <a:defRPr/>
             </a:pPr>
             <a:r>
-              <a:rPr lang="en-US" sz="900" smtClean="0">
+              <a:rPr lang="en-US" sz="900">
                 <a:latin typeface="Arial Narrow" pitchFamily="34" charset="0"/>
               </a:rPr>
               <a:t>Slide </a:t>
@@ -4535,12 +4452,12 @@
           <a:graphicData uri="http://schemas.openxmlformats.org/presentationml/2006/ole">
             <mc:AlternateContent xmlns:mc="http://schemas.openxmlformats.org/markup-compatibility/2006">
               <mc:Choice xmlns:v="urn:schemas-microsoft-com:vml" Requires="v">
-                <p:oleObj spid="_x0000_s18439" name="Document" r:id="rId4" imgW="7301323" imgH="948054" progId="Word.Document.12">
+                <p:oleObj spid="_x0000_s18441" name="Document" r:id="rId3" imgW="7301323" imgH="948054" progId="Word.Document.12">
                   <p:embed/>
                 </p:oleObj>
               </mc:Choice>
               <mc:Fallback>
-                <p:oleObj name="Document" r:id="rId4" imgW="7301323" imgH="948054" progId="Word.Document.12">
+                <p:oleObj name="Document" r:id="rId3" imgW="7301323" imgH="948054" progId="Word.Document.12">
                   <p:embed/>
                   <p:pic>
                     <p:nvPicPr>
@@ -4549,7 +4466,7 @@
                       <p:nvPr/>
                     </p:nvPicPr>
                     <p:blipFill>
-                      <a:blip r:embed="rId5"/>
+                      <a:blip r:embed="rId4"/>
                       <a:stretch>
                         <a:fillRect/>
                       </a:stretch>
@@ -4580,13 +4497,6 @@
   <p:clrMapOvr>
     <a:masterClrMapping/>
   </p:clrMapOvr>
-  <p:timing>
-    <p:tnLst>
-      <p:par>
-        <p:cTn xmlns:p14="http://schemas.microsoft.com/office/powerpoint/2010/main" id="1" dur="indefinite" restart="never" nodeType="tmRoot"/>
-      </p:par>
-    </p:tnLst>
-  </p:timing>
 </p:sld>
 </file>
 
@@ -4658,65 +4568,63 @@
               <a:defRPr/>
             </a:pPr>
             <a:r>
-              <a:rPr lang="en-US" smtClean="0"/>
+              <a:rPr lang="en-US"/>
               <a:t>Murach's Android Programming (2nd Ed.), C3</a:t>
             </a:r>
+          </a:p>
+        </p:txBody>
+      </p:sp>
+      <p:sp>
+        <p:nvSpPr>
+          <p:cNvPr id="4" name="Footer Placeholder 3"/>
+          <p:cNvSpPr>
+            <a:spLocks noGrp="1"/>
+          </p:cNvSpPr>
+          <p:nvPr>
+            <p:ph type="ftr" sz="quarter" idx="11"/>
+          </p:nvPr>
+        </p:nvSpPr>
+        <p:spPr/>
+        <p:txBody>
+          <a:bodyPr/>
+          <a:lstStyle/>
+          <a:p>
+            <a:pPr>
+              <a:defRPr/>
+            </a:pPr>
+            <a:r>
+              <a:rPr lang="en-US"/>
+              <a:t>© 2015, Mike Murach &amp; Associates, Inc.</a:t>
+            </a:r>
+          </a:p>
+        </p:txBody>
+      </p:sp>
+      <p:sp>
+        <p:nvSpPr>
+          <p:cNvPr id="5" name="Slide Number Placeholder 4"/>
+          <p:cNvSpPr>
+            <a:spLocks noGrp="1"/>
+          </p:cNvSpPr>
+          <p:nvPr>
+            <p:ph type="sldNum" sz="quarter" idx="12"/>
+          </p:nvPr>
+        </p:nvSpPr>
+        <p:spPr/>
+        <p:txBody>
+          <a:bodyPr/>
+          <a:lstStyle/>
+          <a:p>
+            <a:pPr>
+              <a:defRPr/>
+            </a:pPr>
             <a:endParaRPr lang="en-US"/>
           </a:p>
-        </p:txBody>
-      </p:sp>
-      <p:sp>
-        <p:nvSpPr>
-          <p:cNvPr id="4" name="Footer Placeholder 3"/>
-          <p:cNvSpPr>
-            <a:spLocks noGrp="1"/>
-          </p:cNvSpPr>
-          <p:nvPr>
-            <p:ph type="ftr" sz="quarter" idx="11"/>
-          </p:nvPr>
-        </p:nvSpPr>
-        <p:spPr/>
-        <p:txBody>
-          <a:bodyPr/>
-          <a:lstStyle/>
-          <a:p>
-            <a:pPr>
-              <a:defRPr/>
-            </a:pPr>
-            <a:r>
-              <a:rPr lang="en-US" smtClean="0"/>
-              <a:t>© 2015, Mike Murach &amp; Associates, Inc.</a:t>
-            </a:r>
-            <a:endParaRPr lang="en-US"/>
-          </a:p>
-        </p:txBody>
-      </p:sp>
-      <p:sp>
-        <p:nvSpPr>
-          <p:cNvPr id="5" name="Slide Number Placeholder 4"/>
-          <p:cNvSpPr>
-            <a:spLocks noGrp="1"/>
-          </p:cNvSpPr>
-          <p:nvPr>
-            <p:ph type="sldNum" sz="quarter" idx="12"/>
-          </p:nvPr>
-        </p:nvSpPr>
-        <p:spPr/>
-        <p:txBody>
-          <a:bodyPr/>
-          <a:lstStyle/>
-          <a:p>
-            <a:pPr>
-              <a:defRPr/>
-            </a:pPr>
-            <a:endParaRPr lang="en-US" smtClean="0"/>
-          </a:p>
           <a:p>
             <a:pPr algn="r">
               <a:defRPr/>
             </a:pPr>
             <a:r>
-              <a:rPr lang="en-US" sz="900" smtClean="0">
+              <a:rPr lang="en-US" sz="900">
                 <a:latin typeface="Arial Narrow" pitchFamily="34" charset="0"/>
               </a:rPr>
               <a:t>Slide </a:t>
@@ -4776,13 +4684,6 @@
   <p:clrMapOvr>
     <a:masterClrMapping/>
   </p:clrMapOvr>
-  <p:timing>
-    <p:tnLst>
-      <p:par>
-        <p:cTn xmlns:p14="http://schemas.microsoft.com/office/powerpoint/2010/main" id="1" dur="indefinite" restart="never" nodeType="tmRoot"/>
-      </p:par>
-    </p:tnLst>
-  </p:timing>
 </p:sld>
 </file>
 
@@ -4854,65 +4755,63 @@
               <a:defRPr/>
             </a:pPr>
             <a:r>
-              <a:rPr lang="en-US" smtClean="0"/>
+              <a:rPr lang="en-US"/>
               <a:t>Murach's Android Programming (2nd Ed.), C3</a:t>
             </a:r>
+          </a:p>
+        </p:txBody>
+      </p:sp>
+      <p:sp>
+        <p:nvSpPr>
+          <p:cNvPr id="4" name="Footer Placeholder 3"/>
+          <p:cNvSpPr>
+            <a:spLocks noGrp="1"/>
+          </p:cNvSpPr>
+          <p:nvPr>
+            <p:ph type="ftr" sz="quarter" idx="11"/>
+          </p:nvPr>
+        </p:nvSpPr>
+        <p:spPr/>
+        <p:txBody>
+          <a:bodyPr/>
+          <a:lstStyle/>
+          <a:p>
+            <a:pPr>
+              <a:defRPr/>
+            </a:pPr>
+            <a:r>
+              <a:rPr lang="en-US"/>
+              <a:t>© 2015, Mike Murach &amp; Associates, Inc.</a:t>
+            </a:r>
+          </a:p>
+        </p:txBody>
+      </p:sp>
+      <p:sp>
+        <p:nvSpPr>
+          <p:cNvPr id="5" name="Slide Number Placeholder 4"/>
+          <p:cNvSpPr>
+            <a:spLocks noGrp="1"/>
+          </p:cNvSpPr>
+          <p:nvPr>
+            <p:ph type="sldNum" sz="quarter" idx="12"/>
+          </p:nvPr>
+        </p:nvSpPr>
+        <p:spPr/>
+        <p:txBody>
+          <a:bodyPr/>
+          <a:lstStyle/>
+          <a:p>
+            <a:pPr>
+              <a:defRPr/>
+            </a:pPr>
             <a:endParaRPr lang="en-US"/>
           </a:p>
-        </p:txBody>
-      </p:sp>
-      <p:sp>
-        <p:nvSpPr>
-          <p:cNvPr id="4" name="Footer Placeholder 3"/>
-          <p:cNvSpPr>
-            <a:spLocks noGrp="1"/>
-          </p:cNvSpPr>
-          <p:nvPr>
-            <p:ph type="ftr" sz="quarter" idx="11"/>
-          </p:nvPr>
-        </p:nvSpPr>
-        <p:spPr/>
-        <p:txBody>
-          <a:bodyPr/>
-          <a:lstStyle/>
-          <a:p>
-            <a:pPr>
-              <a:defRPr/>
-            </a:pPr>
-            <a:r>
-              <a:rPr lang="en-US" smtClean="0"/>
-              <a:t>© 2015, Mike Murach &amp; Associates, Inc.</a:t>
-            </a:r>
-            <a:endParaRPr lang="en-US"/>
-          </a:p>
-        </p:txBody>
-      </p:sp>
-      <p:sp>
-        <p:nvSpPr>
-          <p:cNvPr id="5" name="Slide Number Placeholder 4"/>
-          <p:cNvSpPr>
-            <a:spLocks noGrp="1"/>
-          </p:cNvSpPr>
-          <p:nvPr>
-            <p:ph type="sldNum" sz="quarter" idx="12"/>
-          </p:nvPr>
-        </p:nvSpPr>
-        <p:spPr/>
-        <p:txBody>
-          <a:bodyPr/>
-          <a:lstStyle/>
-          <a:p>
-            <a:pPr>
-              <a:defRPr/>
-            </a:pPr>
-            <a:endParaRPr lang="en-US" smtClean="0"/>
-          </a:p>
           <a:p>
             <a:pPr algn="r">
               <a:defRPr/>
             </a:pPr>
             <a:r>
-              <a:rPr lang="en-US" sz="900" smtClean="0">
+              <a:rPr lang="en-US" sz="900">
                 <a:latin typeface="Arial Narrow" pitchFamily="34" charset="0"/>
               </a:rPr>
               <a:t>Slide </a:t>
@@ -4954,12 +4853,12 @@
           <a:graphicData uri="http://schemas.openxmlformats.org/presentationml/2006/ole">
             <mc:AlternateContent xmlns:mc="http://schemas.openxmlformats.org/markup-compatibility/2006">
               <mc:Choice xmlns:v="urn:schemas-microsoft-com:vml" Requires="v">
-                <p:oleObj spid="_x0000_s19463" name="Document" r:id="rId4" imgW="7377498" imgH="3048318" progId="Word.Document.12">
+                <p:oleObj spid="_x0000_s19465" name="Document" r:id="rId3" imgW="7377498" imgH="3048318" progId="Word.Document.12">
                   <p:embed/>
                 </p:oleObj>
               </mc:Choice>
               <mc:Fallback>
-                <p:oleObj name="Document" r:id="rId4" imgW="7377498" imgH="3048318" progId="Word.Document.12">
+                <p:oleObj name="Document" r:id="rId3" imgW="7377498" imgH="3048318" progId="Word.Document.12">
                   <p:embed/>
                   <p:pic>
                     <p:nvPicPr>
@@ -4968,7 +4867,7 @@
                       <p:nvPr/>
                     </p:nvPicPr>
                     <p:blipFill>
-                      <a:blip r:embed="rId5"/>
+                      <a:blip r:embed="rId4"/>
                       <a:stretch>
                         <a:fillRect/>
                       </a:stretch>
@@ -4999,13 +4898,6 @@
   <p:clrMapOvr>
     <a:masterClrMapping/>
   </p:clrMapOvr>
-  <p:timing>
-    <p:tnLst>
-      <p:par>
-        <p:cTn xmlns:p14="http://schemas.microsoft.com/office/powerpoint/2010/main" id="1" dur="indefinite" restart="never" nodeType="tmRoot"/>
-      </p:par>
-    </p:tnLst>
-  </p:timing>
 </p:sld>
 </file>
 
@@ -5042,18 +4934,13 @@
           <a:lstStyle/>
           <a:p>
             <a:r>
-              <a:rPr lang="en-US" dirty="0" smtClean="0">
+              <a:rPr lang="en-US" dirty="0">
                 <a:solidFill>
                   <a:schemeClr val="accent6"/>
                 </a:solidFill>
               </a:rPr>
               <a:t>Course Overview</a:t>
             </a:r>
-            <a:endParaRPr lang="en-US" dirty="0">
-              <a:solidFill>
-                <a:schemeClr val="accent6"/>
-              </a:solidFill>
-            </a:endParaRPr>
           </a:p>
         </p:txBody>
       </p:sp>
@@ -5074,7 +4961,7 @@
         </p:nvGraphicFramePr>
         <p:xfrm>
           <a:off x="457200" y="1600200"/>
-          <a:ext cx="4038600" cy="3781083"/>
+          <a:ext cx="4038600" cy="3781084"/>
         </p:xfrm>
         <a:graphic>
           <a:graphicData uri="http://schemas.openxmlformats.org/drawingml/2006/table">
@@ -5083,8 +4970,20 @@
                 <a:tableStyleId>{5C22544A-7EE6-4342-B048-85BDC9FD1C3A}</a:tableStyleId>
               </a:tblPr>
               <a:tblGrid>
-                <a:gridCol w="587433"/>
-                <a:gridCol w="3451167"/>
+                <a:gridCol w="587433">
+                  <a:extLst>
+                    <a:ext uri="{9D8B030D-6E8A-4147-A177-3AD203B41FA5}">
+                      <a16:colId xmlns:a16="http://schemas.microsoft.com/office/drawing/2014/main" val="20000"/>
+                    </a:ext>
+                  </a:extLst>
+                </a:gridCol>
+                <a:gridCol w="3451167">
+                  <a:extLst>
+                    <a:ext uri="{9D8B030D-6E8A-4147-A177-3AD203B41FA5}">
+                      <a16:colId xmlns:a16="http://schemas.microsoft.com/office/drawing/2014/main" val="20001"/>
+                    </a:ext>
+                  </a:extLst>
+                </a:gridCol>
               </a:tblGrid>
               <a:tr h="428284">
                 <a:tc>
@@ -5093,10 +4992,9 @@
                     <a:lstStyle/>
                     <a:p>
                       <a:r>
-                        <a:rPr lang="en-US" dirty="0" smtClean="0"/>
+                        <a:rPr lang="en-US" dirty="0"/>
                         <a:t>Wk</a:t>
                       </a:r>
-                      <a:endParaRPr lang="en-US" dirty="0"/>
                     </a:p>
                   </a:txBody>
                   <a:tcPr/>
@@ -5107,14 +5005,18 @@
                     <a:lstStyle/>
                     <a:p>
                       <a:r>
-                        <a:rPr lang="en-US" dirty="0" smtClean="0"/>
+                        <a:rPr lang="en-US" dirty="0"/>
                         <a:t>Topic</a:t>
                       </a:r>
-                      <a:endParaRPr lang="en-US" dirty="0"/>
                     </a:p>
                   </a:txBody>
                   <a:tcPr/>
                 </a:tc>
+                <a:extLst>
+                  <a:ext uri="{0D108BD9-81ED-4DB2-BD59-A6C34878D82A}">
+                    <a16:rowId xmlns:a16="http://schemas.microsoft.com/office/drawing/2014/main" val="10000"/>
+                  </a:ext>
+                </a:extLst>
               </a:tr>
               <a:tr h="428284">
                 <a:tc>
@@ -5123,10 +5025,9 @@
                     <a:lstStyle/>
                     <a:p>
                       <a:r>
-                        <a:rPr lang="en-US" sz="2800" dirty="0" smtClean="0"/>
+                        <a:rPr lang="en-US" sz="2800" dirty="0"/>
                         <a:t>1</a:t>
                       </a:r>
-                      <a:endParaRPr lang="en-US" sz="2800" dirty="0"/>
                     </a:p>
                   </a:txBody>
                   <a:tcPr>
@@ -5158,7 +5059,7 @@
                         <a:defRPr/>
                       </a:pPr>
                       <a:r>
-                        <a:rPr lang="en-US" sz="2800" dirty="0" smtClean="0"/>
+                        <a:rPr lang="en-US" sz="2800" dirty="0"/>
                         <a:t>Intro + </a:t>
                       </a:r>
                     </a:p>
@@ -5181,7 +5082,7 @@
                         <a:defRPr/>
                       </a:pPr>
                       <a:r>
-                        <a:rPr lang="en-US" sz="2800" u="sng" dirty="0" smtClean="0"/>
+                        <a:rPr lang="en-US" sz="2800" u="sng" dirty="0"/>
                         <a:t>single-screen apps</a:t>
                       </a:r>
                     </a:p>
@@ -5192,6 +5093,11 @@
                     </a:solidFill>
                   </a:tcPr>
                 </a:tc>
+                <a:extLst>
+                  <a:ext uri="{0D108BD9-81ED-4DB2-BD59-A6C34878D82A}">
+                    <a16:rowId xmlns:a16="http://schemas.microsoft.com/office/drawing/2014/main" val="10001"/>
+                  </a:ext>
+                </a:extLst>
               </a:tr>
               <a:tr h="428284">
                 <a:tc>
@@ -5200,10 +5106,9 @@
                     <a:lstStyle/>
                     <a:p>
                       <a:r>
-                        <a:rPr lang="en-US" sz="2800" dirty="0" smtClean="0"/>
+                        <a:rPr lang="en-US" sz="2800" dirty="0"/>
                         <a:t>1</a:t>
                       </a:r>
-                      <a:endParaRPr lang="en-US" sz="2800" dirty="0"/>
                     </a:p>
                   </a:txBody>
                   <a:tcPr>
@@ -5235,14 +5140,14 @@
                         <a:defRPr/>
                       </a:pPr>
                       <a:r>
-                        <a:rPr lang="en-US" sz="2800" dirty="0" smtClean="0"/>
+                        <a:rPr lang="en-US" sz="2800" dirty="0"/>
                         <a:t>Activity Lifecycle + saving</a:t>
                       </a:r>
                       <a:r>
-                        <a:rPr lang="en-US" sz="2800" baseline="0" dirty="0" smtClean="0"/>
+                        <a:rPr lang="en-US" sz="2800" baseline="0" dirty="0"/>
                         <a:t> activity state</a:t>
                       </a:r>
-                      <a:endParaRPr lang="en-US" sz="2800" dirty="0" smtClean="0"/>
+                      <a:endParaRPr lang="en-US" sz="2800" dirty="0"/>
                     </a:p>
                   </a:txBody>
                   <a:tcPr>
@@ -5251,6 +5156,11 @@
                     </a:solidFill>
                   </a:tcPr>
                 </a:tc>
+                <a:extLst>
+                  <a:ext uri="{0D108BD9-81ED-4DB2-BD59-A6C34878D82A}">
+                    <a16:rowId xmlns:a16="http://schemas.microsoft.com/office/drawing/2014/main" val="10002"/>
+                  </a:ext>
+                </a:extLst>
               </a:tr>
               <a:tr h="428284">
                 <a:tc>
@@ -5259,10 +5169,9 @@
                     <a:lstStyle/>
                     <a:p>
                       <a:r>
-                        <a:rPr lang="en-US" sz="2800" dirty="0" smtClean="0"/>
+                        <a:rPr lang="en-US" sz="2800" dirty="0"/>
                         <a:t>2</a:t>
                       </a:r>
-                      <a:endParaRPr lang="en-US" sz="2800" dirty="0"/>
                     </a:p>
                   </a:txBody>
                   <a:tcPr/>
@@ -5290,14 +5199,19 @@
                         <a:defRPr/>
                       </a:pPr>
                       <a:r>
-                        <a:rPr lang="en-US" sz="2800" baseline="0" dirty="0" smtClean="0"/>
+                        <a:rPr lang="en-US" sz="2800" baseline="0" dirty="0"/>
                         <a:t>Menus + Themes</a:t>
                       </a:r>
-                      <a:endParaRPr lang="en-US" sz="2800" dirty="0" smtClean="0"/>
+                      <a:endParaRPr lang="en-US" sz="2800" dirty="0"/>
                     </a:p>
                   </a:txBody>
                   <a:tcPr/>
                 </a:tc>
+                <a:extLst>
+                  <a:ext uri="{0D108BD9-81ED-4DB2-BD59-A6C34878D82A}">
+                    <a16:rowId xmlns:a16="http://schemas.microsoft.com/office/drawing/2014/main" val="10003"/>
+                  </a:ext>
+                </a:extLst>
               </a:tr>
               <a:tr h="856568">
                 <a:tc>
@@ -5306,10 +5220,9 @@
                     <a:lstStyle/>
                     <a:p>
                       <a:r>
-                        <a:rPr lang="en-US" sz="2800" dirty="0" smtClean="0"/>
+                        <a:rPr lang="en-US" sz="2800" dirty="0"/>
                         <a:t>2</a:t>
                       </a:r>
-                      <a:endParaRPr lang="en-US" sz="2800" dirty="0"/>
                     </a:p>
                   </a:txBody>
                   <a:tcPr/>
@@ -5337,14 +5250,14 @@
                         <a:defRPr/>
                       </a:pPr>
                       <a:r>
-                        <a:rPr lang="en-US" sz="2800" dirty="0" smtClean="0"/>
+                        <a:rPr lang="en-US" sz="2800" dirty="0"/>
                         <a:t>Multi-screen</a:t>
                       </a:r>
                       <a:r>
-                        <a:rPr lang="en-US" sz="2800" baseline="0" dirty="0" smtClean="0"/>
+                        <a:rPr lang="en-US" sz="2800" baseline="0" dirty="0"/>
                         <a:t> apps +</a:t>
                       </a:r>
-                      <a:endParaRPr lang="en-US" sz="2800" dirty="0" smtClean="0"/>
+                      <a:endParaRPr lang="en-US" sz="2800" dirty="0"/>
                     </a:p>
                     <a:p>
                       <a:pPr marL="0" marR="0" indent="0" algn="l" defTabSz="457200" rtl="0" eaLnBrk="1" fontAlgn="auto" latinLnBrk="0" hangingPunct="1">
@@ -5365,13 +5278,18 @@
                         <a:defRPr/>
                       </a:pPr>
                       <a:r>
-                        <a:rPr lang="en-US" sz="2800" dirty="0" smtClean="0"/>
+                        <a:rPr lang="en-US" sz="2800" dirty="0"/>
                         <a:t>Fragments</a:t>
                       </a:r>
                     </a:p>
                   </a:txBody>
                   <a:tcPr/>
                 </a:tc>
+                <a:extLst>
+                  <a:ext uri="{0D108BD9-81ED-4DB2-BD59-A6C34878D82A}">
+                    <a16:rowId xmlns:a16="http://schemas.microsoft.com/office/drawing/2014/main" val="10004"/>
+                  </a:ext>
+                </a:extLst>
               </a:tr>
             </a:tbl>
           </a:graphicData>
@@ -5403,8 +5321,20 @@
                 <a:tableStyleId>{5C22544A-7EE6-4342-B048-85BDC9FD1C3A}</a:tableStyleId>
               </a:tblPr>
               <a:tblGrid>
-                <a:gridCol w="546192"/>
-                <a:gridCol w="3416208"/>
+                <a:gridCol w="546192">
+                  <a:extLst>
+                    <a:ext uri="{9D8B030D-6E8A-4147-A177-3AD203B41FA5}">
+                      <a16:colId xmlns:a16="http://schemas.microsoft.com/office/drawing/2014/main" val="20000"/>
+                    </a:ext>
+                  </a:extLst>
+                </a:gridCol>
+                <a:gridCol w="3416208">
+                  <a:extLst>
+                    <a:ext uri="{9D8B030D-6E8A-4147-A177-3AD203B41FA5}">
+                      <a16:colId xmlns:a16="http://schemas.microsoft.com/office/drawing/2014/main" val="20001"/>
+                    </a:ext>
+                  </a:extLst>
+                </a:gridCol>
               </a:tblGrid>
               <a:tr h="375862">
                 <a:tc>
@@ -5413,10 +5343,9 @@
                     <a:lstStyle/>
                     <a:p>
                       <a:r>
-                        <a:rPr lang="en-US" dirty="0" smtClean="0"/>
+                        <a:rPr lang="en-US" dirty="0"/>
                         <a:t>Wk</a:t>
                       </a:r>
-                      <a:endParaRPr lang="en-US" dirty="0"/>
                     </a:p>
                   </a:txBody>
                   <a:tcPr/>
@@ -5427,14 +5356,18 @@
                     <a:lstStyle/>
                     <a:p>
                       <a:r>
-                        <a:rPr lang="en-US" dirty="0" smtClean="0"/>
+                        <a:rPr lang="en-US" dirty="0"/>
                         <a:t>Topic</a:t>
                       </a:r>
-                      <a:endParaRPr lang="en-US" dirty="0"/>
                     </a:p>
                   </a:txBody>
                   <a:tcPr/>
                 </a:tc>
+                <a:extLst>
+                  <a:ext uri="{0D108BD9-81ED-4DB2-BD59-A6C34878D82A}">
+                    <a16:rowId xmlns:a16="http://schemas.microsoft.com/office/drawing/2014/main" val="10000"/>
+                  </a:ext>
+                </a:extLst>
               </a:tr>
               <a:tr h="957676">
                 <a:tc>
@@ -5443,10 +5376,9 @@
                     <a:lstStyle/>
                     <a:p>
                       <a:r>
-                        <a:rPr lang="en-US" sz="2800" dirty="0" smtClean="0"/>
+                        <a:rPr lang="en-US" sz="2800" dirty="0"/>
                         <a:t>3</a:t>
                       </a:r>
-                      <a:endParaRPr lang="en-US" sz="2800" dirty="0"/>
                     </a:p>
                   </a:txBody>
                   <a:tcPr/>
@@ -5474,14 +5406,19 @@
                         <a:defRPr/>
                       </a:pPr>
                       <a:r>
-                        <a:rPr lang="en-US" sz="2800" baseline="0" dirty="0" smtClean="0"/>
+                        <a:rPr lang="en-US" sz="2800" baseline="0" dirty="0"/>
                         <a:t>Reading XML files + Asynch Tasks</a:t>
                       </a:r>
-                      <a:endParaRPr lang="en-US" sz="2800" dirty="0" smtClean="0"/>
+                      <a:endParaRPr lang="en-US" sz="2800" dirty="0"/>
                     </a:p>
                   </a:txBody>
                   <a:tcPr/>
                 </a:tc>
+                <a:extLst>
+                  <a:ext uri="{0D108BD9-81ED-4DB2-BD59-A6C34878D82A}">
+                    <a16:rowId xmlns:a16="http://schemas.microsoft.com/office/drawing/2014/main" val="10001"/>
+                  </a:ext>
+                </a:extLst>
               </a:tr>
               <a:tr h="525177">
                 <a:tc>
@@ -5490,10 +5427,9 @@
                     <a:lstStyle/>
                     <a:p>
                       <a:r>
-                        <a:rPr lang="en-US" sz="2800" dirty="0" smtClean="0"/>
+                        <a:rPr lang="en-US" sz="2800" dirty="0"/>
                         <a:t>3</a:t>
                       </a:r>
-                      <a:endParaRPr lang="en-US" sz="2800" dirty="0"/>
                     </a:p>
                   </a:txBody>
                   <a:tcPr/>
@@ -5521,13 +5457,18 @@
                         <a:defRPr/>
                       </a:pPr>
                       <a:r>
-                        <a:rPr lang="en-US" sz="2800" dirty="0" smtClean="0"/>
+                        <a:rPr lang="en-US" sz="2800" dirty="0"/>
                         <a:t>List Views</a:t>
                       </a:r>
                     </a:p>
                   </a:txBody>
                   <a:tcPr/>
                 </a:tc>
+                <a:extLst>
+                  <a:ext uri="{0D108BD9-81ED-4DB2-BD59-A6C34878D82A}">
+                    <a16:rowId xmlns:a16="http://schemas.microsoft.com/office/drawing/2014/main" val="10002"/>
+                  </a:ext>
+                </a:extLst>
               </a:tr>
               <a:tr h="525177">
                 <a:tc>
@@ -5536,10 +5477,9 @@
                     <a:lstStyle/>
                     <a:p>
                       <a:r>
-                        <a:rPr lang="en-US" sz="2800" dirty="0" smtClean="0"/>
+                        <a:rPr lang="en-US" sz="2800" dirty="0"/>
                         <a:t>3</a:t>
                       </a:r>
-                      <a:endParaRPr lang="en-US" sz="2800" dirty="0"/>
                     </a:p>
                   </a:txBody>
                   <a:tcPr/>
@@ -5567,18 +5507,23 @@
                         <a:defRPr/>
                       </a:pPr>
                       <a:r>
-                        <a:rPr lang="en-US" sz="2800" dirty="0" smtClean="0"/>
+                        <a:rPr lang="en-US" sz="2800" dirty="0"/>
                         <a:t>SQLite</a:t>
                       </a:r>
                       <a:r>
-                        <a:rPr lang="en-US" sz="2800" baseline="0" dirty="0" smtClean="0"/>
+                        <a:rPr lang="en-US" sz="2800" baseline="0" dirty="0"/>
                         <a:t> Database</a:t>
                       </a:r>
-                      <a:endParaRPr lang="en-US" sz="2800" dirty="0" smtClean="0"/>
+                      <a:endParaRPr lang="en-US" sz="2800" dirty="0"/>
                     </a:p>
                   </a:txBody>
                   <a:tcPr/>
                 </a:tc>
+                <a:extLst>
+                  <a:ext uri="{0D108BD9-81ED-4DB2-BD59-A6C34878D82A}">
+                    <a16:rowId xmlns:a16="http://schemas.microsoft.com/office/drawing/2014/main" val="10003"/>
+                  </a:ext>
+                </a:extLst>
               </a:tr>
               <a:tr h="957676">
                 <a:tc>
@@ -5587,10 +5532,9 @@
                     <a:lstStyle/>
                     <a:p>
                       <a:r>
-                        <a:rPr lang="en-US" sz="2800" dirty="0" smtClean="0"/>
+                        <a:rPr lang="en-US" sz="2800" dirty="0"/>
                         <a:t>4</a:t>
                       </a:r>
-                      <a:endParaRPr lang="en-US" sz="2800" dirty="0"/>
                     </a:p>
                   </a:txBody>
                   <a:tcPr/>
@@ -5618,13 +5562,18 @@
                         <a:defRPr/>
                       </a:pPr>
                       <a:r>
-                        <a:rPr lang="en-US" sz="2800" dirty="0" smtClean="0"/>
+                        <a:rPr lang="en-US" sz="2800" dirty="0"/>
                         <a:t>Consuming a web service</a:t>
                       </a:r>
                     </a:p>
                   </a:txBody>
                   <a:tcPr/>
                 </a:tc>
+                <a:extLst>
+                  <a:ext uri="{0D108BD9-81ED-4DB2-BD59-A6C34878D82A}">
+                    <a16:rowId xmlns:a16="http://schemas.microsoft.com/office/drawing/2014/main" val="10004"/>
+                  </a:ext>
+                </a:extLst>
               </a:tr>
               <a:tr h="525177">
                 <a:tc>
@@ -5633,10 +5582,9 @@
                     <a:lstStyle/>
                     <a:p>
                       <a:r>
-                        <a:rPr lang="en-US" sz="2800" dirty="0" smtClean="0"/>
+                        <a:rPr lang="en-US" sz="2800" dirty="0"/>
                         <a:t>4</a:t>
                       </a:r>
-                      <a:endParaRPr lang="en-US" sz="2800" dirty="0"/>
                     </a:p>
                   </a:txBody>
                   <a:tcPr/>
@@ -5664,13 +5612,18 @@
                         <a:defRPr/>
                       </a:pPr>
                       <a:r>
-                        <a:rPr lang="en-US" sz="2800" dirty="0" smtClean="0"/>
+                        <a:rPr lang="en-US" sz="2800" dirty="0"/>
                         <a:t>Geolocation</a:t>
                       </a:r>
                     </a:p>
                   </a:txBody>
                   <a:tcPr/>
                 </a:tc>
+                <a:extLst>
+                  <a:ext uri="{0D108BD9-81ED-4DB2-BD59-A6C34878D82A}">
+                    <a16:rowId xmlns:a16="http://schemas.microsoft.com/office/drawing/2014/main" val="10005"/>
+                  </a:ext>
+                </a:extLst>
               </a:tr>
             </a:tbl>
           </a:graphicData>
@@ -5765,14 +5718,13 @@
               <a:defRPr/>
             </a:pPr>
             <a:r>
-              <a:rPr lang="en-US" dirty="0" err="1" smtClean="0"/>
+              <a:rPr lang="en-US" dirty="0" err="1"/>
               <a:t>Murach's</a:t>
             </a:r>
             <a:r>
-              <a:rPr lang="en-US" dirty="0" smtClean="0"/>
+              <a:rPr lang="en-US" dirty="0"/>
               <a:t> Android Programming (2nd Ed.), C3</a:t>
             </a:r>
-            <a:endParaRPr lang="en-US" dirty="0"/>
           </a:p>
         </p:txBody>
       </p:sp>
@@ -5795,39 +5747,38 @@
               <a:defRPr/>
             </a:pPr>
             <a:r>
-              <a:rPr lang="en-US" smtClean="0"/>
+              <a:rPr lang="en-US"/>
               <a:t>© 2015, Mike Murach &amp; Associates, Inc.</a:t>
             </a:r>
+          </a:p>
+        </p:txBody>
+      </p:sp>
+      <p:sp>
+        <p:nvSpPr>
+          <p:cNvPr id="5" name="Slide Number Placeholder 4"/>
+          <p:cNvSpPr>
+            <a:spLocks noGrp="1"/>
+          </p:cNvSpPr>
+          <p:nvPr>
+            <p:ph type="sldNum" sz="quarter" idx="12"/>
+          </p:nvPr>
+        </p:nvSpPr>
+        <p:spPr/>
+        <p:txBody>
+          <a:bodyPr/>
+          <a:lstStyle/>
+          <a:p>
+            <a:pPr>
+              <a:defRPr/>
+            </a:pPr>
             <a:endParaRPr lang="en-US"/>
           </a:p>
-        </p:txBody>
-      </p:sp>
-      <p:sp>
-        <p:nvSpPr>
-          <p:cNvPr id="5" name="Slide Number Placeholder 4"/>
-          <p:cNvSpPr>
-            <a:spLocks noGrp="1"/>
-          </p:cNvSpPr>
-          <p:nvPr>
-            <p:ph type="sldNum" sz="quarter" idx="12"/>
-          </p:nvPr>
-        </p:nvSpPr>
-        <p:spPr/>
-        <p:txBody>
-          <a:bodyPr/>
-          <a:lstStyle/>
-          <a:p>
-            <a:pPr>
-              <a:defRPr/>
-            </a:pPr>
-            <a:endParaRPr lang="en-US" smtClean="0"/>
-          </a:p>
           <a:p>
             <a:pPr algn="r">
               <a:defRPr/>
             </a:pPr>
             <a:r>
-              <a:rPr lang="en-US" sz="900" smtClean="0">
+              <a:rPr lang="en-US" sz="900">
                 <a:latin typeface="Arial Narrow" pitchFamily="34" charset="0"/>
               </a:rPr>
               <a:t>Slide </a:t>
@@ -5869,12 +5820,12 @@
           <a:graphicData uri="http://schemas.openxmlformats.org/presentationml/2006/ole">
             <mc:AlternateContent xmlns:mc="http://schemas.openxmlformats.org/markup-compatibility/2006">
               <mc:Choice xmlns:v="urn:schemas-microsoft-com:vml" Requires="v">
-                <p:oleObj spid="_x0000_s20487" name="Document" r:id="rId4" imgW="7301323" imgH="3272279" progId="Word.Document.12">
+                <p:oleObj spid="_x0000_s20489" name="Document" r:id="rId3" imgW="7301323" imgH="3272279" progId="Word.Document.12">
                   <p:embed/>
                 </p:oleObj>
               </mc:Choice>
               <mc:Fallback>
-                <p:oleObj name="Document" r:id="rId4" imgW="7301323" imgH="3272279" progId="Word.Document.12">
+                <p:oleObj name="Document" r:id="rId3" imgW="7301323" imgH="3272279" progId="Word.Document.12">
                   <p:embed/>
                   <p:pic>
                     <p:nvPicPr>
@@ -5883,7 +5834,7 @@
                       <p:nvPr/>
                     </p:nvPicPr>
                     <p:blipFill>
-                      <a:blip r:embed="rId5"/>
+                      <a:blip r:embed="rId4"/>
                       <a:stretch>
                         <a:fillRect/>
                       </a:stretch>
@@ -5914,13 +5865,6 @@
   <p:clrMapOvr>
     <a:masterClrMapping/>
   </p:clrMapOvr>
-  <p:timing>
-    <p:tnLst>
-      <p:par>
-        <p:cTn xmlns:p14="http://schemas.microsoft.com/office/powerpoint/2010/main" id="1" dur="indefinite" restart="never" nodeType="tmRoot"/>
-      </p:par>
-    </p:tnLst>
-  </p:timing>
 </p:sld>
 </file>
 
@@ -6000,14 +5944,13 @@
               <a:defRPr/>
             </a:pPr>
             <a:r>
-              <a:rPr lang="en-US" dirty="0" err="1" smtClean="0"/>
+              <a:rPr lang="en-US" dirty="0" err="1"/>
               <a:t>Murach's</a:t>
             </a:r>
             <a:r>
-              <a:rPr lang="en-US" dirty="0" smtClean="0"/>
+              <a:rPr lang="en-US" dirty="0"/>
               <a:t> Android Programming (2nd Ed.), C3</a:t>
             </a:r>
-            <a:endParaRPr lang="en-US" dirty="0"/>
           </a:p>
         </p:txBody>
       </p:sp>
@@ -6030,39 +5973,38 @@
               <a:defRPr/>
             </a:pPr>
             <a:r>
-              <a:rPr lang="en-US" smtClean="0"/>
+              <a:rPr lang="en-US"/>
               <a:t>© 2015, Mike Murach &amp; Associates, Inc.</a:t>
             </a:r>
+          </a:p>
+        </p:txBody>
+      </p:sp>
+      <p:sp>
+        <p:nvSpPr>
+          <p:cNvPr id="5" name="Slide Number Placeholder 4"/>
+          <p:cNvSpPr>
+            <a:spLocks noGrp="1"/>
+          </p:cNvSpPr>
+          <p:nvPr>
+            <p:ph type="sldNum" sz="quarter" idx="12"/>
+          </p:nvPr>
+        </p:nvSpPr>
+        <p:spPr/>
+        <p:txBody>
+          <a:bodyPr/>
+          <a:lstStyle/>
+          <a:p>
+            <a:pPr>
+              <a:defRPr/>
+            </a:pPr>
             <a:endParaRPr lang="en-US"/>
           </a:p>
-        </p:txBody>
-      </p:sp>
-      <p:sp>
-        <p:nvSpPr>
-          <p:cNvPr id="5" name="Slide Number Placeholder 4"/>
-          <p:cNvSpPr>
-            <a:spLocks noGrp="1"/>
-          </p:cNvSpPr>
-          <p:nvPr>
-            <p:ph type="sldNum" sz="quarter" idx="12"/>
-          </p:nvPr>
-        </p:nvSpPr>
-        <p:spPr/>
-        <p:txBody>
-          <a:bodyPr/>
-          <a:lstStyle/>
-          <a:p>
-            <a:pPr>
-              <a:defRPr/>
-            </a:pPr>
-            <a:endParaRPr lang="en-US" smtClean="0"/>
-          </a:p>
           <a:p>
             <a:pPr algn="r">
               <a:defRPr/>
             </a:pPr>
             <a:r>
-              <a:rPr lang="en-US" sz="900" smtClean="0">
+              <a:rPr lang="en-US" sz="900">
                 <a:latin typeface="Arial Narrow" pitchFamily="34" charset="0"/>
               </a:rPr>
               <a:t>Slide </a:t>
@@ -6104,12 +6046,12 @@
           <a:graphicData uri="http://schemas.openxmlformats.org/presentationml/2006/ole">
             <mc:AlternateContent xmlns:mc="http://schemas.openxmlformats.org/markup-compatibility/2006">
               <mc:Choice xmlns:v="urn:schemas-microsoft-com:vml" Requires="v">
-                <p:oleObj spid="_x0000_s21511" name="Document" r:id="rId4" imgW="7301323" imgH="2076860" progId="Word.Document.12">
+                <p:oleObj spid="_x0000_s21513" name="Document" r:id="rId3" imgW="7301323" imgH="2076860" progId="Word.Document.12">
                   <p:embed/>
                 </p:oleObj>
               </mc:Choice>
               <mc:Fallback>
-                <p:oleObj name="Document" r:id="rId4" imgW="7301323" imgH="2076860" progId="Word.Document.12">
+                <p:oleObj name="Document" r:id="rId3" imgW="7301323" imgH="2076860" progId="Word.Document.12">
                   <p:embed/>
                   <p:pic>
                     <p:nvPicPr>
@@ -6118,7 +6060,7 @@
                       <p:nvPr/>
                     </p:nvPicPr>
                     <p:blipFill>
-                      <a:blip r:embed="rId5"/>
+                      <a:blip r:embed="rId4"/>
                       <a:stretch>
                         <a:fillRect/>
                       </a:stretch>
@@ -6149,13 +6091,6 @@
   <p:clrMapOvr>
     <a:masterClrMapping/>
   </p:clrMapOvr>
-  <p:timing>
-    <p:tnLst>
-      <p:par>
-        <p:cTn xmlns:p14="http://schemas.microsoft.com/office/powerpoint/2010/main" id="1" dur="indefinite" restart="never" nodeType="tmRoot"/>
-      </p:par>
-    </p:tnLst>
-  </p:timing>
 </p:sld>
 </file>
 
@@ -6235,14 +6170,13 @@
               <a:defRPr/>
             </a:pPr>
             <a:r>
-              <a:rPr lang="en-US" dirty="0" err="1" smtClean="0"/>
+              <a:rPr lang="en-US" dirty="0" err="1"/>
               <a:t>Murach's</a:t>
             </a:r>
             <a:r>
-              <a:rPr lang="en-US" dirty="0" smtClean="0"/>
+              <a:rPr lang="en-US" dirty="0"/>
               <a:t> Android Programming (2nd Ed.), C3</a:t>
             </a:r>
-            <a:endParaRPr lang="en-US" dirty="0"/>
           </a:p>
         </p:txBody>
       </p:sp>
@@ -6265,39 +6199,38 @@
               <a:defRPr/>
             </a:pPr>
             <a:r>
-              <a:rPr lang="en-US" smtClean="0"/>
+              <a:rPr lang="en-US"/>
               <a:t>© 2015, Mike Murach &amp; Associates, Inc.</a:t>
             </a:r>
+          </a:p>
+        </p:txBody>
+      </p:sp>
+      <p:sp>
+        <p:nvSpPr>
+          <p:cNvPr id="5" name="Slide Number Placeholder 4"/>
+          <p:cNvSpPr>
+            <a:spLocks noGrp="1"/>
+          </p:cNvSpPr>
+          <p:nvPr>
+            <p:ph type="sldNum" sz="quarter" idx="12"/>
+          </p:nvPr>
+        </p:nvSpPr>
+        <p:spPr/>
+        <p:txBody>
+          <a:bodyPr/>
+          <a:lstStyle/>
+          <a:p>
+            <a:pPr>
+              <a:defRPr/>
+            </a:pPr>
             <a:endParaRPr lang="en-US"/>
           </a:p>
-        </p:txBody>
-      </p:sp>
-      <p:sp>
-        <p:nvSpPr>
-          <p:cNvPr id="5" name="Slide Number Placeholder 4"/>
-          <p:cNvSpPr>
-            <a:spLocks noGrp="1"/>
-          </p:cNvSpPr>
-          <p:nvPr>
-            <p:ph type="sldNum" sz="quarter" idx="12"/>
-          </p:nvPr>
-        </p:nvSpPr>
-        <p:spPr/>
-        <p:txBody>
-          <a:bodyPr/>
-          <a:lstStyle/>
-          <a:p>
-            <a:pPr>
-              <a:defRPr/>
-            </a:pPr>
-            <a:endParaRPr lang="en-US" smtClean="0"/>
-          </a:p>
           <a:p>
             <a:pPr algn="r">
               <a:defRPr/>
             </a:pPr>
             <a:r>
-              <a:rPr lang="en-US" sz="900" smtClean="0">
+              <a:rPr lang="en-US" sz="900">
                 <a:latin typeface="Arial Narrow" pitchFamily="34" charset="0"/>
               </a:rPr>
               <a:t>Slide </a:t>
@@ -6339,12 +6272,12 @@
           <a:graphicData uri="http://schemas.openxmlformats.org/presentationml/2006/ole">
             <mc:AlternateContent xmlns:mc="http://schemas.openxmlformats.org/markup-compatibility/2006">
               <mc:Choice xmlns:v="urn:schemas-microsoft-com:vml" Requires="v">
-                <p:oleObj spid="_x0000_s22535" name="Document" r:id="rId4" imgW="7301323" imgH="1875223" progId="Word.Document.12">
+                <p:oleObj spid="_x0000_s22537" name="Document" r:id="rId3" imgW="7301323" imgH="1875223" progId="Word.Document.12">
                   <p:embed/>
                 </p:oleObj>
               </mc:Choice>
               <mc:Fallback>
-                <p:oleObj name="Document" r:id="rId4" imgW="7301323" imgH="1875223" progId="Word.Document.12">
+                <p:oleObj name="Document" r:id="rId3" imgW="7301323" imgH="1875223" progId="Word.Document.12">
                   <p:embed/>
                   <p:pic>
                     <p:nvPicPr>
@@ -6353,7 +6286,7 @@
                       <p:nvPr/>
                     </p:nvPicPr>
                     <p:blipFill>
-                      <a:blip r:embed="rId5"/>
+                      <a:blip r:embed="rId4"/>
                       <a:stretch>
                         <a:fillRect/>
                       </a:stretch>
@@ -6384,13 +6317,6 @@
   <p:clrMapOvr>
     <a:masterClrMapping/>
   </p:clrMapOvr>
-  <p:timing>
-    <p:tnLst>
-      <p:par>
-        <p:cTn xmlns:p14="http://schemas.microsoft.com/office/powerpoint/2010/main" id="1" dur="indefinite" restart="never" nodeType="tmRoot"/>
-      </p:par>
-    </p:tnLst>
-  </p:timing>
 </p:sld>
 </file>
 
@@ -6462,14 +6388,13 @@
               <a:defRPr/>
             </a:pPr>
             <a:r>
-              <a:rPr lang="en-US" dirty="0" err="1" smtClean="0"/>
+              <a:rPr lang="en-US" dirty="0" err="1"/>
               <a:t>Murach's</a:t>
             </a:r>
             <a:r>
-              <a:rPr lang="en-US" dirty="0" smtClean="0"/>
+              <a:rPr lang="en-US" dirty="0"/>
               <a:t> Android Programming (2nd Ed.), C3</a:t>
             </a:r>
-            <a:endParaRPr lang="en-US" dirty="0"/>
           </a:p>
         </p:txBody>
       </p:sp>
@@ -6492,39 +6417,38 @@
               <a:defRPr/>
             </a:pPr>
             <a:r>
-              <a:rPr lang="en-US" smtClean="0"/>
+              <a:rPr lang="en-US"/>
               <a:t>© 2015, Mike Murach &amp; Associates, Inc.</a:t>
             </a:r>
+          </a:p>
+        </p:txBody>
+      </p:sp>
+      <p:sp>
+        <p:nvSpPr>
+          <p:cNvPr id="5" name="Slide Number Placeholder 4"/>
+          <p:cNvSpPr>
+            <a:spLocks noGrp="1"/>
+          </p:cNvSpPr>
+          <p:nvPr>
+            <p:ph type="sldNum" sz="quarter" idx="12"/>
+          </p:nvPr>
+        </p:nvSpPr>
+        <p:spPr/>
+        <p:txBody>
+          <a:bodyPr/>
+          <a:lstStyle/>
+          <a:p>
+            <a:pPr>
+              <a:defRPr/>
+            </a:pPr>
             <a:endParaRPr lang="en-US"/>
           </a:p>
-        </p:txBody>
-      </p:sp>
-      <p:sp>
-        <p:nvSpPr>
-          <p:cNvPr id="5" name="Slide Number Placeholder 4"/>
-          <p:cNvSpPr>
-            <a:spLocks noGrp="1"/>
-          </p:cNvSpPr>
-          <p:nvPr>
-            <p:ph type="sldNum" sz="quarter" idx="12"/>
-          </p:nvPr>
-        </p:nvSpPr>
-        <p:spPr/>
-        <p:txBody>
-          <a:bodyPr/>
-          <a:lstStyle/>
-          <a:p>
-            <a:pPr>
-              <a:defRPr/>
-            </a:pPr>
-            <a:endParaRPr lang="en-US" smtClean="0"/>
-          </a:p>
           <a:p>
             <a:pPr algn="r">
               <a:defRPr/>
             </a:pPr>
             <a:r>
-              <a:rPr lang="en-US" sz="900" smtClean="0">
+              <a:rPr lang="en-US" sz="900">
                 <a:latin typeface="Arial Narrow" pitchFamily="34" charset="0"/>
               </a:rPr>
               <a:t>Slide </a:t>
@@ -6566,12 +6490,12 @@
           <a:graphicData uri="http://schemas.openxmlformats.org/presentationml/2006/ole">
             <mc:AlternateContent xmlns:mc="http://schemas.openxmlformats.org/markup-compatibility/2006">
               <mc:Choice xmlns:v="urn:schemas-microsoft-com:vml" Requires="v">
-                <p:oleObj spid="_x0000_s23559" name="Document" r:id="rId4" imgW="7301323" imgH="3367697" progId="Word.Document.12">
+                <p:oleObj spid="_x0000_s23561" name="Document" r:id="rId3" imgW="7301323" imgH="3367697" progId="Word.Document.12">
                   <p:embed/>
                 </p:oleObj>
               </mc:Choice>
               <mc:Fallback>
-                <p:oleObj name="Document" r:id="rId4" imgW="7301323" imgH="3367697" progId="Word.Document.12">
+                <p:oleObj name="Document" r:id="rId3" imgW="7301323" imgH="3367697" progId="Word.Document.12">
                   <p:embed/>
                   <p:pic>
                     <p:nvPicPr>
@@ -6580,7 +6504,7 @@
                       <p:nvPr/>
                     </p:nvPicPr>
                     <p:blipFill>
-                      <a:blip r:embed="rId5"/>
+                      <a:blip r:embed="rId4"/>
                       <a:stretch>
                         <a:fillRect/>
                       </a:stretch>
@@ -6611,13 +6535,6 @@
   <p:clrMapOvr>
     <a:masterClrMapping/>
   </p:clrMapOvr>
-  <p:timing>
-    <p:tnLst>
-      <p:par>
-        <p:cTn xmlns:p14="http://schemas.microsoft.com/office/powerpoint/2010/main" id="1" dur="indefinite" restart="never" nodeType="tmRoot"/>
-      </p:par>
-    </p:tnLst>
-  </p:timing>
 </p:sld>
 </file>
 
@@ -6689,14 +6606,13 @@
               <a:defRPr/>
             </a:pPr>
             <a:r>
-              <a:rPr lang="en-US" dirty="0" err="1" smtClean="0"/>
+              <a:rPr lang="en-US" dirty="0" err="1"/>
               <a:t>Murach's</a:t>
             </a:r>
             <a:r>
-              <a:rPr lang="en-US" dirty="0" smtClean="0"/>
+              <a:rPr lang="en-US" dirty="0"/>
               <a:t> Android Programming (2nd Ed.), C3</a:t>
             </a:r>
-            <a:endParaRPr lang="en-US" dirty="0"/>
           </a:p>
         </p:txBody>
       </p:sp>
@@ -6719,39 +6635,38 @@
               <a:defRPr/>
             </a:pPr>
             <a:r>
-              <a:rPr lang="en-US" smtClean="0"/>
+              <a:rPr lang="en-US"/>
               <a:t>© 2015, Mike Murach &amp; Associates, Inc.</a:t>
             </a:r>
+          </a:p>
+        </p:txBody>
+      </p:sp>
+      <p:sp>
+        <p:nvSpPr>
+          <p:cNvPr id="5" name="Slide Number Placeholder 4"/>
+          <p:cNvSpPr>
+            <a:spLocks noGrp="1"/>
+          </p:cNvSpPr>
+          <p:nvPr>
+            <p:ph type="sldNum" sz="quarter" idx="12"/>
+          </p:nvPr>
+        </p:nvSpPr>
+        <p:spPr/>
+        <p:txBody>
+          <a:bodyPr/>
+          <a:lstStyle/>
+          <a:p>
+            <a:pPr>
+              <a:defRPr/>
+            </a:pPr>
             <a:endParaRPr lang="en-US"/>
           </a:p>
-        </p:txBody>
-      </p:sp>
-      <p:sp>
-        <p:nvSpPr>
-          <p:cNvPr id="5" name="Slide Number Placeholder 4"/>
-          <p:cNvSpPr>
-            <a:spLocks noGrp="1"/>
-          </p:cNvSpPr>
-          <p:nvPr>
-            <p:ph type="sldNum" sz="quarter" idx="12"/>
-          </p:nvPr>
-        </p:nvSpPr>
-        <p:spPr/>
-        <p:txBody>
-          <a:bodyPr/>
-          <a:lstStyle/>
-          <a:p>
-            <a:pPr>
-              <a:defRPr/>
-            </a:pPr>
-            <a:endParaRPr lang="en-US" smtClean="0"/>
-          </a:p>
           <a:p>
             <a:pPr algn="r">
               <a:defRPr/>
             </a:pPr>
             <a:r>
-              <a:rPr lang="en-US" sz="900" smtClean="0">
+              <a:rPr lang="en-US" sz="900">
                 <a:latin typeface="Arial Narrow" pitchFamily="34" charset="0"/>
               </a:rPr>
               <a:t>Slide </a:t>
@@ -6793,12 +6708,12 @@
           <a:graphicData uri="http://schemas.openxmlformats.org/presentationml/2006/ole">
             <mc:AlternateContent xmlns:mc="http://schemas.openxmlformats.org/markup-compatibility/2006">
               <mc:Choice xmlns:v="urn:schemas-microsoft-com:vml" Requires="v">
-                <p:oleObj spid="_x0000_s24583" name="Document" r:id="rId4" imgW="7301323" imgH="3567893" progId="Word.Document.12">
+                <p:oleObj spid="_x0000_s24585" name="Document" r:id="rId3" imgW="7301323" imgH="3567893" progId="Word.Document.12">
                   <p:embed/>
                 </p:oleObj>
               </mc:Choice>
               <mc:Fallback>
-                <p:oleObj name="Document" r:id="rId4" imgW="7301323" imgH="3567893" progId="Word.Document.12">
+                <p:oleObj name="Document" r:id="rId3" imgW="7301323" imgH="3567893" progId="Word.Document.12">
                   <p:embed/>
                   <p:pic>
                     <p:nvPicPr>
@@ -6807,7 +6722,7 @@
                       <p:nvPr/>
                     </p:nvPicPr>
                     <p:blipFill>
-                      <a:blip r:embed="rId5"/>
+                      <a:blip r:embed="rId4"/>
                       <a:stretch>
                         <a:fillRect/>
                       </a:stretch>
@@ -6838,13 +6753,6 @@
   <p:clrMapOvr>
     <a:masterClrMapping/>
   </p:clrMapOvr>
-  <p:timing>
-    <p:tnLst>
-      <p:par>
-        <p:cTn xmlns:p14="http://schemas.microsoft.com/office/powerpoint/2010/main" id="1" dur="indefinite" restart="never" nodeType="tmRoot"/>
-      </p:par>
-    </p:tnLst>
-  </p:timing>
 </p:sld>
 </file>
 
@@ -6916,65 +6824,63 @@
               <a:defRPr/>
             </a:pPr>
             <a:r>
-              <a:rPr lang="en-US" smtClean="0"/>
+              <a:rPr lang="en-US"/>
               <a:t>Murach's Android Programming (2nd Ed.), C3</a:t>
             </a:r>
+          </a:p>
+        </p:txBody>
+      </p:sp>
+      <p:sp>
+        <p:nvSpPr>
+          <p:cNvPr id="4" name="Footer Placeholder 3"/>
+          <p:cNvSpPr>
+            <a:spLocks noGrp="1"/>
+          </p:cNvSpPr>
+          <p:nvPr>
+            <p:ph type="ftr" sz="quarter" idx="11"/>
+          </p:nvPr>
+        </p:nvSpPr>
+        <p:spPr/>
+        <p:txBody>
+          <a:bodyPr/>
+          <a:lstStyle/>
+          <a:p>
+            <a:pPr>
+              <a:defRPr/>
+            </a:pPr>
+            <a:r>
+              <a:rPr lang="en-US"/>
+              <a:t>© 2015, Mike Murach &amp; Associates, Inc.</a:t>
+            </a:r>
+          </a:p>
+        </p:txBody>
+      </p:sp>
+      <p:sp>
+        <p:nvSpPr>
+          <p:cNvPr id="5" name="Slide Number Placeholder 4"/>
+          <p:cNvSpPr>
+            <a:spLocks noGrp="1"/>
+          </p:cNvSpPr>
+          <p:nvPr>
+            <p:ph type="sldNum" sz="quarter" idx="12"/>
+          </p:nvPr>
+        </p:nvSpPr>
+        <p:spPr/>
+        <p:txBody>
+          <a:bodyPr/>
+          <a:lstStyle/>
+          <a:p>
+            <a:pPr>
+              <a:defRPr/>
+            </a:pPr>
             <a:endParaRPr lang="en-US"/>
           </a:p>
-        </p:txBody>
-      </p:sp>
-      <p:sp>
-        <p:nvSpPr>
-          <p:cNvPr id="4" name="Footer Placeholder 3"/>
-          <p:cNvSpPr>
-            <a:spLocks noGrp="1"/>
-          </p:cNvSpPr>
-          <p:nvPr>
-            <p:ph type="ftr" sz="quarter" idx="11"/>
-          </p:nvPr>
-        </p:nvSpPr>
-        <p:spPr/>
-        <p:txBody>
-          <a:bodyPr/>
-          <a:lstStyle/>
-          <a:p>
-            <a:pPr>
-              <a:defRPr/>
-            </a:pPr>
-            <a:r>
-              <a:rPr lang="en-US" smtClean="0"/>
-              <a:t>© 2015, Mike Murach &amp; Associates, Inc.</a:t>
-            </a:r>
-            <a:endParaRPr lang="en-US"/>
-          </a:p>
-        </p:txBody>
-      </p:sp>
-      <p:sp>
-        <p:nvSpPr>
-          <p:cNvPr id="5" name="Slide Number Placeholder 4"/>
-          <p:cNvSpPr>
-            <a:spLocks noGrp="1"/>
-          </p:cNvSpPr>
-          <p:nvPr>
-            <p:ph type="sldNum" sz="quarter" idx="12"/>
-          </p:nvPr>
-        </p:nvSpPr>
-        <p:spPr/>
-        <p:txBody>
-          <a:bodyPr/>
-          <a:lstStyle/>
-          <a:p>
-            <a:pPr>
-              <a:defRPr/>
-            </a:pPr>
-            <a:endParaRPr lang="en-US" smtClean="0"/>
-          </a:p>
           <a:p>
             <a:pPr algn="r">
               <a:defRPr/>
             </a:pPr>
             <a:r>
-              <a:rPr lang="en-US" sz="900" smtClean="0">
+              <a:rPr lang="en-US" sz="900">
                 <a:latin typeface="Arial Narrow" pitchFamily="34" charset="0"/>
               </a:rPr>
               <a:t>Slide </a:t>
@@ -7016,12 +6922,12 @@
           <a:graphicData uri="http://schemas.openxmlformats.org/presentationml/2006/ole">
             <mc:AlternateContent xmlns:mc="http://schemas.openxmlformats.org/markup-compatibility/2006">
               <mc:Choice xmlns:v="urn:schemas-microsoft-com:vml" Requires="v">
-                <p:oleObj spid="_x0000_s25607" name="Document" r:id="rId4" imgW="7301323" imgH="4979352" progId="Word.Document.12">
+                <p:oleObj spid="_x0000_s25609" name="Document" r:id="rId3" imgW="7301323" imgH="4979352" progId="Word.Document.12">
                   <p:embed/>
                 </p:oleObj>
               </mc:Choice>
               <mc:Fallback>
-                <p:oleObj name="Document" r:id="rId4" imgW="7301323" imgH="4979352" progId="Word.Document.12">
+                <p:oleObj name="Document" r:id="rId3" imgW="7301323" imgH="4979352" progId="Word.Document.12">
                   <p:embed/>
                   <p:pic>
                     <p:nvPicPr>
@@ -7030,7 +6936,7 @@
                       <p:nvPr/>
                     </p:nvPicPr>
                     <p:blipFill>
-                      <a:blip r:embed="rId5"/>
+                      <a:blip r:embed="rId4"/>
                       <a:stretch>
                         <a:fillRect/>
                       </a:stretch>
@@ -7061,13 +6967,6 @@
   <p:clrMapOvr>
     <a:masterClrMapping/>
   </p:clrMapOvr>
-  <p:timing>
-    <p:tnLst>
-      <p:par>
-        <p:cTn xmlns:p14="http://schemas.microsoft.com/office/powerpoint/2010/main" id="1" dur="indefinite" restart="never" nodeType="tmRoot"/>
-      </p:par>
-    </p:tnLst>
-  </p:timing>
 </p:sld>
 </file>
 
@@ -7139,14 +7038,13 @@
               <a:defRPr/>
             </a:pPr>
             <a:r>
-              <a:rPr lang="en-US" dirty="0" err="1" smtClean="0"/>
+              <a:rPr lang="en-US" dirty="0" err="1"/>
               <a:t>Murach's</a:t>
             </a:r>
             <a:r>
-              <a:rPr lang="en-US" dirty="0" smtClean="0"/>
+              <a:rPr lang="en-US" dirty="0"/>
               <a:t> Android Programming (2nd Ed.), C3</a:t>
             </a:r>
-            <a:endParaRPr lang="en-US" dirty="0"/>
           </a:p>
         </p:txBody>
       </p:sp>
@@ -7169,39 +7067,38 @@
               <a:defRPr/>
             </a:pPr>
             <a:r>
-              <a:rPr lang="en-US" smtClean="0"/>
+              <a:rPr lang="en-US"/>
               <a:t>© 2015, Mike Murach &amp; Associates, Inc.</a:t>
             </a:r>
+          </a:p>
+        </p:txBody>
+      </p:sp>
+      <p:sp>
+        <p:nvSpPr>
+          <p:cNvPr id="5" name="Slide Number Placeholder 4"/>
+          <p:cNvSpPr>
+            <a:spLocks noGrp="1"/>
+          </p:cNvSpPr>
+          <p:nvPr>
+            <p:ph type="sldNum" sz="quarter" idx="12"/>
+          </p:nvPr>
+        </p:nvSpPr>
+        <p:spPr/>
+        <p:txBody>
+          <a:bodyPr/>
+          <a:lstStyle/>
+          <a:p>
+            <a:pPr>
+              <a:defRPr/>
+            </a:pPr>
             <a:endParaRPr lang="en-US"/>
           </a:p>
-        </p:txBody>
-      </p:sp>
-      <p:sp>
-        <p:nvSpPr>
-          <p:cNvPr id="5" name="Slide Number Placeholder 4"/>
-          <p:cNvSpPr>
-            <a:spLocks noGrp="1"/>
-          </p:cNvSpPr>
-          <p:nvPr>
-            <p:ph type="sldNum" sz="quarter" idx="12"/>
-          </p:nvPr>
-        </p:nvSpPr>
-        <p:spPr/>
-        <p:txBody>
-          <a:bodyPr/>
-          <a:lstStyle/>
-          <a:p>
-            <a:pPr>
-              <a:defRPr/>
-            </a:pPr>
-            <a:endParaRPr lang="en-US" smtClean="0"/>
-          </a:p>
           <a:p>
             <a:pPr algn="r">
               <a:defRPr/>
             </a:pPr>
             <a:r>
-              <a:rPr lang="en-US" sz="900" smtClean="0">
+              <a:rPr lang="en-US" sz="900">
                 <a:latin typeface="Arial Narrow" pitchFamily="34" charset="0"/>
               </a:rPr>
               <a:t>Slide </a:t>
@@ -7243,12 +7140,12 @@
           <a:graphicData uri="http://schemas.openxmlformats.org/presentationml/2006/ole">
             <mc:AlternateContent xmlns:mc="http://schemas.openxmlformats.org/markup-compatibility/2006">
               <mc:Choice xmlns:v="urn:schemas-microsoft-com:vml" Requires="v">
-                <p:oleObj spid="_x0000_s26631" name="Document" r:id="rId4" imgW="7301323" imgH="3166060" progId="Word.Document.12">
+                <p:oleObj spid="_x0000_s26633" name="Document" r:id="rId3" imgW="7301323" imgH="3166060" progId="Word.Document.12">
                   <p:embed/>
                 </p:oleObj>
               </mc:Choice>
               <mc:Fallback>
-                <p:oleObj name="Document" r:id="rId4" imgW="7301323" imgH="3166060" progId="Word.Document.12">
+                <p:oleObj name="Document" r:id="rId3" imgW="7301323" imgH="3166060" progId="Word.Document.12">
                   <p:embed/>
                   <p:pic>
                     <p:nvPicPr>
@@ -7257,7 +7154,7 @@
                       <p:nvPr/>
                     </p:nvPicPr>
                     <p:blipFill>
-                      <a:blip r:embed="rId5"/>
+                      <a:blip r:embed="rId4"/>
                       <a:stretch>
                         <a:fillRect/>
                       </a:stretch>
@@ -7288,13 +7185,6 @@
   <p:clrMapOvr>
     <a:masterClrMapping/>
   </p:clrMapOvr>
-  <p:timing>
-    <p:tnLst>
-      <p:par>
-        <p:cTn xmlns:p14="http://schemas.microsoft.com/office/powerpoint/2010/main" id="1" dur="indefinite" restart="never" nodeType="tmRoot"/>
-      </p:par>
-    </p:tnLst>
-  </p:timing>
 </p:sld>
 </file>
 
@@ -7366,65 +7256,63 @@
               <a:defRPr/>
             </a:pPr>
             <a:r>
-              <a:rPr lang="en-US" smtClean="0"/>
+              <a:rPr lang="en-US"/>
               <a:t>Murach's Android Programming (2nd Ed.), C3</a:t>
             </a:r>
+          </a:p>
+        </p:txBody>
+      </p:sp>
+      <p:sp>
+        <p:nvSpPr>
+          <p:cNvPr id="4" name="Footer Placeholder 3"/>
+          <p:cNvSpPr>
+            <a:spLocks noGrp="1"/>
+          </p:cNvSpPr>
+          <p:nvPr>
+            <p:ph type="ftr" sz="quarter" idx="11"/>
+          </p:nvPr>
+        </p:nvSpPr>
+        <p:spPr/>
+        <p:txBody>
+          <a:bodyPr/>
+          <a:lstStyle/>
+          <a:p>
+            <a:pPr>
+              <a:defRPr/>
+            </a:pPr>
+            <a:r>
+              <a:rPr lang="en-US"/>
+              <a:t>© 2015, Mike Murach &amp; Associates, Inc.</a:t>
+            </a:r>
+          </a:p>
+        </p:txBody>
+      </p:sp>
+      <p:sp>
+        <p:nvSpPr>
+          <p:cNvPr id="5" name="Slide Number Placeholder 4"/>
+          <p:cNvSpPr>
+            <a:spLocks noGrp="1"/>
+          </p:cNvSpPr>
+          <p:nvPr>
+            <p:ph type="sldNum" sz="quarter" idx="12"/>
+          </p:nvPr>
+        </p:nvSpPr>
+        <p:spPr/>
+        <p:txBody>
+          <a:bodyPr/>
+          <a:lstStyle/>
+          <a:p>
+            <a:pPr>
+              <a:defRPr/>
+            </a:pPr>
             <a:endParaRPr lang="en-US"/>
           </a:p>
-        </p:txBody>
-      </p:sp>
-      <p:sp>
-        <p:nvSpPr>
-          <p:cNvPr id="4" name="Footer Placeholder 3"/>
-          <p:cNvSpPr>
-            <a:spLocks noGrp="1"/>
-          </p:cNvSpPr>
-          <p:nvPr>
-            <p:ph type="ftr" sz="quarter" idx="11"/>
-          </p:nvPr>
-        </p:nvSpPr>
-        <p:spPr/>
-        <p:txBody>
-          <a:bodyPr/>
-          <a:lstStyle/>
-          <a:p>
-            <a:pPr>
-              <a:defRPr/>
-            </a:pPr>
-            <a:r>
-              <a:rPr lang="en-US" smtClean="0"/>
-              <a:t>© 2015, Mike Murach &amp; Associates, Inc.</a:t>
-            </a:r>
-            <a:endParaRPr lang="en-US"/>
-          </a:p>
-        </p:txBody>
-      </p:sp>
-      <p:sp>
-        <p:nvSpPr>
-          <p:cNvPr id="5" name="Slide Number Placeholder 4"/>
-          <p:cNvSpPr>
-            <a:spLocks noGrp="1"/>
-          </p:cNvSpPr>
-          <p:nvPr>
-            <p:ph type="sldNum" sz="quarter" idx="12"/>
-          </p:nvPr>
-        </p:nvSpPr>
-        <p:spPr/>
-        <p:txBody>
-          <a:bodyPr/>
-          <a:lstStyle/>
-          <a:p>
-            <a:pPr>
-              <a:defRPr/>
-            </a:pPr>
-            <a:endParaRPr lang="en-US" smtClean="0"/>
-          </a:p>
           <a:p>
             <a:pPr algn="r">
               <a:defRPr/>
             </a:pPr>
             <a:r>
-              <a:rPr lang="en-US" sz="900" smtClean="0">
+              <a:rPr lang="en-US" sz="900">
                 <a:latin typeface="Arial Narrow" pitchFamily="34" charset="0"/>
               </a:rPr>
               <a:t>Slide </a:t>
@@ -7466,12 +7354,12 @@
           <a:graphicData uri="http://schemas.openxmlformats.org/presentationml/2006/ole">
             <mc:AlternateContent xmlns:mc="http://schemas.openxmlformats.org/markup-compatibility/2006">
               <mc:Choice xmlns:v="urn:schemas-microsoft-com:vml" Requires="v">
-                <p:oleObj spid="_x0000_s27655" name="Document" r:id="rId4" imgW="7301323" imgH="3166060" progId="Word.Document.12">
+                <p:oleObj spid="_x0000_s27657" name="Document" r:id="rId3" imgW="7301323" imgH="3166060" progId="Word.Document.12">
                   <p:embed/>
                 </p:oleObj>
               </mc:Choice>
               <mc:Fallback>
-                <p:oleObj name="Document" r:id="rId4" imgW="7301323" imgH="3166060" progId="Word.Document.12">
+                <p:oleObj name="Document" r:id="rId3" imgW="7301323" imgH="3166060" progId="Word.Document.12">
                   <p:embed/>
                   <p:pic>
                     <p:nvPicPr>
@@ -7480,7 +7368,7 @@
                       <p:nvPr/>
                     </p:nvPicPr>
                     <p:blipFill>
-                      <a:blip r:embed="rId5"/>
+                      <a:blip r:embed="rId4"/>
                       <a:stretch>
                         <a:fillRect/>
                       </a:stretch>
@@ -7511,13 +7399,6 @@
   <p:clrMapOvr>
     <a:masterClrMapping/>
   </p:clrMapOvr>
-  <p:timing>
-    <p:tnLst>
-      <p:par>
-        <p:cTn xmlns:p14="http://schemas.microsoft.com/office/powerpoint/2010/main" id="1" dur="indefinite" restart="never" nodeType="tmRoot"/>
-      </p:par>
-    </p:tnLst>
-  </p:timing>
 </p:sld>
 </file>
 
@@ -7589,14 +7470,13 @@
               <a:defRPr/>
             </a:pPr>
             <a:r>
-              <a:rPr lang="en-US" dirty="0" err="1" smtClean="0"/>
+              <a:rPr lang="en-US" dirty="0" err="1"/>
               <a:t>Murach's</a:t>
             </a:r>
             <a:r>
-              <a:rPr lang="en-US" dirty="0" smtClean="0"/>
+              <a:rPr lang="en-US" dirty="0"/>
               <a:t> Android Programming (2nd Ed.), C3</a:t>
             </a:r>
-            <a:endParaRPr lang="en-US" dirty="0"/>
           </a:p>
         </p:txBody>
       </p:sp>
@@ -7619,39 +7499,38 @@
               <a:defRPr/>
             </a:pPr>
             <a:r>
-              <a:rPr lang="en-US" smtClean="0"/>
+              <a:rPr lang="en-US"/>
               <a:t>© 2015, Mike Murach &amp; Associates, Inc.</a:t>
             </a:r>
+          </a:p>
+        </p:txBody>
+      </p:sp>
+      <p:sp>
+        <p:nvSpPr>
+          <p:cNvPr id="5" name="Slide Number Placeholder 4"/>
+          <p:cNvSpPr>
+            <a:spLocks noGrp="1"/>
+          </p:cNvSpPr>
+          <p:nvPr>
+            <p:ph type="sldNum" sz="quarter" idx="12"/>
+          </p:nvPr>
+        </p:nvSpPr>
+        <p:spPr/>
+        <p:txBody>
+          <a:bodyPr/>
+          <a:lstStyle/>
+          <a:p>
+            <a:pPr>
+              <a:defRPr/>
+            </a:pPr>
             <a:endParaRPr lang="en-US"/>
           </a:p>
-        </p:txBody>
-      </p:sp>
-      <p:sp>
-        <p:nvSpPr>
-          <p:cNvPr id="5" name="Slide Number Placeholder 4"/>
-          <p:cNvSpPr>
-            <a:spLocks noGrp="1"/>
-          </p:cNvSpPr>
-          <p:nvPr>
-            <p:ph type="sldNum" sz="quarter" idx="12"/>
-          </p:nvPr>
-        </p:nvSpPr>
-        <p:spPr/>
-        <p:txBody>
-          <a:bodyPr/>
-          <a:lstStyle/>
-          <a:p>
-            <a:pPr>
-              <a:defRPr/>
-            </a:pPr>
-            <a:endParaRPr lang="en-US" smtClean="0"/>
-          </a:p>
           <a:p>
             <a:pPr algn="r">
               <a:defRPr/>
             </a:pPr>
             <a:r>
-              <a:rPr lang="en-US" sz="900" smtClean="0">
+              <a:rPr lang="en-US" sz="900">
                 <a:latin typeface="Arial Narrow" pitchFamily="34" charset="0"/>
               </a:rPr>
               <a:t>Slide </a:t>
@@ -7693,12 +7572,12 @@
           <a:graphicData uri="http://schemas.openxmlformats.org/presentationml/2006/ole">
             <mc:AlternateContent xmlns:mc="http://schemas.openxmlformats.org/markup-compatibility/2006">
               <mc:Choice xmlns:v="urn:schemas-microsoft-com:vml" Requires="v">
-                <p:oleObj spid="_x0000_s28679" name="Document" r:id="rId4" imgW="7301323" imgH="4979352" progId="Word.Document.12">
+                <p:oleObj spid="_x0000_s28681" name="Document" r:id="rId3" imgW="7301323" imgH="4979352" progId="Word.Document.12">
                   <p:embed/>
                 </p:oleObj>
               </mc:Choice>
               <mc:Fallback>
-                <p:oleObj name="Document" r:id="rId4" imgW="7301323" imgH="4979352" progId="Word.Document.12">
+                <p:oleObj name="Document" r:id="rId3" imgW="7301323" imgH="4979352" progId="Word.Document.12">
                   <p:embed/>
                   <p:pic>
                     <p:nvPicPr>
@@ -7707,7 +7586,7 @@
                       <p:nvPr/>
                     </p:nvPicPr>
                     <p:blipFill>
-                      <a:blip r:embed="rId5"/>
+                      <a:blip r:embed="rId4"/>
                       <a:stretch>
                         <a:fillRect/>
                       </a:stretch>
@@ -7738,13 +7617,6 @@
   <p:clrMapOvr>
     <a:masterClrMapping/>
   </p:clrMapOvr>
-  <p:timing>
-    <p:tnLst>
-      <p:par>
-        <p:cTn xmlns:p14="http://schemas.microsoft.com/office/powerpoint/2010/main" id="1" dur="indefinite" restart="never" nodeType="tmRoot"/>
-      </p:par>
-    </p:tnLst>
-  </p:timing>
 </p:sld>
 </file>
 
@@ -7816,14 +7688,13 @@
               <a:defRPr/>
             </a:pPr>
             <a:r>
-              <a:rPr lang="en-US" dirty="0" err="1" smtClean="0"/>
+              <a:rPr lang="en-US" dirty="0" err="1"/>
               <a:t>Murach's</a:t>
             </a:r>
             <a:r>
-              <a:rPr lang="en-US" dirty="0" smtClean="0"/>
+              <a:rPr lang="en-US" dirty="0"/>
               <a:t> Android Programming (2nd Ed.), C3</a:t>
             </a:r>
-            <a:endParaRPr lang="en-US" dirty="0"/>
           </a:p>
         </p:txBody>
       </p:sp>
@@ -7846,39 +7717,38 @@
               <a:defRPr/>
             </a:pPr>
             <a:r>
-              <a:rPr lang="en-US" smtClean="0"/>
+              <a:rPr lang="en-US"/>
               <a:t>© 2015, Mike Murach &amp; Associates, Inc.</a:t>
             </a:r>
+          </a:p>
+        </p:txBody>
+      </p:sp>
+      <p:sp>
+        <p:nvSpPr>
+          <p:cNvPr id="5" name="Slide Number Placeholder 4"/>
+          <p:cNvSpPr>
+            <a:spLocks noGrp="1"/>
+          </p:cNvSpPr>
+          <p:nvPr>
+            <p:ph type="sldNum" sz="quarter" idx="12"/>
+          </p:nvPr>
+        </p:nvSpPr>
+        <p:spPr/>
+        <p:txBody>
+          <a:bodyPr/>
+          <a:lstStyle/>
+          <a:p>
+            <a:pPr>
+              <a:defRPr/>
+            </a:pPr>
             <a:endParaRPr lang="en-US"/>
           </a:p>
-        </p:txBody>
-      </p:sp>
-      <p:sp>
-        <p:nvSpPr>
-          <p:cNvPr id="5" name="Slide Number Placeholder 4"/>
-          <p:cNvSpPr>
-            <a:spLocks noGrp="1"/>
-          </p:cNvSpPr>
-          <p:nvPr>
-            <p:ph type="sldNum" sz="quarter" idx="12"/>
-          </p:nvPr>
-        </p:nvSpPr>
-        <p:spPr/>
-        <p:txBody>
-          <a:bodyPr/>
-          <a:lstStyle/>
-          <a:p>
-            <a:pPr>
-              <a:defRPr/>
-            </a:pPr>
-            <a:endParaRPr lang="en-US" smtClean="0"/>
-          </a:p>
           <a:p>
             <a:pPr algn="r">
               <a:defRPr/>
             </a:pPr>
             <a:r>
-              <a:rPr lang="en-US" sz="900" smtClean="0">
+              <a:rPr lang="en-US" sz="900">
                 <a:latin typeface="Arial Narrow" pitchFamily="34" charset="0"/>
               </a:rPr>
               <a:t>Slide </a:t>
@@ -7920,12 +7790,12 @@
           <a:graphicData uri="http://schemas.openxmlformats.org/presentationml/2006/ole">
             <mc:AlternateContent xmlns:mc="http://schemas.openxmlformats.org/markup-compatibility/2006">
               <mc:Choice xmlns:v="urn:schemas-microsoft-com:vml" Requires="v">
-                <p:oleObj spid="_x0000_s29703" name="Document" r:id="rId4" imgW="7313400" imgH="4976886" progId="Word.Document.12">
+                <p:oleObj spid="_x0000_s29705" name="Document" r:id="rId3" imgW="7313400" imgH="4976886" progId="Word.Document.12">
                   <p:embed/>
                 </p:oleObj>
               </mc:Choice>
               <mc:Fallback>
-                <p:oleObj name="Document" r:id="rId4" imgW="7313400" imgH="4976886" progId="Word.Document.12">
+                <p:oleObj name="Document" r:id="rId3" imgW="7313400" imgH="4976886" progId="Word.Document.12">
                   <p:embed/>
                   <p:pic>
                     <p:nvPicPr>
@@ -7934,7 +7804,7 @@
                       <p:nvPr/>
                     </p:nvPicPr>
                     <p:blipFill>
-                      <a:blip r:embed="rId5"/>
+                      <a:blip r:embed="rId4"/>
                       <a:stretch>
                         <a:fillRect/>
                       </a:stretch>
@@ -7965,13 +7835,6 @@
   <p:clrMapOvr>
     <a:masterClrMapping/>
   </p:clrMapOvr>
-  <p:timing>
-    <p:tnLst>
-      <p:par>
-        <p:cTn xmlns:p14="http://schemas.microsoft.com/office/powerpoint/2010/main" id="1" dur="indefinite" restart="never" nodeType="tmRoot"/>
-      </p:par>
-    </p:tnLst>
-  </p:timing>
 </p:sld>
 </file>
 
@@ -8043,14 +7906,13 @@
               <a:defRPr/>
             </a:pPr>
             <a:r>
-              <a:rPr lang="en-US" dirty="0" err="1" smtClean="0"/>
+              <a:rPr lang="en-US" dirty="0" err="1"/>
               <a:t>Murach's</a:t>
             </a:r>
             <a:r>
-              <a:rPr lang="en-US" dirty="0" smtClean="0"/>
+              <a:rPr lang="en-US" dirty="0"/>
               <a:t> Android Programming (2nd Ed.), C3</a:t>
             </a:r>
-            <a:endParaRPr lang="en-US" dirty="0"/>
           </a:p>
         </p:txBody>
       </p:sp>
@@ -8073,39 +7935,38 @@
               <a:defRPr/>
             </a:pPr>
             <a:r>
-              <a:rPr lang="en-US" smtClean="0"/>
+              <a:rPr lang="en-US"/>
               <a:t>© 2015, Mike Murach &amp; Associates, Inc.</a:t>
             </a:r>
+          </a:p>
+        </p:txBody>
+      </p:sp>
+      <p:sp>
+        <p:nvSpPr>
+          <p:cNvPr id="5" name="Slide Number Placeholder 4"/>
+          <p:cNvSpPr>
+            <a:spLocks noGrp="1"/>
+          </p:cNvSpPr>
+          <p:nvPr>
+            <p:ph type="sldNum" sz="quarter" idx="12"/>
+          </p:nvPr>
+        </p:nvSpPr>
+        <p:spPr/>
+        <p:txBody>
+          <a:bodyPr/>
+          <a:lstStyle/>
+          <a:p>
+            <a:pPr>
+              <a:defRPr/>
+            </a:pPr>
             <a:endParaRPr lang="en-US"/>
           </a:p>
-        </p:txBody>
-      </p:sp>
-      <p:sp>
-        <p:nvSpPr>
-          <p:cNvPr id="5" name="Slide Number Placeholder 4"/>
-          <p:cNvSpPr>
-            <a:spLocks noGrp="1"/>
-          </p:cNvSpPr>
-          <p:nvPr>
-            <p:ph type="sldNum" sz="quarter" idx="12"/>
-          </p:nvPr>
-        </p:nvSpPr>
-        <p:spPr/>
-        <p:txBody>
-          <a:bodyPr/>
-          <a:lstStyle/>
-          <a:p>
-            <a:pPr>
-              <a:defRPr/>
-            </a:pPr>
-            <a:endParaRPr lang="en-US" smtClean="0"/>
-          </a:p>
           <a:p>
             <a:pPr algn="r">
               <a:defRPr/>
             </a:pPr>
             <a:r>
-              <a:rPr lang="en-US" sz="900" smtClean="0">
+              <a:rPr lang="en-US" sz="900">
                 <a:latin typeface="Arial Narrow" pitchFamily="34" charset="0"/>
               </a:rPr>
               <a:t>Slide </a:t>
@@ -8147,12 +8008,12 @@
           <a:graphicData uri="http://schemas.openxmlformats.org/presentationml/2006/ole">
             <mc:AlternateContent xmlns:mc="http://schemas.openxmlformats.org/markup-compatibility/2006">
               <mc:Choice xmlns:v="urn:schemas-microsoft-com:vml" Requires="v">
-                <p:oleObj spid="_x0000_s4104" name="Document" r:id="rId4" imgW="7301323" imgH="2680331" progId="Word.Document.12">
+                <p:oleObj spid="_x0000_s4106" name="Document" r:id="rId3" imgW="7301323" imgH="2680331" progId="Word.Document.12">
                   <p:embed/>
                 </p:oleObj>
               </mc:Choice>
               <mc:Fallback>
-                <p:oleObj name="Document" r:id="rId4" imgW="7301323" imgH="2680331" progId="Word.Document.12">
+                <p:oleObj name="Document" r:id="rId3" imgW="7301323" imgH="2680331" progId="Word.Document.12">
                   <p:embed/>
                   <p:pic>
                     <p:nvPicPr>
@@ -8161,7 +8022,7 @@
                       <p:nvPr/>
                     </p:nvPicPr>
                     <p:blipFill>
-                      <a:blip r:embed="rId5"/>
+                      <a:blip r:embed="rId4"/>
                       <a:stretch>
                         <a:fillRect/>
                       </a:stretch>
@@ -8192,13 +8053,6 @@
   <p:clrMapOvr>
     <a:masterClrMapping/>
   </p:clrMapOvr>
-  <p:timing>
-    <p:tnLst>
-      <p:par>
-        <p:cTn xmlns:p14="http://schemas.microsoft.com/office/powerpoint/2010/main" id="1" dur="indefinite" restart="never" nodeType="tmRoot"/>
-      </p:par>
-    </p:tnLst>
-  </p:timing>
 </p:sld>
 </file>
 
@@ -8278,65 +8132,63 @@
               <a:defRPr/>
             </a:pPr>
             <a:r>
-              <a:rPr lang="en-US" smtClean="0"/>
+              <a:rPr lang="en-US"/>
               <a:t>Murach's Android Programming (2nd Ed.), C3</a:t>
             </a:r>
+          </a:p>
+        </p:txBody>
+      </p:sp>
+      <p:sp>
+        <p:nvSpPr>
+          <p:cNvPr id="4" name="Footer Placeholder 3"/>
+          <p:cNvSpPr>
+            <a:spLocks noGrp="1"/>
+          </p:cNvSpPr>
+          <p:nvPr>
+            <p:ph type="ftr" sz="quarter" idx="11"/>
+          </p:nvPr>
+        </p:nvSpPr>
+        <p:spPr/>
+        <p:txBody>
+          <a:bodyPr/>
+          <a:lstStyle/>
+          <a:p>
+            <a:pPr>
+              <a:defRPr/>
+            </a:pPr>
+            <a:r>
+              <a:rPr lang="en-US"/>
+              <a:t>© 2015, Mike Murach &amp; Associates, Inc.</a:t>
+            </a:r>
+          </a:p>
+        </p:txBody>
+      </p:sp>
+      <p:sp>
+        <p:nvSpPr>
+          <p:cNvPr id="5" name="Slide Number Placeholder 4"/>
+          <p:cNvSpPr>
+            <a:spLocks noGrp="1"/>
+          </p:cNvSpPr>
+          <p:nvPr>
+            <p:ph type="sldNum" sz="quarter" idx="12"/>
+          </p:nvPr>
+        </p:nvSpPr>
+        <p:spPr/>
+        <p:txBody>
+          <a:bodyPr/>
+          <a:lstStyle/>
+          <a:p>
+            <a:pPr>
+              <a:defRPr/>
+            </a:pPr>
             <a:endParaRPr lang="en-US"/>
           </a:p>
-        </p:txBody>
-      </p:sp>
-      <p:sp>
-        <p:nvSpPr>
-          <p:cNvPr id="4" name="Footer Placeholder 3"/>
-          <p:cNvSpPr>
-            <a:spLocks noGrp="1"/>
-          </p:cNvSpPr>
-          <p:nvPr>
-            <p:ph type="ftr" sz="quarter" idx="11"/>
-          </p:nvPr>
-        </p:nvSpPr>
-        <p:spPr/>
-        <p:txBody>
-          <a:bodyPr/>
-          <a:lstStyle/>
-          <a:p>
-            <a:pPr>
-              <a:defRPr/>
-            </a:pPr>
-            <a:r>
-              <a:rPr lang="en-US" smtClean="0"/>
-              <a:t>© 2015, Mike Murach &amp; Associates, Inc.</a:t>
-            </a:r>
-            <a:endParaRPr lang="en-US"/>
-          </a:p>
-        </p:txBody>
-      </p:sp>
-      <p:sp>
-        <p:nvSpPr>
-          <p:cNvPr id="5" name="Slide Number Placeholder 4"/>
-          <p:cNvSpPr>
-            <a:spLocks noGrp="1"/>
-          </p:cNvSpPr>
-          <p:nvPr>
-            <p:ph type="sldNum" sz="quarter" idx="12"/>
-          </p:nvPr>
-        </p:nvSpPr>
-        <p:spPr/>
-        <p:txBody>
-          <a:bodyPr/>
-          <a:lstStyle/>
-          <a:p>
-            <a:pPr>
-              <a:defRPr/>
-            </a:pPr>
-            <a:endParaRPr lang="en-US" smtClean="0"/>
-          </a:p>
           <a:p>
             <a:pPr algn="r">
               <a:defRPr/>
             </a:pPr>
             <a:r>
-              <a:rPr lang="en-US" sz="900" smtClean="0">
+              <a:rPr lang="en-US" sz="900">
                 <a:latin typeface="Arial Narrow" pitchFamily="34" charset="0"/>
               </a:rPr>
               <a:t>Slide </a:t>
@@ -8378,12 +8230,12 @@
           <a:graphicData uri="http://schemas.openxmlformats.org/presentationml/2006/ole">
             <mc:AlternateContent xmlns:mc="http://schemas.openxmlformats.org/markup-compatibility/2006">
               <mc:Choice xmlns:v="urn:schemas-microsoft-com:vml" Requires="v">
-                <p:oleObj spid="_x0000_s30727" name="Document" r:id="rId4" imgW="7301323" imgH="4576078" progId="Word.Document.12">
+                <p:oleObj spid="_x0000_s30729" name="Document" r:id="rId3" imgW="7301323" imgH="4576078" progId="Word.Document.12">
                   <p:embed/>
                 </p:oleObj>
               </mc:Choice>
               <mc:Fallback>
-                <p:oleObj name="Document" r:id="rId4" imgW="7301323" imgH="4576078" progId="Word.Document.12">
+                <p:oleObj name="Document" r:id="rId3" imgW="7301323" imgH="4576078" progId="Word.Document.12">
                   <p:embed/>
                   <p:pic>
                     <p:nvPicPr>
@@ -8392,7 +8244,7 @@
                       <p:nvPr/>
                     </p:nvPicPr>
                     <p:blipFill>
-                      <a:blip r:embed="rId5"/>
+                      <a:blip r:embed="rId4"/>
                       <a:stretch>
                         <a:fillRect/>
                       </a:stretch>
@@ -8423,18 +8275,11 @@
   <p:clrMapOvr>
     <a:masterClrMapping/>
   </p:clrMapOvr>
-  <p:timing>
-    <p:tnLst>
-      <p:par>
-        <p:cTn xmlns:p14="http://schemas.microsoft.com/office/powerpoint/2010/main" id="1" dur="indefinite" restart="never" nodeType="tmRoot"/>
-      </p:par>
-    </p:tnLst>
-  </p:timing>
 </p:sld>
 </file>
 
 <file path=ppt/slides/slide31.xml><?xml version="1.0" encoding="utf-8"?>
-<p:sld xmlns:a="http://schemas.openxmlformats.org/drawingml/2006/main" xmlns:r="http://schemas.openxmlformats.org/officeDocument/2006/relationships" xmlns:p="http://schemas.openxmlformats.org/presentationml/2006/main">
+<p:sld xmlns:a="http://schemas.openxmlformats.org/drawingml/2006/main" xmlns:r="http://schemas.openxmlformats.org/officeDocument/2006/relationships" xmlns:p="http://schemas.openxmlformats.org/presentationml/2006/main" show="0">
   <p:cSld>
     <p:spTree>
       <p:nvGrpSpPr>
@@ -8501,65 +8346,63 @@
               <a:defRPr/>
             </a:pPr>
             <a:r>
-              <a:rPr lang="en-US" smtClean="0"/>
+              <a:rPr lang="en-US"/>
               <a:t>Murach's Android Programming (2nd Ed.), C3</a:t>
             </a:r>
+          </a:p>
+        </p:txBody>
+      </p:sp>
+      <p:sp>
+        <p:nvSpPr>
+          <p:cNvPr id="4" name="Footer Placeholder 3"/>
+          <p:cNvSpPr>
+            <a:spLocks noGrp="1"/>
+          </p:cNvSpPr>
+          <p:nvPr>
+            <p:ph type="ftr" sz="quarter" idx="11"/>
+          </p:nvPr>
+        </p:nvSpPr>
+        <p:spPr/>
+        <p:txBody>
+          <a:bodyPr/>
+          <a:lstStyle/>
+          <a:p>
+            <a:pPr>
+              <a:defRPr/>
+            </a:pPr>
+            <a:r>
+              <a:rPr lang="en-US"/>
+              <a:t>© 2015, Mike Murach &amp; Associates, Inc.</a:t>
+            </a:r>
+          </a:p>
+        </p:txBody>
+      </p:sp>
+      <p:sp>
+        <p:nvSpPr>
+          <p:cNvPr id="5" name="Slide Number Placeholder 4"/>
+          <p:cNvSpPr>
+            <a:spLocks noGrp="1"/>
+          </p:cNvSpPr>
+          <p:nvPr>
+            <p:ph type="sldNum" sz="quarter" idx="12"/>
+          </p:nvPr>
+        </p:nvSpPr>
+        <p:spPr/>
+        <p:txBody>
+          <a:bodyPr/>
+          <a:lstStyle/>
+          <a:p>
+            <a:pPr>
+              <a:defRPr/>
+            </a:pPr>
             <a:endParaRPr lang="en-US"/>
           </a:p>
-        </p:txBody>
-      </p:sp>
-      <p:sp>
-        <p:nvSpPr>
-          <p:cNvPr id="4" name="Footer Placeholder 3"/>
-          <p:cNvSpPr>
-            <a:spLocks noGrp="1"/>
-          </p:cNvSpPr>
-          <p:nvPr>
-            <p:ph type="ftr" sz="quarter" idx="11"/>
-          </p:nvPr>
-        </p:nvSpPr>
-        <p:spPr/>
-        <p:txBody>
-          <a:bodyPr/>
-          <a:lstStyle/>
-          <a:p>
-            <a:pPr>
-              <a:defRPr/>
-            </a:pPr>
-            <a:r>
-              <a:rPr lang="en-US" smtClean="0"/>
-              <a:t>© 2015, Mike Murach &amp; Associates, Inc.</a:t>
-            </a:r>
-            <a:endParaRPr lang="en-US"/>
-          </a:p>
-        </p:txBody>
-      </p:sp>
-      <p:sp>
-        <p:nvSpPr>
-          <p:cNvPr id="5" name="Slide Number Placeholder 4"/>
-          <p:cNvSpPr>
-            <a:spLocks noGrp="1"/>
-          </p:cNvSpPr>
-          <p:nvPr>
-            <p:ph type="sldNum" sz="quarter" idx="12"/>
-          </p:nvPr>
-        </p:nvSpPr>
-        <p:spPr/>
-        <p:txBody>
-          <a:bodyPr/>
-          <a:lstStyle/>
-          <a:p>
-            <a:pPr>
-              <a:defRPr/>
-            </a:pPr>
-            <a:endParaRPr lang="en-US" smtClean="0"/>
-          </a:p>
           <a:p>
             <a:pPr algn="r">
               <a:defRPr/>
             </a:pPr>
             <a:r>
-              <a:rPr lang="en-US" sz="900" smtClean="0">
+              <a:rPr lang="en-US" sz="900">
                 <a:latin typeface="Arial Narrow" pitchFamily="34" charset="0"/>
               </a:rPr>
               <a:t>Slide </a:t>
@@ -8624,18 +8467,11 @@
   <p:clrMapOvr>
     <a:masterClrMapping/>
   </p:clrMapOvr>
-  <p:timing>
-    <p:tnLst>
-      <p:par>
-        <p:cTn xmlns:p14="http://schemas.microsoft.com/office/powerpoint/2010/main" id="1" dur="indefinite" restart="never" nodeType="tmRoot"/>
-      </p:par>
-    </p:tnLst>
-  </p:timing>
 </p:sld>
 </file>
 
 <file path=ppt/slides/slide32.xml><?xml version="1.0" encoding="utf-8"?>
-<p:sld xmlns:a="http://schemas.openxmlformats.org/drawingml/2006/main" xmlns:r="http://schemas.openxmlformats.org/officeDocument/2006/relationships" xmlns:p="http://schemas.openxmlformats.org/presentationml/2006/main">
+<p:sld xmlns:a="http://schemas.openxmlformats.org/drawingml/2006/main" xmlns:r="http://schemas.openxmlformats.org/officeDocument/2006/relationships" xmlns:p="http://schemas.openxmlformats.org/presentationml/2006/main" show="0">
   <p:cSld>
     <p:spTree>
       <p:nvGrpSpPr>
@@ -8702,14 +8538,13 @@
               <a:defRPr/>
             </a:pPr>
             <a:r>
-              <a:rPr lang="en-US" dirty="0" err="1" smtClean="0"/>
+              <a:rPr lang="en-US" dirty="0" err="1"/>
               <a:t>Murach's</a:t>
             </a:r>
             <a:r>
-              <a:rPr lang="en-US" dirty="0" smtClean="0"/>
+              <a:rPr lang="en-US" dirty="0"/>
               <a:t> Android Programming (2nd Ed.), C3</a:t>
             </a:r>
-            <a:endParaRPr lang="en-US" dirty="0"/>
           </a:p>
         </p:txBody>
       </p:sp>
@@ -8732,39 +8567,38 @@
               <a:defRPr/>
             </a:pPr>
             <a:r>
-              <a:rPr lang="en-US" smtClean="0"/>
+              <a:rPr lang="en-US"/>
               <a:t>© 2015, Mike Murach &amp; Associates, Inc.</a:t>
             </a:r>
+          </a:p>
+        </p:txBody>
+      </p:sp>
+      <p:sp>
+        <p:nvSpPr>
+          <p:cNvPr id="5" name="Slide Number Placeholder 4"/>
+          <p:cNvSpPr>
+            <a:spLocks noGrp="1"/>
+          </p:cNvSpPr>
+          <p:nvPr>
+            <p:ph type="sldNum" sz="quarter" idx="12"/>
+          </p:nvPr>
+        </p:nvSpPr>
+        <p:spPr/>
+        <p:txBody>
+          <a:bodyPr/>
+          <a:lstStyle/>
+          <a:p>
+            <a:pPr>
+              <a:defRPr/>
+            </a:pPr>
             <a:endParaRPr lang="en-US"/>
           </a:p>
-        </p:txBody>
-      </p:sp>
-      <p:sp>
-        <p:nvSpPr>
-          <p:cNvPr id="5" name="Slide Number Placeholder 4"/>
-          <p:cNvSpPr>
-            <a:spLocks noGrp="1"/>
-          </p:cNvSpPr>
-          <p:nvPr>
-            <p:ph type="sldNum" sz="quarter" idx="12"/>
-          </p:nvPr>
-        </p:nvSpPr>
-        <p:spPr/>
-        <p:txBody>
-          <a:bodyPr/>
-          <a:lstStyle/>
-          <a:p>
-            <a:pPr>
-              <a:defRPr/>
-            </a:pPr>
-            <a:endParaRPr lang="en-US" smtClean="0"/>
-          </a:p>
           <a:p>
             <a:pPr algn="r">
               <a:defRPr/>
             </a:pPr>
             <a:r>
-              <a:rPr lang="en-US" sz="900" smtClean="0">
+              <a:rPr lang="en-US" sz="900">
                 <a:latin typeface="Arial Narrow" pitchFamily="34" charset="0"/>
               </a:rPr>
               <a:t>Slide </a:t>
@@ -8806,12 +8640,12 @@
           <a:graphicData uri="http://schemas.openxmlformats.org/presentationml/2006/ole">
             <mc:AlternateContent xmlns:mc="http://schemas.openxmlformats.org/markup-compatibility/2006">
               <mc:Choice xmlns:v="urn:schemas-microsoft-com:vml" Requires="v">
-                <p:oleObj spid="_x0000_s31751" name="Document" r:id="rId4" imgW="7301323" imgH="867039" progId="Word.Document.12">
+                <p:oleObj spid="_x0000_s31753" name="Document" r:id="rId3" imgW="7301323" imgH="867039" progId="Word.Document.12">
                   <p:embed/>
                 </p:oleObj>
               </mc:Choice>
               <mc:Fallback>
-                <p:oleObj name="Document" r:id="rId4" imgW="7301323" imgH="867039" progId="Word.Document.12">
+                <p:oleObj name="Document" r:id="rId3" imgW="7301323" imgH="867039" progId="Word.Document.12">
                   <p:embed/>
                   <p:pic>
                     <p:nvPicPr>
@@ -8820,7 +8654,7 @@
                       <p:nvPr/>
                     </p:nvPicPr>
                     <p:blipFill>
-                      <a:blip r:embed="rId5"/>
+                      <a:blip r:embed="rId4"/>
                       <a:stretch>
                         <a:fillRect/>
                       </a:stretch>
@@ -8851,13 +8685,6 @@
   <p:clrMapOvr>
     <a:masterClrMapping/>
   </p:clrMapOvr>
-  <p:timing>
-    <p:tnLst>
-      <p:par>
-        <p:cTn xmlns:p14="http://schemas.microsoft.com/office/powerpoint/2010/main" id="1" dur="indefinite" restart="never" nodeType="tmRoot"/>
-      </p:par>
-    </p:tnLst>
-  </p:timing>
 </p:sld>
 </file>
 
@@ -8929,14 +8756,13 @@
               <a:defRPr/>
             </a:pPr>
             <a:r>
-              <a:rPr lang="en-US" dirty="0" err="1" smtClean="0"/>
+              <a:rPr lang="en-US" dirty="0" err="1"/>
               <a:t>Murach's</a:t>
             </a:r>
             <a:r>
-              <a:rPr lang="en-US" dirty="0" smtClean="0"/>
+              <a:rPr lang="en-US" dirty="0"/>
               <a:t> Android Programming (2nd Ed.), C3</a:t>
             </a:r>
-            <a:endParaRPr lang="en-US" dirty="0"/>
           </a:p>
         </p:txBody>
       </p:sp>
@@ -8959,39 +8785,38 @@
               <a:defRPr/>
             </a:pPr>
             <a:r>
-              <a:rPr lang="en-US" smtClean="0"/>
+              <a:rPr lang="en-US"/>
               <a:t>© 2015, Mike Murach &amp; Associates, Inc.</a:t>
             </a:r>
+          </a:p>
+        </p:txBody>
+      </p:sp>
+      <p:sp>
+        <p:nvSpPr>
+          <p:cNvPr id="5" name="Slide Number Placeholder 4"/>
+          <p:cNvSpPr>
+            <a:spLocks noGrp="1"/>
+          </p:cNvSpPr>
+          <p:nvPr>
+            <p:ph type="sldNum" sz="quarter" idx="12"/>
+          </p:nvPr>
+        </p:nvSpPr>
+        <p:spPr/>
+        <p:txBody>
+          <a:bodyPr/>
+          <a:lstStyle/>
+          <a:p>
+            <a:pPr>
+              <a:defRPr/>
+            </a:pPr>
             <a:endParaRPr lang="en-US"/>
           </a:p>
-        </p:txBody>
-      </p:sp>
-      <p:sp>
-        <p:nvSpPr>
-          <p:cNvPr id="5" name="Slide Number Placeholder 4"/>
-          <p:cNvSpPr>
-            <a:spLocks noGrp="1"/>
-          </p:cNvSpPr>
-          <p:nvPr>
-            <p:ph type="sldNum" sz="quarter" idx="12"/>
-          </p:nvPr>
-        </p:nvSpPr>
-        <p:spPr/>
-        <p:txBody>
-          <a:bodyPr/>
-          <a:lstStyle/>
-          <a:p>
-            <a:pPr>
-              <a:defRPr/>
-            </a:pPr>
-            <a:endParaRPr lang="en-US" smtClean="0"/>
-          </a:p>
           <a:p>
             <a:pPr algn="r">
               <a:defRPr/>
             </a:pPr>
             <a:r>
-              <a:rPr lang="en-US" sz="900" smtClean="0">
+              <a:rPr lang="en-US" sz="900">
                 <a:latin typeface="Arial Narrow" pitchFamily="34" charset="0"/>
               </a:rPr>
               <a:t>Slide </a:t>
@@ -9033,12 +8858,12 @@
           <a:graphicData uri="http://schemas.openxmlformats.org/presentationml/2006/ole">
             <mc:AlternateContent xmlns:mc="http://schemas.openxmlformats.org/markup-compatibility/2006">
               <mc:Choice xmlns:v="urn:schemas-microsoft-com:vml" Requires="v">
-                <p:oleObj spid="_x0000_s32775" name="Document" r:id="rId4" imgW="7301323" imgH="4979352" progId="Word.Document.12">
+                <p:oleObj spid="_x0000_s32777" name="Document" r:id="rId3" imgW="7301323" imgH="4979352" progId="Word.Document.12">
                   <p:embed/>
                 </p:oleObj>
               </mc:Choice>
               <mc:Fallback>
-                <p:oleObj name="Document" r:id="rId4" imgW="7301323" imgH="4979352" progId="Word.Document.12">
+                <p:oleObj name="Document" r:id="rId3" imgW="7301323" imgH="4979352" progId="Word.Document.12">
                   <p:embed/>
                   <p:pic>
                     <p:nvPicPr>
@@ -9047,7 +8872,7 @@
                       <p:nvPr/>
                     </p:nvPicPr>
                     <p:blipFill>
-                      <a:blip r:embed="rId5"/>
+                      <a:blip r:embed="rId4"/>
                       <a:stretch>
                         <a:fillRect/>
                       </a:stretch>
@@ -9078,13 +8903,6 @@
   <p:clrMapOvr>
     <a:masterClrMapping/>
   </p:clrMapOvr>
-  <p:timing>
-    <p:tnLst>
-      <p:par>
-        <p:cTn xmlns:p14="http://schemas.microsoft.com/office/powerpoint/2010/main" id="1" dur="indefinite" restart="never" nodeType="tmRoot"/>
-      </p:par>
-    </p:tnLst>
-  </p:timing>
 </p:sld>
 </file>
 
@@ -9163,65 +8981,63 @@
               <a:defRPr/>
             </a:pPr>
             <a:r>
-              <a:rPr lang="en-US" smtClean="0"/>
+              <a:rPr lang="en-US"/>
               <a:t>Murach's Android Programming (2nd Ed.), C3</a:t>
             </a:r>
+          </a:p>
+        </p:txBody>
+      </p:sp>
+      <p:sp>
+        <p:nvSpPr>
+          <p:cNvPr id="4" name="Footer Placeholder 3"/>
+          <p:cNvSpPr>
+            <a:spLocks noGrp="1"/>
+          </p:cNvSpPr>
+          <p:nvPr>
+            <p:ph type="ftr" sz="quarter" idx="11"/>
+          </p:nvPr>
+        </p:nvSpPr>
+        <p:spPr/>
+        <p:txBody>
+          <a:bodyPr/>
+          <a:lstStyle/>
+          <a:p>
+            <a:pPr>
+              <a:defRPr/>
+            </a:pPr>
+            <a:r>
+              <a:rPr lang="en-US"/>
+              <a:t>© 2015, Mike Murach &amp; Associates, Inc.</a:t>
+            </a:r>
+          </a:p>
+        </p:txBody>
+      </p:sp>
+      <p:sp>
+        <p:nvSpPr>
+          <p:cNvPr id="5" name="Slide Number Placeholder 4"/>
+          <p:cNvSpPr>
+            <a:spLocks noGrp="1"/>
+          </p:cNvSpPr>
+          <p:nvPr>
+            <p:ph type="sldNum" sz="quarter" idx="12"/>
+          </p:nvPr>
+        </p:nvSpPr>
+        <p:spPr/>
+        <p:txBody>
+          <a:bodyPr/>
+          <a:lstStyle/>
+          <a:p>
+            <a:pPr>
+              <a:defRPr/>
+            </a:pPr>
             <a:endParaRPr lang="en-US"/>
           </a:p>
-        </p:txBody>
-      </p:sp>
-      <p:sp>
-        <p:nvSpPr>
-          <p:cNvPr id="4" name="Footer Placeholder 3"/>
-          <p:cNvSpPr>
-            <a:spLocks noGrp="1"/>
-          </p:cNvSpPr>
-          <p:nvPr>
-            <p:ph type="ftr" sz="quarter" idx="11"/>
-          </p:nvPr>
-        </p:nvSpPr>
-        <p:spPr/>
-        <p:txBody>
-          <a:bodyPr/>
-          <a:lstStyle/>
-          <a:p>
-            <a:pPr>
-              <a:defRPr/>
-            </a:pPr>
-            <a:r>
-              <a:rPr lang="en-US" smtClean="0"/>
-              <a:t>© 2015, Mike Murach &amp; Associates, Inc.</a:t>
-            </a:r>
-            <a:endParaRPr lang="en-US"/>
-          </a:p>
-        </p:txBody>
-      </p:sp>
-      <p:sp>
-        <p:nvSpPr>
-          <p:cNvPr id="5" name="Slide Number Placeholder 4"/>
-          <p:cNvSpPr>
-            <a:spLocks noGrp="1"/>
-          </p:cNvSpPr>
-          <p:nvPr>
-            <p:ph type="sldNum" sz="quarter" idx="12"/>
-          </p:nvPr>
-        </p:nvSpPr>
-        <p:spPr/>
-        <p:txBody>
-          <a:bodyPr/>
-          <a:lstStyle/>
-          <a:p>
-            <a:pPr>
-              <a:defRPr/>
-            </a:pPr>
-            <a:endParaRPr lang="en-US" smtClean="0"/>
-          </a:p>
           <a:p>
             <a:pPr algn="r">
               <a:defRPr/>
             </a:pPr>
             <a:r>
-              <a:rPr lang="en-US" sz="900" smtClean="0">
+              <a:rPr lang="en-US" sz="900">
                 <a:latin typeface="Arial Narrow" pitchFamily="34" charset="0"/>
               </a:rPr>
               <a:t>Slide </a:t>
@@ -9263,12 +9079,12 @@
           <a:graphicData uri="http://schemas.openxmlformats.org/presentationml/2006/ole">
             <mc:AlternateContent xmlns:mc="http://schemas.openxmlformats.org/markup-compatibility/2006">
               <mc:Choice xmlns:v="urn:schemas-microsoft-com:vml" Requires="v">
-                <p:oleObj spid="_x0000_s33799" name="Document" r:id="rId4" imgW="7313400" imgH="2726440" progId="Word.Document.12">
+                <p:oleObj spid="_x0000_s33801" name="Document" r:id="rId3" imgW="7313400" imgH="2726440" progId="Word.Document.12">
                   <p:embed/>
                 </p:oleObj>
               </mc:Choice>
               <mc:Fallback>
-                <p:oleObj name="Document" r:id="rId4" imgW="7313400" imgH="2726440" progId="Word.Document.12">
+                <p:oleObj name="Document" r:id="rId3" imgW="7313400" imgH="2726440" progId="Word.Document.12">
                   <p:embed/>
                   <p:pic>
                     <p:nvPicPr>
@@ -9277,7 +9093,7 @@
                       <p:nvPr/>
                     </p:nvPicPr>
                     <p:blipFill>
-                      <a:blip r:embed="rId5"/>
+                      <a:blip r:embed="rId4"/>
                       <a:stretch>
                         <a:fillRect/>
                       </a:stretch>
@@ -9308,13 +9124,6 @@
   <p:clrMapOvr>
     <a:masterClrMapping/>
   </p:clrMapOvr>
-  <p:timing>
-    <p:tnLst>
-      <p:par>
-        <p:cTn xmlns:p14="http://schemas.microsoft.com/office/powerpoint/2010/main" id="1" dur="indefinite" restart="never" nodeType="tmRoot"/>
-      </p:par>
-    </p:tnLst>
-  </p:timing>
 </p:sld>
 </file>
 
@@ -9356,10 +9165,9 @@
           <a:lstStyle/>
           <a:p>
             <a:r>
-              <a:rPr lang="en-US" dirty="0" smtClean="0"/>
+              <a:rPr lang="en-US" dirty="0"/>
               <a:t>How to set the launcher icon for an app</a:t>
             </a:r>
-            <a:endParaRPr lang="en-US" dirty="0"/>
           </a:p>
         </p:txBody>
       </p:sp>
@@ -9387,14 +9195,13 @@
               <a:defRPr/>
             </a:pPr>
             <a:r>
-              <a:rPr lang="en-US" dirty="0" err="1" smtClean="0"/>
+              <a:rPr lang="en-US" dirty="0" err="1"/>
               <a:t>Murach's</a:t>
             </a:r>
             <a:r>
-              <a:rPr lang="en-US" dirty="0" smtClean="0"/>
+              <a:rPr lang="en-US" dirty="0"/>
               <a:t> Android Programming (2nd Ed.), C3</a:t>
             </a:r>
-            <a:endParaRPr lang="en-US" dirty="0"/>
           </a:p>
         </p:txBody>
       </p:sp>
@@ -9417,39 +9224,38 @@
               <a:defRPr/>
             </a:pPr>
             <a:r>
-              <a:rPr lang="en-US" smtClean="0"/>
+              <a:rPr lang="en-US"/>
               <a:t>© 2015, Mike Murach &amp; Associates, Inc.</a:t>
             </a:r>
+          </a:p>
+        </p:txBody>
+      </p:sp>
+      <p:sp>
+        <p:nvSpPr>
+          <p:cNvPr id="5" name="Slide Number Placeholder 4"/>
+          <p:cNvSpPr>
+            <a:spLocks noGrp="1"/>
+          </p:cNvSpPr>
+          <p:nvPr>
+            <p:ph type="sldNum" sz="quarter" idx="12"/>
+          </p:nvPr>
+        </p:nvSpPr>
+        <p:spPr/>
+        <p:txBody>
+          <a:bodyPr/>
+          <a:lstStyle/>
+          <a:p>
+            <a:pPr>
+              <a:defRPr/>
+            </a:pPr>
             <a:endParaRPr lang="en-US"/>
           </a:p>
-        </p:txBody>
-      </p:sp>
-      <p:sp>
-        <p:nvSpPr>
-          <p:cNvPr id="5" name="Slide Number Placeholder 4"/>
-          <p:cNvSpPr>
-            <a:spLocks noGrp="1"/>
-          </p:cNvSpPr>
-          <p:nvPr>
-            <p:ph type="sldNum" sz="quarter" idx="12"/>
-          </p:nvPr>
-        </p:nvSpPr>
-        <p:spPr/>
-        <p:txBody>
-          <a:bodyPr/>
-          <a:lstStyle/>
-          <a:p>
-            <a:pPr>
-              <a:defRPr/>
-            </a:pPr>
-            <a:endParaRPr lang="en-US" smtClean="0"/>
-          </a:p>
           <a:p>
             <a:pPr algn="r">
               <a:defRPr/>
             </a:pPr>
             <a:r>
-              <a:rPr lang="en-US" sz="900" smtClean="0">
+              <a:rPr lang="en-US" sz="900">
                 <a:latin typeface="Arial Narrow" pitchFamily="34" charset="0"/>
               </a:rPr>
               <a:t>Slide </a:t>
@@ -9491,12 +9297,12 @@
           <a:graphicData uri="http://schemas.openxmlformats.org/presentationml/2006/ole">
             <mc:AlternateContent xmlns:mc="http://schemas.openxmlformats.org/markup-compatibility/2006">
               <mc:Choice xmlns:v="urn:schemas-microsoft-com:vml" Requires="v">
-                <p:oleObj spid="_x0000_s35846" name="Document" r:id="rId4" imgW="7301323" imgH="2819676" progId="Word.Document.12">
+                <p:oleObj spid="_x0000_s35848" name="Document" r:id="rId3" imgW="7301323" imgH="2819676" progId="Word.Document.12">
                   <p:embed/>
                 </p:oleObj>
               </mc:Choice>
               <mc:Fallback>
-                <p:oleObj name="Document" r:id="rId4" imgW="7301323" imgH="2819676" progId="Word.Document.12">
+                <p:oleObj name="Document" r:id="rId3" imgW="7301323" imgH="2819676" progId="Word.Document.12">
                   <p:embed/>
                   <p:pic>
                     <p:nvPicPr>
@@ -9505,7 +9311,7 @@
                       <p:nvPr/>
                     </p:nvPicPr>
                     <p:blipFill>
-                      <a:blip r:embed="rId5"/>
+                      <a:blip r:embed="rId4"/>
                       <a:stretch>
                         <a:fillRect/>
                       </a:stretch>
@@ -9536,13 +9342,6 @@
   <p:clrMapOvr>
     <a:masterClrMapping/>
   </p:clrMapOvr>
-  <p:timing>
-    <p:tnLst>
-      <p:par>
-        <p:cTn xmlns:p14="http://schemas.microsoft.com/office/powerpoint/2010/main" id="1" dur="indefinite" restart="never" nodeType="tmRoot"/>
-      </p:par>
-    </p:tnLst>
-  </p:timing>
 </p:sld>
 </file>
 
@@ -9621,14 +9420,13 @@
               <a:defRPr/>
             </a:pPr>
             <a:r>
-              <a:rPr lang="en-US" dirty="0" err="1" smtClean="0"/>
+              <a:rPr lang="en-US" dirty="0" err="1"/>
               <a:t>Murach's</a:t>
             </a:r>
             <a:r>
-              <a:rPr lang="en-US" dirty="0" smtClean="0"/>
+              <a:rPr lang="en-US" dirty="0"/>
               <a:t> Android Programming (2nd Ed.), C3</a:t>
             </a:r>
-            <a:endParaRPr lang="en-US" dirty="0"/>
           </a:p>
         </p:txBody>
       </p:sp>
@@ -9651,39 +9449,38 @@
               <a:defRPr/>
             </a:pPr>
             <a:r>
-              <a:rPr lang="en-US" smtClean="0"/>
+              <a:rPr lang="en-US"/>
               <a:t>© 2015, Mike Murach &amp; Associates, Inc.</a:t>
             </a:r>
+          </a:p>
+        </p:txBody>
+      </p:sp>
+      <p:sp>
+        <p:nvSpPr>
+          <p:cNvPr id="5" name="Slide Number Placeholder 4"/>
+          <p:cNvSpPr>
+            <a:spLocks noGrp="1"/>
+          </p:cNvSpPr>
+          <p:nvPr>
+            <p:ph type="sldNum" sz="quarter" idx="12"/>
+          </p:nvPr>
+        </p:nvSpPr>
+        <p:spPr/>
+        <p:txBody>
+          <a:bodyPr/>
+          <a:lstStyle/>
+          <a:p>
+            <a:pPr>
+              <a:defRPr/>
+            </a:pPr>
             <a:endParaRPr lang="en-US"/>
           </a:p>
-        </p:txBody>
-      </p:sp>
-      <p:sp>
-        <p:nvSpPr>
-          <p:cNvPr id="5" name="Slide Number Placeholder 4"/>
-          <p:cNvSpPr>
-            <a:spLocks noGrp="1"/>
-          </p:cNvSpPr>
-          <p:nvPr>
-            <p:ph type="sldNum" sz="quarter" idx="12"/>
-          </p:nvPr>
-        </p:nvSpPr>
-        <p:spPr/>
-        <p:txBody>
-          <a:bodyPr/>
-          <a:lstStyle/>
-          <a:p>
-            <a:pPr>
-              <a:defRPr/>
-            </a:pPr>
-            <a:endParaRPr lang="en-US" smtClean="0"/>
-          </a:p>
           <a:p>
             <a:pPr algn="r">
               <a:defRPr/>
             </a:pPr>
             <a:r>
-              <a:rPr lang="en-US" sz="900" smtClean="0">
+              <a:rPr lang="en-US" sz="900">
                 <a:latin typeface="Arial Narrow" pitchFamily="34" charset="0"/>
               </a:rPr>
               <a:t>Slide </a:t>
@@ -9748,13 +9545,6 @@
   <p:clrMapOvr>
     <a:masterClrMapping/>
   </p:clrMapOvr>
-  <p:timing>
-    <p:tnLst>
-      <p:par>
-        <p:cTn xmlns:p14="http://schemas.microsoft.com/office/powerpoint/2010/main" id="1" dur="indefinite" restart="never" nodeType="tmRoot"/>
-      </p:par>
-    </p:tnLst>
-  </p:timing>
 </p:sld>
 </file>
 
@@ -9826,65 +9616,63 @@
               <a:defRPr/>
             </a:pPr>
             <a:r>
-              <a:rPr lang="en-US" smtClean="0"/>
+              <a:rPr lang="en-US"/>
               <a:t>Murach's Android Programming (2nd Ed.), C3</a:t>
             </a:r>
+          </a:p>
+        </p:txBody>
+      </p:sp>
+      <p:sp>
+        <p:nvSpPr>
+          <p:cNvPr id="4" name="Footer Placeholder 3"/>
+          <p:cNvSpPr>
+            <a:spLocks noGrp="1"/>
+          </p:cNvSpPr>
+          <p:nvPr>
+            <p:ph type="ftr" sz="quarter" idx="11"/>
+          </p:nvPr>
+        </p:nvSpPr>
+        <p:spPr/>
+        <p:txBody>
+          <a:bodyPr/>
+          <a:lstStyle/>
+          <a:p>
+            <a:pPr>
+              <a:defRPr/>
+            </a:pPr>
+            <a:r>
+              <a:rPr lang="en-US"/>
+              <a:t>© 2015, Mike Murach &amp; Associates, Inc.</a:t>
+            </a:r>
+          </a:p>
+        </p:txBody>
+      </p:sp>
+      <p:sp>
+        <p:nvSpPr>
+          <p:cNvPr id="5" name="Slide Number Placeholder 4"/>
+          <p:cNvSpPr>
+            <a:spLocks noGrp="1"/>
+          </p:cNvSpPr>
+          <p:nvPr>
+            <p:ph type="sldNum" sz="quarter" idx="12"/>
+          </p:nvPr>
+        </p:nvSpPr>
+        <p:spPr/>
+        <p:txBody>
+          <a:bodyPr/>
+          <a:lstStyle/>
+          <a:p>
+            <a:pPr>
+              <a:defRPr/>
+            </a:pPr>
             <a:endParaRPr lang="en-US"/>
           </a:p>
-        </p:txBody>
-      </p:sp>
-      <p:sp>
-        <p:nvSpPr>
-          <p:cNvPr id="4" name="Footer Placeholder 3"/>
-          <p:cNvSpPr>
-            <a:spLocks noGrp="1"/>
-          </p:cNvSpPr>
-          <p:nvPr>
-            <p:ph type="ftr" sz="quarter" idx="11"/>
-          </p:nvPr>
-        </p:nvSpPr>
-        <p:spPr/>
-        <p:txBody>
-          <a:bodyPr/>
-          <a:lstStyle/>
-          <a:p>
-            <a:pPr>
-              <a:defRPr/>
-            </a:pPr>
-            <a:r>
-              <a:rPr lang="en-US" smtClean="0"/>
-              <a:t>© 2015, Mike Murach &amp; Associates, Inc.</a:t>
-            </a:r>
-            <a:endParaRPr lang="en-US"/>
-          </a:p>
-        </p:txBody>
-      </p:sp>
-      <p:sp>
-        <p:nvSpPr>
-          <p:cNvPr id="5" name="Slide Number Placeholder 4"/>
-          <p:cNvSpPr>
-            <a:spLocks noGrp="1"/>
-          </p:cNvSpPr>
-          <p:nvPr>
-            <p:ph type="sldNum" sz="quarter" idx="12"/>
-          </p:nvPr>
-        </p:nvSpPr>
-        <p:spPr/>
-        <p:txBody>
-          <a:bodyPr/>
-          <a:lstStyle/>
-          <a:p>
-            <a:pPr>
-              <a:defRPr/>
-            </a:pPr>
-            <a:endParaRPr lang="en-US" smtClean="0"/>
-          </a:p>
           <a:p>
             <a:pPr algn="r">
               <a:defRPr/>
             </a:pPr>
             <a:r>
-              <a:rPr lang="en-US" sz="900" smtClean="0">
+              <a:rPr lang="en-US" sz="900">
                 <a:latin typeface="Arial Narrow" pitchFamily="34" charset="0"/>
               </a:rPr>
               <a:t>Slide </a:t>
@@ -9926,12 +9714,12 @@
           <a:graphicData uri="http://schemas.openxmlformats.org/presentationml/2006/ole">
             <mc:AlternateContent xmlns:mc="http://schemas.openxmlformats.org/markup-compatibility/2006">
               <mc:Choice xmlns:v="urn:schemas-microsoft-com:vml" Requires="v">
-                <p:oleObj spid="_x0000_s34823" name="Document" r:id="rId4" imgW="7301323" imgH="2492736" progId="Word.Document.12">
+                <p:oleObj spid="_x0000_s34825" name="Document" r:id="rId3" imgW="7301323" imgH="2492736" progId="Word.Document.12">
                   <p:embed/>
                 </p:oleObj>
               </mc:Choice>
               <mc:Fallback>
-                <p:oleObj name="Document" r:id="rId4" imgW="7301323" imgH="2492736" progId="Word.Document.12">
+                <p:oleObj name="Document" r:id="rId3" imgW="7301323" imgH="2492736" progId="Word.Document.12">
                   <p:embed/>
                   <p:pic>
                     <p:nvPicPr>
@@ -9940,7 +9728,7 @@
                       <p:nvPr/>
                     </p:nvPicPr>
                     <p:blipFill>
-                      <a:blip r:embed="rId5"/>
+                      <a:blip r:embed="rId4"/>
                       <a:stretch>
                         <a:fillRect/>
                       </a:stretch>
@@ -9971,13 +9759,6 @@
   <p:clrMapOvr>
     <a:masterClrMapping/>
   </p:clrMapOvr>
-  <p:timing>
-    <p:tnLst>
-      <p:par>
-        <p:cTn xmlns:p14="http://schemas.microsoft.com/office/powerpoint/2010/main" id="1" dur="indefinite" restart="never" nodeType="tmRoot"/>
-      </p:par>
-    </p:tnLst>
-  </p:timing>
 </p:sld>
 </file>
 
@@ -10049,14 +9830,13 @@
               <a:defRPr/>
             </a:pPr>
             <a:r>
-              <a:rPr lang="en-US" dirty="0" err="1" smtClean="0"/>
+              <a:rPr lang="en-US" dirty="0" err="1"/>
               <a:t>Murach's</a:t>
             </a:r>
             <a:r>
-              <a:rPr lang="en-US" dirty="0" smtClean="0"/>
+              <a:rPr lang="en-US" dirty="0"/>
               <a:t> Android Programming (2nd Ed.), C3</a:t>
             </a:r>
-            <a:endParaRPr lang="en-US" dirty="0"/>
           </a:p>
         </p:txBody>
       </p:sp>
@@ -10079,39 +9859,38 @@
               <a:defRPr/>
             </a:pPr>
             <a:r>
-              <a:rPr lang="en-US" smtClean="0"/>
+              <a:rPr lang="en-US"/>
               <a:t>© 2015, Mike Murach &amp; Associates, Inc.</a:t>
             </a:r>
+          </a:p>
+        </p:txBody>
+      </p:sp>
+      <p:sp>
+        <p:nvSpPr>
+          <p:cNvPr id="5" name="Slide Number Placeholder 4"/>
+          <p:cNvSpPr>
+            <a:spLocks noGrp="1"/>
+          </p:cNvSpPr>
+          <p:nvPr>
+            <p:ph type="sldNum" sz="quarter" idx="12"/>
+          </p:nvPr>
+        </p:nvSpPr>
+        <p:spPr/>
+        <p:txBody>
+          <a:bodyPr/>
+          <a:lstStyle/>
+          <a:p>
+            <a:pPr>
+              <a:defRPr/>
+            </a:pPr>
             <a:endParaRPr lang="en-US"/>
           </a:p>
-        </p:txBody>
-      </p:sp>
-      <p:sp>
-        <p:nvSpPr>
-          <p:cNvPr id="5" name="Slide Number Placeholder 4"/>
-          <p:cNvSpPr>
-            <a:spLocks noGrp="1"/>
-          </p:cNvSpPr>
-          <p:nvPr>
-            <p:ph type="sldNum" sz="quarter" idx="12"/>
-          </p:nvPr>
-        </p:nvSpPr>
-        <p:spPr/>
-        <p:txBody>
-          <a:bodyPr/>
-          <a:lstStyle/>
-          <a:p>
-            <a:pPr>
-              <a:defRPr/>
-            </a:pPr>
-            <a:endParaRPr lang="en-US" smtClean="0"/>
-          </a:p>
           <a:p>
             <a:pPr algn="r">
               <a:defRPr/>
             </a:pPr>
             <a:r>
-              <a:rPr lang="en-US" sz="900" smtClean="0">
+              <a:rPr lang="en-US" sz="900">
                 <a:latin typeface="Arial Narrow" pitchFamily="34" charset="0"/>
               </a:rPr>
               <a:t>Slide </a:t>
@@ -10176,13 +9955,6 @@
   <p:clrMapOvr>
     <a:masterClrMapping/>
   </p:clrMapOvr>
-  <p:timing>
-    <p:tnLst>
-      <p:par>
-        <p:cTn xmlns:p14="http://schemas.microsoft.com/office/powerpoint/2010/main" id="1" dur="indefinite" restart="never" nodeType="tmRoot"/>
-      </p:par>
-    </p:tnLst>
-  </p:timing>
 </p:sld>
 </file>
 
@@ -10254,14 +10026,13 @@
               <a:defRPr/>
             </a:pPr>
             <a:r>
-              <a:rPr lang="en-US" dirty="0" err="1" smtClean="0"/>
+              <a:rPr lang="en-US" dirty="0" err="1"/>
               <a:t>Murach's</a:t>
             </a:r>
             <a:r>
-              <a:rPr lang="en-US" dirty="0" smtClean="0"/>
+              <a:rPr lang="en-US" dirty="0"/>
               <a:t> Android Programming (2nd Ed.), C3</a:t>
             </a:r>
-            <a:endParaRPr lang="en-US" dirty="0"/>
           </a:p>
         </p:txBody>
       </p:sp>
@@ -10284,39 +10055,38 @@
               <a:defRPr/>
             </a:pPr>
             <a:r>
-              <a:rPr lang="en-US" smtClean="0"/>
+              <a:rPr lang="en-US"/>
               <a:t>© 2015, Mike Murach &amp; Associates, Inc.</a:t>
             </a:r>
+          </a:p>
+        </p:txBody>
+      </p:sp>
+      <p:sp>
+        <p:nvSpPr>
+          <p:cNvPr id="5" name="Slide Number Placeholder 4"/>
+          <p:cNvSpPr>
+            <a:spLocks noGrp="1"/>
+          </p:cNvSpPr>
+          <p:nvPr>
+            <p:ph type="sldNum" sz="quarter" idx="12"/>
+          </p:nvPr>
+        </p:nvSpPr>
+        <p:spPr/>
+        <p:txBody>
+          <a:bodyPr/>
+          <a:lstStyle/>
+          <a:p>
+            <a:pPr>
+              <a:defRPr/>
+            </a:pPr>
             <a:endParaRPr lang="en-US"/>
           </a:p>
-        </p:txBody>
-      </p:sp>
-      <p:sp>
-        <p:nvSpPr>
-          <p:cNvPr id="5" name="Slide Number Placeholder 4"/>
-          <p:cNvSpPr>
-            <a:spLocks noGrp="1"/>
-          </p:cNvSpPr>
-          <p:nvPr>
-            <p:ph type="sldNum" sz="quarter" idx="12"/>
-          </p:nvPr>
-        </p:nvSpPr>
-        <p:spPr/>
-        <p:txBody>
-          <a:bodyPr/>
-          <a:lstStyle/>
-          <a:p>
-            <a:pPr>
-              <a:defRPr/>
-            </a:pPr>
-            <a:endParaRPr lang="en-US" smtClean="0"/>
-          </a:p>
           <a:p>
             <a:pPr algn="r">
               <a:defRPr/>
             </a:pPr>
             <a:r>
-              <a:rPr lang="en-US" sz="900" smtClean="0">
+              <a:rPr lang="en-US" sz="900">
                 <a:latin typeface="Arial Narrow" pitchFamily="34" charset="0"/>
               </a:rPr>
               <a:t>Slide </a:t>
@@ -10358,12 +10128,12 @@
           <a:graphicData uri="http://schemas.openxmlformats.org/presentationml/2006/ole">
             <mc:AlternateContent xmlns:mc="http://schemas.openxmlformats.org/markup-compatibility/2006">
               <mc:Choice xmlns:v="urn:schemas-microsoft-com:vml" Requires="v">
-                <p:oleObj spid="_x0000_s5128" name="Document" r:id="rId4" imgW="7301323" imgH="5043083" progId="Word.Document.12">
+                <p:oleObj spid="_x0000_s5130" name="Document" r:id="rId3" imgW="7301323" imgH="5043083" progId="Word.Document.12">
                   <p:embed/>
                 </p:oleObj>
               </mc:Choice>
               <mc:Fallback>
-                <p:oleObj name="Document" r:id="rId4" imgW="7301323" imgH="5043083" progId="Word.Document.12">
+                <p:oleObj name="Document" r:id="rId3" imgW="7301323" imgH="5043083" progId="Word.Document.12">
                   <p:embed/>
                   <p:pic>
                     <p:nvPicPr>
@@ -10372,7 +10142,7 @@
                       <p:nvPr/>
                     </p:nvPicPr>
                     <p:blipFill>
-                      <a:blip r:embed="rId5"/>
+                      <a:blip r:embed="rId4"/>
                       <a:stretch>
                         <a:fillRect/>
                       </a:stretch>
@@ -10403,13 +10173,6 @@
   <p:clrMapOvr>
     <a:masterClrMapping/>
   </p:clrMapOvr>
-  <p:timing>
-    <p:tnLst>
-      <p:par>
-        <p:cTn xmlns:p14="http://schemas.microsoft.com/office/powerpoint/2010/main" id="1" dur="indefinite" restart="never" nodeType="tmRoot"/>
-      </p:par>
-    </p:tnLst>
-  </p:timing>
 </p:sld>
 </file>
 
@@ -10489,14 +10252,13 @@
               <a:defRPr/>
             </a:pPr>
             <a:r>
-              <a:rPr lang="en-US" dirty="0" err="1" smtClean="0"/>
+              <a:rPr lang="en-US" dirty="0" err="1"/>
               <a:t>Murach's</a:t>
             </a:r>
             <a:r>
-              <a:rPr lang="en-US" dirty="0" smtClean="0"/>
+              <a:rPr lang="en-US" dirty="0"/>
               <a:t> Android Programming (2nd Ed.), C3</a:t>
             </a:r>
-            <a:endParaRPr lang="en-US" dirty="0"/>
           </a:p>
         </p:txBody>
       </p:sp>
@@ -10519,39 +10281,38 @@
               <a:defRPr/>
             </a:pPr>
             <a:r>
-              <a:rPr lang="en-US" smtClean="0"/>
+              <a:rPr lang="en-US"/>
               <a:t>© 2015, Mike Murach &amp; Associates, Inc.</a:t>
             </a:r>
+          </a:p>
+        </p:txBody>
+      </p:sp>
+      <p:sp>
+        <p:nvSpPr>
+          <p:cNvPr id="5" name="Slide Number Placeholder 4"/>
+          <p:cNvSpPr>
+            <a:spLocks noGrp="1"/>
+          </p:cNvSpPr>
+          <p:nvPr>
+            <p:ph type="sldNum" sz="quarter" idx="12"/>
+          </p:nvPr>
+        </p:nvSpPr>
+        <p:spPr/>
+        <p:txBody>
+          <a:bodyPr/>
+          <a:lstStyle/>
+          <a:p>
+            <a:pPr>
+              <a:defRPr/>
+            </a:pPr>
             <a:endParaRPr lang="en-US"/>
           </a:p>
-        </p:txBody>
-      </p:sp>
-      <p:sp>
-        <p:nvSpPr>
-          <p:cNvPr id="5" name="Slide Number Placeholder 4"/>
-          <p:cNvSpPr>
-            <a:spLocks noGrp="1"/>
-          </p:cNvSpPr>
-          <p:nvPr>
-            <p:ph type="sldNum" sz="quarter" idx="12"/>
-          </p:nvPr>
-        </p:nvSpPr>
-        <p:spPr/>
-        <p:txBody>
-          <a:bodyPr/>
-          <a:lstStyle/>
-          <a:p>
-            <a:pPr>
-              <a:defRPr/>
-            </a:pPr>
-            <a:endParaRPr lang="en-US" smtClean="0"/>
-          </a:p>
           <a:p>
             <a:pPr algn="r">
               <a:defRPr/>
             </a:pPr>
             <a:r>
-              <a:rPr lang="en-US" sz="900" smtClean="0">
+              <a:rPr lang="en-US" sz="900">
                 <a:latin typeface="Arial Narrow" pitchFamily="34" charset="0"/>
               </a:rPr>
               <a:t>Slide </a:t>
@@ -10593,12 +10354,12 @@
           <a:graphicData uri="http://schemas.openxmlformats.org/presentationml/2006/ole">
             <mc:AlternateContent xmlns:mc="http://schemas.openxmlformats.org/markup-compatibility/2006">
               <mc:Choice xmlns:v="urn:schemas-microsoft-com:vml" Requires="v">
-                <p:oleObj spid="_x0000_s6152" name="Document" r:id="rId4" imgW="7301323" imgH="3302525" progId="Word.Document.12">
+                <p:oleObj spid="_x0000_s6154" name="Document" r:id="rId3" imgW="7301323" imgH="3302525" progId="Word.Document.12">
                   <p:embed/>
                 </p:oleObj>
               </mc:Choice>
               <mc:Fallback>
-                <p:oleObj name="Document" r:id="rId4" imgW="7301323" imgH="3302525" progId="Word.Document.12">
+                <p:oleObj name="Document" r:id="rId3" imgW="7301323" imgH="3302525" progId="Word.Document.12">
                   <p:embed/>
                   <p:pic>
                     <p:nvPicPr>
@@ -10607,7 +10368,7 @@
                       <p:nvPr/>
                     </p:nvPicPr>
                     <p:blipFill>
-                      <a:blip r:embed="rId5"/>
+                      <a:blip r:embed="rId4"/>
                       <a:stretch>
                         <a:fillRect/>
                       </a:stretch>
@@ -10638,13 +10399,6 @@
   <p:clrMapOvr>
     <a:masterClrMapping/>
   </p:clrMapOvr>
-  <p:timing>
-    <p:tnLst>
-      <p:par>
-        <p:cTn xmlns:p14="http://schemas.microsoft.com/office/powerpoint/2010/main" id="1" dur="indefinite" restart="never" nodeType="tmRoot"/>
-      </p:par>
-    </p:tnLst>
-  </p:timing>
 </p:sld>
 </file>
 
@@ -10716,65 +10470,63 @@
               <a:defRPr/>
             </a:pPr>
             <a:r>
-              <a:rPr lang="en-US" smtClean="0"/>
+              <a:rPr lang="en-US"/>
               <a:t>Murach's Android Programming (2nd Ed.), C3</a:t>
             </a:r>
+          </a:p>
+        </p:txBody>
+      </p:sp>
+      <p:sp>
+        <p:nvSpPr>
+          <p:cNvPr id="4" name="Footer Placeholder 3"/>
+          <p:cNvSpPr>
+            <a:spLocks noGrp="1"/>
+          </p:cNvSpPr>
+          <p:nvPr>
+            <p:ph type="ftr" sz="quarter" idx="11"/>
+          </p:nvPr>
+        </p:nvSpPr>
+        <p:spPr/>
+        <p:txBody>
+          <a:bodyPr/>
+          <a:lstStyle/>
+          <a:p>
+            <a:pPr>
+              <a:defRPr/>
+            </a:pPr>
+            <a:r>
+              <a:rPr lang="en-US"/>
+              <a:t>© 2015, Mike Murach &amp; Associates, Inc.</a:t>
+            </a:r>
+          </a:p>
+        </p:txBody>
+      </p:sp>
+      <p:sp>
+        <p:nvSpPr>
+          <p:cNvPr id="5" name="Slide Number Placeholder 4"/>
+          <p:cNvSpPr>
+            <a:spLocks noGrp="1"/>
+          </p:cNvSpPr>
+          <p:nvPr>
+            <p:ph type="sldNum" sz="quarter" idx="12"/>
+          </p:nvPr>
+        </p:nvSpPr>
+        <p:spPr/>
+        <p:txBody>
+          <a:bodyPr/>
+          <a:lstStyle/>
+          <a:p>
+            <a:pPr>
+              <a:defRPr/>
+            </a:pPr>
             <a:endParaRPr lang="en-US"/>
           </a:p>
-        </p:txBody>
-      </p:sp>
-      <p:sp>
-        <p:nvSpPr>
-          <p:cNvPr id="4" name="Footer Placeholder 3"/>
-          <p:cNvSpPr>
-            <a:spLocks noGrp="1"/>
-          </p:cNvSpPr>
-          <p:nvPr>
-            <p:ph type="ftr" sz="quarter" idx="11"/>
-          </p:nvPr>
-        </p:nvSpPr>
-        <p:spPr/>
-        <p:txBody>
-          <a:bodyPr/>
-          <a:lstStyle/>
-          <a:p>
-            <a:pPr>
-              <a:defRPr/>
-            </a:pPr>
-            <a:r>
-              <a:rPr lang="en-US" smtClean="0"/>
-              <a:t>© 2015, Mike Murach &amp; Associates, Inc.</a:t>
-            </a:r>
-            <a:endParaRPr lang="en-US"/>
-          </a:p>
-        </p:txBody>
-      </p:sp>
-      <p:sp>
-        <p:nvSpPr>
-          <p:cNvPr id="5" name="Slide Number Placeholder 4"/>
-          <p:cNvSpPr>
-            <a:spLocks noGrp="1"/>
-          </p:cNvSpPr>
-          <p:nvPr>
-            <p:ph type="sldNum" sz="quarter" idx="12"/>
-          </p:nvPr>
-        </p:nvSpPr>
-        <p:spPr/>
-        <p:txBody>
-          <a:bodyPr/>
-          <a:lstStyle/>
-          <a:p>
-            <a:pPr>
-              <a:defRPr/>
-            </a:pPr>
-            <a:endParaRPr lang="en-US" smtClean="0"/>
-          </a:p>
           <a:p>
             <a:pPr algn="r">
               <a:defRPr/>
             </a:pPr>
             <a:r>
-              <a:rPr lang="en-US" sz="900" smtClean="0">
+              <a:rPr lang="en-US" sz="900">
                 <a:latin typeface="Arial Narrow" pitchFamily="34" charset="0"/>
               </a:rPr>
               <a:t>Slide </a:t>
@@ -10816,12 +10568,12 @@
           <a:graphicData uri="http://schemas.openxmlformats.org/presentationml/2006/ole">
             <mc:AlternateContent xmlns:mc="http://schemas.openxmlformats.org/markup-compatibility/2006">
               <mc:Choice xmlns:v="urn:schemas-microsoft-com:vml" Requires="v">
-                <p:oleObj spid="_x0000_s7176" name="Document" r:id="rId4" imgW="7301323" imgH="2036173" progId="Word.Document.12">
+                <p:oleObj spid="_x0000_s7178" name="Document" r:id="rId3" imgW="7301323" imgH="2036173" progId="Word.Document.12">
                   <p:embed/>
                 </p:oleObj>
               </mc:Choice>
               <mc:Fallback>
-                <p:oleObj name="Document" r:id="rId4" imgW="7301323" imgH="2036173" progId="Word.Document.12">
+                <p:oleObj name="Document" r:id="rId3" imgW="7301323" imgH="2036173" progId="Word.Document.12">
                   <p:embed/>
                   <p:pic>
                     <p:nvPicPr>
@@ -10830,7 +10582,7 @@
                       <p:nvPr/>
                     </p:nvPicPr>
                     <p:blipFill>
-                      <a:blip r:embed="rId5"/>
+                      <a:blip r:embed="rId4"/>
                       <a:stretch>
                         <a:fillRect/>
                       </a:stretch>
@@ -10861,13 +10613,6 @@
   <p:clrMapOvr>
     <a:masterClrMapping/>
   </p:clrMapOvr>
-  <p:timing>
-    <p:tnLst>
-      <p:par>
-        <p:cTn xmlns:p14="http://schemas.microsoft.com/office/powerpoint/2010/main" id="1" dur="indefinite" restart="never" nodeType="tmRoot"/>
-      </p:par>
-    </p:tnLst>
-  </p:timing>
 </p:sld>
 </file>
 
@@ -10939,14 +10684,13 @@
               <a:defRPr/>
             </a:pPr>
             <a:r>
-              <a:rPr lang="en-US" dirty="0" err="1" smtClean="0"/>
+              <a:rPr lang="en-US" dirty="0" err="1"/>
               <a:t>Murach's</a:t>
             </a:r>
             <a:r>
-              <a:rPr lang="en-US" dirty="0" smtClean="0"/>
+              <a:rPr lang="en-US" dirty="0"/>
               <a:t> Android Programming (2nd Ed.), C3</a:t>
             </a:r>
-            <a:endParaRPr lang="en-US" dirty="0"/>
           </a:p>
         </p:txBody>
       </p:sp>
@@ -10969,39 +10713,38 @@
               <a:defRPr/>
             </a:pPr>
             <a:r>
-              <a:rPr lang="en-US" smtClean="0"/>
+              <a:rPr lang="en-US"/>
               <a:t>© 2015, Mike Murach &amp; Associates, Inc.</a:t>
             </a:r>
+          </a:p>
+        </p:txBody>
+      </p:sp>
+      <p:sp>
+        <p:nvSpPr>
+          <p:cNvPr id="5" name="Slide Number Placeholder 4"/>
+          <p:cNvSpPr>
+            <a:spLocks noGrp="1"/>
+          </p:cNvSpPr>
+          <p:nvPr>
+            <p:ph type="sldNum" sz="quarter" idx="12"/>
+          </p:nvPr>
+        </p:nvSpPr>
+        <p:spPr/>
+        <p:txBody>
+          <a:bodyPr/>
+          <a:lstStyle/>
+          <a:p>
+            <a:pPr>
+              <a:defRPr/>
+            </a:pPr>
             <a:endParaRPr lang="en-US"/>
           </a:p>
-        </p:txBody>
-      </p:sp>
-      <p:sp>
-        <p:nvSpPr>
-          <p:cNvPr id="5" name="Slide Number Placeholder 4"/>
-          <p:cNvSpPr>
-            <a:spLocks noGrp="1"/>
-          </p:cNvSpPr>
-          <p:nvPr>
-            <p:ph type="sldNum" sz="quarter" idx="12"/>
-          </p:nvPr>
-        </p:nvSpPr>
-        <p:spPr/>
-        <p:txBody>
-          <a:bodyPr/>
-          <a:lstStyle/>
-          <a:p>
-            <a:pPr>
-              <a:defRPr/>
-            </a:pPr>
-            <a:endParaRPr lang="en-US" smtClean="0"/>
-          </a:p>
           <a:p>
             <a:pPr algn="r">
               <a:defRPr/>
             </a:pPr>
             <a:r>
-              <a:rPr lang="en-US" sz="900" smtClean="0">
+              <a:rPr lang="en-US" sz="900">
                 <a:latin typeface="Arial Narrow" pitchFamily="34" charset="0"/>
               </a:rPr>
               <a:t>Slide </a:t>
@@ -11043,12 +10786,12 @@
           <a:graphicData uri="http://schemas.openxmlformats.org/presentationml/2006/ole">
             <mc:AlternateContent xmlns:mc="http://schemas.openxmlformats.org/markup-compatibility/2006">
               <mc:Choice xmlns:v="urn:schemas-microsoft-com:vml" Requires="v">
-                <p:oleObj spid="_x0000_s8200" name="Document" r:id="rId4" imgW="7301323" imgH="3863147" progId="Word.Document.12">
+                <p:oleObj spid="_x0000_s8202" name="Document" r:id="rId3" imgW="7301323" imgH="3863147" progId="Word.Document.12">
                   <p:embed/>
                 </p:oleObj>
               </mc:Choice>
               <mc:Fallback>
-                <p:oleObj name="Document" r:id="rId4" imgW="7301323" imgH="3863147" progId="Word.Document.12">
+                <p:oleObj name="Document" r:id="rId3" imgW="7301323" imgH="3863147" progId="Word.Document.12">
                   <p:embed/>
                   <p:pic>
                     <p:nvPicPr>
@@ -11057,7 +10800,7 @@
                       <p:nvPr/>
                     </p:nvPicPr>
                     <p:blipFill>
-                      <a:blip r:embed="rId5"/>
+                      <a:blip r:embed="rId4"/>
                       <a:stretch>
                         <a:fillRect/>
                       </a:stretch>
@@ -11088,13 +10831,6 @@
   <p:clrMapOvr>
     <a:masterClrMapping/>
   </p:clrMapOvr>
-  <p:timing>
-    <p:tnLst>
-      <p:par>
-        <p:cTn xmlns:p14="http://schemas.microsoft.com/office/powerpoint/2010/main" id="1" dur="indefinite" restart="never" nodeType="tmRoot"/>
-      </p:par>
-    </p:tnLst>
-  </p:timing>
 </p:sld>
 </file>
 
@@ -11139,20 +10875,12 @@
               <a:rPr lang="en-US" dirty="0"/>
               <a:t>An activity that gets references </a:t>
             </a:r>
-            <a:r>
-              <a:rPr lang="en-US" dirty="0" smtClean="0"/>
-              <a:t/>
-            </a:r>
             <a:br>
-              <a:rPr lang="en-US" dirty="0" smtClean="0"/>
+              <a:rPr lang="en-US" dirty="0"/>
             </a:br>
             <a:r>
-              <a:rPr lang="en-US" dirty="0" smtClean="0"/>
-              <a:t>to </a:t>
-            </a:r>
-            <a:r>
               <a:rPr lang="en-US" dirty="0"/>
-              <a:t>the widgets (continued)</a:t>
+              <a:t>to the widgets (continued)</a:t>
             </a:r>
           </a:p>
         </p:txBody>
@@ -11181,14 +10909,13 @@
               <a:defRPr/>
             </a:pPr>
             <a:r>
-              <a:rPr lang="en-US" dirty="0" err="1" smtClean="0"/>
+              <a:rPr lang="en-US" dirty="0" err="1"/>
               <a:t>Murach's</a:t>
             </a:r>
             <a:r>
-              <a:rPr lang="en-US" dirty="0" smtClean="0"/>
+              <a:rPr lang="en-US" dirty="0"/>
               <a:t> Android Programming (2nd Ed.), C3</a:t>
             </a:r>
-            <a:endParaRPr lang="en-US" dirty="0"/>
           </a:p>
         </p:txBody>
       </p:sp>
@@ -11211,39 +10938,38 @@
               <a:defRPr/>
             </a:pPr>
             <a:r>
-              <a:rPr lang="en-US" smtClean="0"/>
+              <a:rPr lang="en-US"/>
               <a:t>© 2015, Mike Murach &amp; Associates, Inc.</a:t>
             </a:r>
+          </a:p>
+        </p:txBody>
+      </p:sp>
+      <p:sp>
+        <p:nvSpPr>
+          <p:cNvPr id="5" name="Slide Number Placeholder 4"/>
+          <p:cNvSpPr>
+            <a:spLocks noGrp="1"/>
+          </p:cNvSpPr>
+          <p:nvPr>
+            <p:ph type="sldNum" sz="quarter" idx="12"/>
+          </p:nvPr>
+        </p:nvSpPr>
+        <p:spPr/>
+        <p:txBody>
+          <a:bodyPr/>
+          <a:lstStyle/>
+          <a:p>
+            <a:pPr>
+              <a:defRPr/>
+            </a:pPr>
             <a:endParaRPr lang="en-US"/>
           </a:p>
-        </p:txBody>
-      </p:sp>
-      <p:sp>
-        <p:nvSpPr>
-          <p:cNvPr id="5" name="Slide Number Placeholder 4"/>
-          <p:cNvSpPr>
-            <a:spLocks noGrp="1"/>
-          </p:cNvSpPr>
-          <p:nvPr>
-            <p:ph type="sldNum" sz="quarter" idx="12"/>
-          </p:nvPr>
-        </p:nvSpPr>
-        <p:spPr/>
-        <p:txBody>
-          <a:bodyPr/>
-          <a:lstStyle/>
-          <a:p>
-            <a:pPr>
-              <a:defRPr/>
-            </a:pPr>
-            <a:endParaRPr lang="en-US" smtClean="0"/>
-          </a:p>
           <a:p>
             <a:pPr algn="r">
               <a:defRPr/>
             </a:pPr>
             <a:r>
-              <a:rPr lang="en-US" sz="900" smtClean="0">
+              <a:rPr lang="en-US" sz="900">
                 <a:latin typeface="Arial Narrow" pitchFamily="34" charset="0"/>
               </a:rPr>
               <a:t>Slide </a:t>
@@ -11285,12 +11011,12 @@
           <a:graphicData uri="http://schemas.openxmlformats.org/presentationml/2006/ole">
             <mc:AlternateContent xmlns:mc="http://schemas.openxmlformats.org/markup-compatibility/2006">
               <mc:Choice xmlns:v="urn:schemas-microsoft-com:vml" Requires="v">
-                <p:oleObj spid="_x0000_s9223" name="Document" r:id="rId4" imgW="7301323" imgH="1446385" progId="Word.Document.12">
+                <p:oleObj spid="_x0000_s9225" name="Document" r:id="rId3" imgW="7301323" imgH="1446385" progId="Word.Document.12">
                   <p:embed/>
                 </p:oleObj>
               </mc:Choice>
               <mc:Fallback>
-                <p:oleObj name="Document" r:id="rId4" imgW="7301323" imgH="1446385" progId="Word.Document.12">
+                <p:oleObj name="Document" r:id="rId3" imgW="7301323" imgH="1446385" progId="Word.Document.12">
                   <p:embed/>
                   <p:pic>
                     <p:nvPicPr>
@@ -11299,7 +11025,7 @@
                       <p:nvPr/>
                     </p:nvPicPr>
                     <p:blipFill>
-                      <a:blip r:embed="rId5"/>
+                      <a:blip r:embed="rId4"/>
                       <a:stretch>
                         <a:fillRect/>
                       </a:stretch>
@@ -11330,13 +11056,6 @@
   <p:clrMapOvr>
     <a:masterClrMapping/>
   </p:clrMapOvr>
-  <p:timing>
-    <p:tnLst>
-      <p:par>
-        <p:cTn xmlns:p14="http://schemas.microsoft.com/office/powerpoint/2010/main" id="1" dur="indefinite" restart="never" nodeType="tmRoot"/>
-      </p:par>
-    </p:tnLst>
-  </p:timing>
 </p:sld>
 </file>
 
@@ -11408,14 +11127,13 @@
               <a:defRPr/>
             </a:pPr>
             <a:r>
-              <a:rPr lang="en-US" dirty="0" err="1" smtClean="0"/>
+              <a:rPr lang="en-US" dirty="0" err="1"/>
               <a:t>Murach's</a:t>
             </a:r>
             <a:r>
-              <a:rPr lang="en-US" dirty="0" smtClean="0"/>
+              <a:rPr lang="en-US" dirty="0"/>
               <a:t> Android Programming (2nd Ed.), C3</a:t>
             </a:r>
-            <a:endParaRPr lang="en-US" dirty="0"/>
           </a:p>
         </p:txBody>
       </p:sp>
@@ -11438,39 +11156,38 @@
               <a:defRPr/>
             </a:pPr>
             <a:r>
-              <a:rPr lang="en-US" smtClean="0"/>
+              <a:rPr lang="en-US"/>
               <a:t>© 2015, Mike Murach &amp; Associates, Inc.</a:t>
             </a:r>
+          </a:p>
+        </p:txBody>
+      </p:sp>
+      <p:sp>
+        <p:nvSpPr>
+          <p:cNvPr id="5" name="Slide Number Placeholder 4"/>
+          <p:cNvSpPr>
+            <a:spLocks noGrp="1"/>
+          </p:cNvSpPr>
+          <p:nvPr>
+            <p:ph type="sldNum" sz="quarter" idx="12"/>
+          </p:nvPr>
+        </p:nvSpPr>
+        <p:spPr/>
+        <p:txBody>
+          <a:bodyPr/>
+          <a:lstStyle/>
+          <a:p>
+            <a:pPr>
+              <a:defRPr/>
+            </a:pPr>
             <a:endParaRPr lang="en-US"/>
           </a:p>
-        </p:txBody>
-      </p:sp>
-      <p:sp>
-        <p:nvSpPr>
-          <p:cNvPr id="5" name="Slide Number Placeholder 4"/>
-          <p:cNvSpPr>
-            <a:spLocks noGrp="1"/>
-          </p:cNvSpPr>
-          <p:nvPr>
-            <p:ph type="sldNum" sz="quarter" idx="12"/>
-          </p:nvPr>
-        </p:nvSpPr>
-        <p:spPr/>
-        <p:txBody>
-          <a:bodyPr/>
-          <a:lstStyle/>
-          <a:p>
-            <a:pPr>
-              <a:defRPr/>
-            </a:pPr>
-            <a:endParaRPr lang="en-US" smtClean="0"/>
-          </a:p>
           <a:p>
             <a:pPr algn="r">
               <a:defRPr/>
             </a:pPr>
             <a:r>
-              <a:rPr lang="en-US" sz="900" smtClean="0">
+              <a:rPr lang="en-US" sz="900">
                 <a:latin typeface="Arial Narrow" pitchFamily="34" charset="0"/>
               </a:rPr>
               <a:t>Slide </a:t>
@@ -11512,12 +11229,12 @@
           <a:graphicData uri="http://schemas.openxmlformats.org/presentationml/2006/ole">
             <mc:AlternateContent xmlns:mc="http://schemas.openxmlformats.org/markup-compatibility/2006">
               <mc:Choice xmlns:v="urn:schemas-microsoft-com:vml" Requires="v">
-                <p:oleObj spid="_x0000_s10247" name="Document" r:id="rId4" imgW="7301323" imgH="2714897" progId="Word.Document.12">
+                <p:oleObj spid="_x0000_s10249" name="Document" r:id="rId3" imgW="7301323" imgH="2714897" progId="Word.Document.12">
                   <p:embed/>
                 </p:oleObj>
               </mc:Choice>
               <mc:Fallback>
-                <p:oleObj name="Document" r:id="rId4" imgW="7301323" imgH="2714897" progId="Word.Document.12">
+                <p:oleObj name="Document" r:id="rId3" imgW="7301323" imgH="2714897" progId="Word.Document.12">
                   <p:embed/>
                   <p:pic>
                     <p:nvPicPr>
@@ -11526,7 +11243,7 @@
                       <p:nvPr/>
                     </p:nvPicPr>
                     <p:blipFill>
-                      <a:blip r:embed="rId5"/>
+                      <a:blip r:embed="rId4"/>
                       <a:stretch>
                         <a:fillRect/>
                       </a:stretch>
@@ -11557,13 +11274,6 @@
   <p:clrMapOvr>
     <a:masterClrMapping/>
   </p:clrMapOvr>
-  <p:timing>
-    <p:tnLst>
-      <p:par>
-        <p:cTn xmlns:p14="http://schemas.microsoft.com/office/powerpoint/2010/main" id="1" dur="indefinite" restart="never" nodeType="tmRoot"/>
-      </p:par>
-    </p:tnLst>
-  </p:timing>
 </p:sld>
 </file>
 

--- a/docs/Slides/1-Intro-3-FirstAppCode.pptx
+++ b/docs/Slides/1-Intro-3-FirstAppCode.pptx
@@ -249,14 +249,14 @@
           <a:effectLst/>
           <a:extLst>
             <a:ext uri="{909E8E84-426E-40dd-AFC4-6F175D3DCCD1}">
-              <a14:hiddenFill xmlns:a14="http://schemas.microsoft.com/office/drawing/2010/main" xmlns="">
+              <a14:hiddenFill xmlns="" xmlns:a14="http://schemas.microsoft.com/office/drawing/2010/main">
                 <a:solidFill>
                   <a:schemeClr val="accent1"/>
                 </a:solidFill>
               </a14:hiddenFill>
             </a:ext>
             <a:ext uri="{91240B29-F687-4f45-9708-019B960494DF}">
-              <a14:hiddenLine xmlns:a14="http://schemas.microsoft.com/office/drawing/2010/main" xmlns="" w="9525">
+              <a14:hiddenLine xmlns="" xmlns:a14="http://schemas.microsoft.com/office/drawing/2010/main" w="9525">
                 <a:solidFill>
                   <a:schemeClr val="tx1"/>
                 </a:solidFill>
@@ -266,7 +266,7 @@
               </a14:hiddenLine>
             </a:ext>
             <a:ext uri="{AF507438-7753-43e0-B8FC-AC1667EBCBE1}">
-              <a14:hiddenEffects xmlns:a14="http://schemas.microsoft.com/office/drawing/2010/main" xmlns="">
+              <a14:hiddenEffects xmlns="" xmlns:a14="http://schemas.microsoft.com/office/drawing/2010/main">
                 <a:effectLst>
                   <a:outerShdw dist="35921" dir="2700000" algn="ctr" rotWithShape="0">
                     <a:schemeClr val="bg2"/>
@@ -320,14 +320,14 @@
           <a:effectLst/>
           <a:extLst>
             <a:ext uri="{909E8E84-426E-40dd-AFC4-6F175D3DCCD1}">
-              <a14:hiddenFill xmlns:a14="http://schemas.microsoft.com/office/drawing/2010/main" xmlns="">
+              <a14:hiddenFill xmlns="" xmlns:a14="http://schemas.microsoft.com/office/drawing/2010/main">
                 <a:solidFill>
                   <a:schemeClr val="accent1"/>
                 </a:solidFill>
               </a14:hiddenFill>
             </a:ext>
             <a:ext uri="{91240B29-F687-4f45-9708-019B960494DF}">
-              <a14:hiddenLine xmlns:a14="http://schemas.microsoft.com/office/drawing/2010/main" xmlns="" w="9525">
+              <a14:hiddenLine xmlns="" xmlns:a14="http://schemas.microsoft.com/office/drawing/2010/main" w="9525">
                 <a:solidFill>
                   <a:schemeClr val="tx1"/>
                 </a:solidFill>
@@ -337,7 +337,7 @@
               </a14:hiddenLine>
             </a:ext>
             <a:ext uri="{AF507438-7753-43e0-B8FC-AC1667EBCBE1}">
-              <a14:hiddenEffects xmlns:a14="http://schemas.microsoft.com/office/drawing/2010/main" xmlns="">
+              <a14:hiddenEffects xmlns="" xmlns:a14="http://schemas.microsoft.com/office/drawing/2010/main">
                 <a:effectLst>
                   <a:outerShdw dist="35921" dir="2700000" algn="ctr" rotWithShape="0">
                     <a:schemeClr val="bg2"/>
@@ -367,7 +367,7 @@
               <a:pPr>
                 <a:defRPr/>
               </a:pPr>
-              <a:t>6/26/19</a:t>
+              <a:t>9/30/19</a:t>
             </a:fld>
             <a:endParaRPr lang="en-US"/>
           </a:p>
@@ -398,14 +398,14 @@
           <a:effectLst/>
           <a:extLst>
             <a:ext uri="{909E8E84-426E-40dd-AFC4-6F175D3DCCD1}">
-              <a14:hiddenFill xmlns:a14="http://schemas.microsoft.com/office/drawing/2010/main" xmlns="">
+              <a14:hiddenFill xmlns="" xmlns:a14="http://schemas.microsoft.com/office/drawing/2010/main">
                 <a:solidFill>
                   <a:schemeClr val="accent1"/>
                 </a:solidFill>
               </a14:hiddenFill>
             </a:ext>
             <a:ext uri="{91240B29-F687-4f45-9708-019B960494DF}">
-              <a14:hiddenLine xmlns:a14="http://schemas.microsoft.com/office/drawing/2010/main" xmlns="" w="9525">
+              <a14:hiddenLine xmlns="" xmlns:a14="http://schemas.microsoft.com/office/drawing/2010/main" w="9525">
                 <a:solidFill>
                   <a:schemeClr val="tx1"/>
                 </a:solidFill>
@@ -415,7 +415,7 @@
               </a14:hiddenLine>
             </a:ext>
             <a:ext uri="{AF507438-7753-43e0-B8FC-AC1667EBCBE1}">
-              <a14:hiddenEffects xmlns:a14="http://schemas.microsoft.com/office/drawing/2010/main" xmlns="">
+              <a14:hiddenEffects xmlns="" xmlns:a14="http://schemas.microsoft.com/office/drawing/2010/main">
                 <a:effectLst>
                   <a:outerShdw dist="35921" dir="2700000" algn="ctr" rotWithShape="0">
                     <a:schemeClr val="bg2"/>
@@ -469,14 +469,14 @@
           <a:effectLst/>
           <a:extLst>
             <a:ext uri="{909E8E84-426E-40dd-AFC4-6F175D3DCCD1}">
-              <a14:hiddenFill xmlns:a14="http://schemas.microsoft.com/office/drawing/2010/main" xmlns="">
+              <a14:hiddenFill xmlns="" xmlns:a14="http://schemas.microsoft.com/office/drawing/2010/main">
                 <a:solidFill>
                   <a:schemeClr val="accent1"/>
                 </a:solidFill>
               </a14:hiddenFill>
             </a:ext>
             <a:ext uri="{91240B29-F687-4f45-9708-019B960494DF}">
-              <a14:hiddenLine xmlns:a14="http://schemas.microsoft.com/office/drawing/2010/main" xmlns="" w="9525">
+              <a14:hiddenLine xmlns="" xmlns:a14="http://schemas.microsoft.com/office/drawing/2010/main" w="9525">
                 <a:solidFill>
                   <a:schemeClr val="tx1"/>
                 </a:solidFill>
@@ -486,7 +486,7 @@
               </a14:hiddenLine>
             </a:ext>
             <a:ext uri="{AF507438-7753-43e0-B8FC-AC1667EBCBE1}">
-              <a14:hiddenEffects xmlns:a14="http://schemas.microsoft.com/office/drawing/2010/main" xmlns="">
+              <a14:hiddenEffects xmlns="" xmlns:a14="http://schemas.microsoft.com/office/drawing/2010/main">
                 <a:effectLst>
                   <a:outerShdw dist="35921" dir="2700000" algn="ctr" rotWithShape="0">
                     <a:schemeClr val="bg2"/>
@@ -683,7 +683,7 @@
           </a:ln>
           <a:extLst>
             <a:ext uri="{909E8E84-426E-40dd-AFC4-6F175D3DCCD1}">
-              <a14:hiddenFill xmlns:a14="http://schemas.microsoft.com/office/drawing/2010/main" xmlns="">
+              <a14:hiddenFill xmlns="" xmlns:a14="http://schemas.microsoft.com/office/drawing/2010/main">
                 <a:solidFill>
                   <a:srgbClr val="FFFFFF"/>
                 </a:solidFill>
@@ -1199,14 +1199,14 @@
           </a:ln>
           <a:extLst>
             <a:ext uri="{909E8E84-426E-40dd-AFC4-6F175D3DCCD1}">
-              <a14:hiddenFill xmlns:a14="http://schemas.microsoft.com/office/drawing/2010/main" xmlns="">
+              <a14:hiddenFill xmlns="" xmlns:a14="http://schemas.microsoft.com/office/drawing/2010/main">
                 <a:solidFill>
                   <a:srgbClr val="FFFFFF"/>
                 </a:solidFill>
               </a14:hiddenFill>
             </a:ext>
             <a:ext uri="{91240B29-F687-4f45-9708-019B960494DF}">
-              <a14:hiddenLine xmlns:a14="http://schemas.microsoft.com/office/drawing/2010/main" xmlns="" w="9525">
+              <a14:hiddenLine xmlns="" xmlns:a14="http://schemas.microsoft.com/office/drawing/2010/main" w="9525">
                 <a:solidFill>
                   <a:srgbClr val="000000"/>
                 </a:solidFill>
@@ -1546,7 +1546,7 @@
           <a:p>
             <a:fld id="{12110144-19AD-4D4E-902D-E18AF93089D3}" type="datetimeFigureOut">
               <a:rPr lang="en-US" smtClean="0"/>
-              <a:t>6/26/19</a:t>
+              <a:t>9/30/19</a:t>
             </a:fld>
             <a:endParaRPr lang="en-US"/>
           </a:p>
@@ -1831,7 +1831,7 @@
           <a:p>
             <a:fld id="{12110144-19AD-4D4E-902D-E18AF93089D3}" type="datetimeFigureOut">
               <a:rPr lang="en-US" smtClean="0"/>
-              <a:t>6/26/19</a:t>
+              <a:t>9/30/19</a:t>
             </a:fld>
             <a:endParaRPr lang="en-US"/>
           </a:p>
@@ -1941,14 +1941,14 @@
           </a:ln>
           <a:extLst>
             <a:ext uri="{909E8E84-426E-40dd-AFC4-6F175D3DCCD1}">
-              <a14:hiddenFill xmlns:a14="http://schemas.microsoft.com/office/drawing/2010/main" xmlns="">
+              <a14:hiddenFill xmlns="" xmlns:a14="http://schemas.microsoft.com/office/drawing/2010/main">
                 <a:solidFill>
                   <a:srgbClr val="FFFFFF"/>
                 </a:solidFill>
               </a14:hiddenFill>
             </a:ext>
             <a:ext uri="{91240B29-F687-4f45-9708-019B960494DF}">
-              <a14:hiddenLine xmlns:a14="http://schemas.microsoft.com/office/drawing/2010/main" xmlns="" w="9525">
+              <a14:hiddenLine xmlns="" xmlns:a14="http://schemas.microsoft.com/office/drawing/2010/main" w="9525">
                 <a:solidFill>
                   <a:srgbClr val="000000"/>
                 </a:solidFill>
@@ -1999,14 +1999,14 @@
           </a:ln>
           <a:extLst>
             <a:ext uri="{909E8E84-426E-40dd-AFC4-6F175D3DCCD1}">
-              <a14:hiddenFill xmlns:a14="http://schemas.microsoft.com/office/drawing/2010/main" xmlns="">
+              <a14:hiddenFill xmlns="" xmlns:a14="http://schemas.microsoft.com/office/drawing/2010/main">
                 <a:solidFill>
                   <a:srgbClr val="FFFFFF"/>
                 </a:solidFill>
               </a14:hiddenFill>
             </a:ext>
             <a:ext uri="{91240B29-F687-4f45-9708-019B960494DF}">
-              <a14:hiddenLine xmlns:a14="http://schemas.microsoft.com/office/drawing/2010/main" xmlns="" w="9525">
+              <a14:hiddenLine xmlns="" xmlns:a14="http://schemas.microsoft.com/office/drawing/2010/main" w="9525">
                 <a:solidFill>
                   <a:srgbClr val="000000"/>
                 </a:solidFill>
@@ -2606,6 +2606,21 @@
 <file path=ppt/slides/slide1.xml><?xml version="1.0" encoding="utf-8"?>
 <p:sld xmlns:a="http://schemas.openxmlformats.org/drawingml/2006/main" xmlns:r="http://schemas.openxmlformats.org/officeDocument/2006/relationships" xmlns:p="http://schemas.openxmlformats.org/presentationml/2006/main">
   <p:cSld>
+    <p:bg>
+      <p:bgPr>
+        <a:blipFill dpi="0" rotWithShape="1">
+          <a:blip r:embed="rId2">
+            <a:alphaModFix amt="62000"/>
+            <a:lum/>
+          </a:blip>
+          <a:srcRect/>
+          <a:stretch>
+            <a:fillRect l="-17000" r="-17000"/>
+          </a:stretch>
+        </a:blipFill>
+        <a:effectLst/>
+      </p:bgPr>
+    </p:bg>
     <p:spTree>
       <p:nvGrpSpPr>
         <p:cNvPr id="1" name=""/>
@@ -2650,50 +2665,29 @@
             <a:r>
               <a:rPr lang="en-US" sz="9600" b="1" dirty="0">
                 <a:solidFill>
-                  <a:schemeClr val="accent6"/>
+                  <a:schemeClr val="accent6">
+                    <a:lumMod val="75000"/>
+                  </a:schemeClr>
                 </a:solidFill>
               </a:rPr>
               <a:t>Your First App:</a:t>
             </a:r>
             <a:br>
-              <a:rPr lang="en-US" sz="9600" b="1" dirty="0"/>
-            </a:br>
-            <a:r>
-              <a:rPr lang="en-US" sz="7200" b="1" dirty="0"/>
-              <a:t>Writing the Code</a:t>
-            </a:r>
-          </a:p>
-        </p:txBody>
-      </p:sp>
-      <p:sp>
-        <p:nvSpPr>
-          <p:cNvPr id="3" name="Subtitle 2"/>
-          <p:cNvSpPr>
-            <a:spLocks noGrp="1"/>
-          </p:cNvSpPr>
-          <p:nvPr>
-            <p:ph type="subTitle" idx="1"/>
-          </p:nvPr>
-        </p:nvSpPr>
-        <p:spPr>
-          <a:xfrm>
-            <a:off x="5960619" y="4534382"/>
-            <a:ext cx="2391112" cy="957740"/>
-          </a:xfrm>
-        </p:spPr>
-        <p:txBody>
-          <a:bodyPr>
-            <a:noAutofit/>
-          </a:bodyPr>
-          <a:lstStyle/>
-          <a:p>
-            <a:r>
-              <a:rPr lang="en-US" sz="4400" b="1" dirty="0">
+              <a:rPr lang="en-US" sz="9600" b="1" dirty="0">
                 <a:solidFill>
-                  <a:schemeClr val="tx1"/>
+                  <a:schemeClr val="bg1"/>
                 </a:solidFill>
               </a:rPr>
-              <a:t>CIS 399</a:t>
+            </a:br>
+            <a:r>
+              <a:rPr lang="en-US" sz="7200" b="1" dirty="0">
+                <a:solidFill>
+                  <a:schemeClr val="accent6">
+                    <a:lumMod val="75000"/>
+                  </a:schemeClr>
+                </a:solidFill>
+              </a:rPr>
+              <a:t>Writing the Code</a:t>
             </a:r>
           </a:p>
         </p:txBody>
@@ -2889,7 +2883,7 @@
           <a:graphicData uri="http://schemas.openxmlformats.org/presentationml/2006/ole">
             <mc:AlternateContent xmlns:mc="http://schemas.openxmlformats.org/markup-compatibility/2006">
               <mc:Choice xmlns:v="urn:schemas-microsoft-com:vml" Requires="v">
-                <p:oleObj spid="_x0000_s11273" name="Document" r:id="rId3" imgW="7301323" imgH="4364359" progId="Word.Document.12">
+                <p:oleObj spid="_x0000_s11274" name="Document" r:id="rId3" imgW="7301323" imgH="4364359" progId="Word.Document.12">
                   <p:embed/>
                 </p:oleObj>
               </mc:Choice>
@@ -3118,7 +3112,7 @@
           <a:graphicData uri="http://schemas.openxmlformats.org/presentationml/2006/ole">
             <mc:AlternateContent xmlns:mc="http://schemas.openxmlformats.org/markup-compatibility/2006">
               <mc:Choice xmlns:v="urn:schemas-microsoft-com:vml" Requires="v">
-                <p:oleObj spid="_x0000_s12297" name="Document" r:id="rId3" imgW="7301323" imgH="4468058" progId="Word.Document.12">
+                <p:oleObj spid="_x0000_s12298" name="Document" r:id="rId3" imgW="7301323" imgH="4468058" progId="Word.Document.12">
                   <p:embed/>
                 </p:oleObj>
               </mc:Choice>
@@ -3351,7 +3345,7 @@
           <a:graphicData uri="http://schemas.openxmlformats.org/presentationml/2006/ole">
             <mc:AlternateContent xmlns:mc="http://schemas.openxmlformats.org/markup-compatibility/2006">
               <mc:Choice xmlns:v="urn:schemas-microsoft-com:vml" Requires="v">
-                <p:oleObj spid="_x0000_s13322" name="Document" r:id="rId3" imgW="7301323" imgH="4468058" progId="Word.Document.12">
+                <p:oleObj spid="_x0000_s13323" name="Document" r:id="rId3" imgW="7301323" imgH="4468058" progId="Word.Document.12">
                   <p:embed/>
                 </p:oleObj>
               </mc:Choice>
@@ -3573,7 +3567,7 @@
           <a:graphicData uri="http://schemas.openxmlformats.org/presentationml/2006/ole">
             <mc:AlternateContent xmlns:mc="http://schemas.openxmlformats.org/markup-compatibility/2006">
               <mc:Choice xmlns:v="urn:schemas-microsoft-com:vml" Requires="v">
-                <p:oleObj spid="_x0000_s14345" name="Document" r:id="rId3" imgW="7301323" imgH="2607958" progId="Word.Document.12">
+                <p:oleObj spid="_x0000_s14346" name="Document" r:id="rId3" imgW="7301323" imgH="2607958" progId="Word.Document.12">
                   <p:embed/>
                 </p:oleObj>
               </mc:Choice>
@@ -3791,7 +3785,7 @@
           <a:graphicData uri="http://schemas.openxmlformats.org/presentationml/2006/ole">
             <mc:AlternateContent xmlns:mc="http://schemas.openxmlformats.org/markup-compatibility/2006">
               <mc:Choice xmlns:v="urn:schemas-microsoft-com:vml" Requires="v">
-                <p:oleObj spid="_x0000_s15369" name="Document" r:id="rId3" imgW="7301323" imgH="2626321" progId="Word.Document.12">
+                <p:oleObj spid="_x0000_s15370" name="Document" r:id="rId3" imgW="7301323" imgH="2626321" progId="Word.Document.12">
                   <p:embed/>
                 </p:oleObj>
               </mc:Choice>
@@ -4016,7 +4010,7 @@
           <a:graphicData uri="http://schemas.openxmlformats.org/presentationml/2006/ole">
             <mc:AlternateContent xmlns:mc="http://schemas.openxmlformats.org/markup-compatibility/2006">
               <mc:Choice xmlns:v="urn:schemas-microsoft-com:vml" Requires="v">
-                <p:oleObj spid="_x0000_s16394" name="Document" r:id="rId3" imgW="7301323" imgH="4493623" progId="Word.Document.12">
+                <p:oleObj spid="_x0000_s16395" name="Document" r:id="rId3" imgW="7301323" imgH="4493623" progId="Word.Document.12">
                   <p:embed/>
                 </p:oleObj>
               </mc:Choice>
@@ -4234,7 +4228,7 @@
           <a:graphicData uri="http://schemas.openxmlformats.org/presentationml/2006/ole">
             <mc:AlternateContent xmlns:mc="http://schemas.openxmlformats.org/markup-compatibility/2006">
               <mc:Choice xmlns:v="urn:schemas-microsoft-com:vml" Requires="v">
-                <p:oleObj spid="_x0000_s17418" name="Document" r:id="rId3" imgW="7301323" imgH="4733067" progId="Word.Document.12">
+                <p:oleObj spid="_x0000_s17419" name="Document" r:id="rId3" imgW="7301323" imgH="4733067" progId="Word.Document.12">
                   <p:embed/>
                 </p:oleObj>
               </mc:Choice>
@@ -4452,7 +4446,7 @@
           <a:graphicData uri="http://schemas.openxmlformats.org/presentationml/2006/ole">
             <mc:AlternateContent xmlns:mc="http://schemas.openxmlformats.org/markup-compatibility/2006">
               <mc:Choice xmlns:v="urn:schemas-microsoft-com:vml" Requires="v">
-                <p:oleObj spid="_x0000_s18441" name="Document" r:id="rId3" imgW="7301323" imgH="948054" progId="Word.Document.12">
+                <p:oleObj spid="_x0000_s18442" name="Document" r:id="rId3" imgW="7301323" imgH="948054" progId="Word.Document.12">
                   <p:embed/>
                 </p:oleObj>
               </mc:Choice>
@@ -4853,7 +4847,7 @@
           <a:graphicData uri="http://schemas.openxmlformats.org/presentationml/2006/ole">
             <mc:AlternateContent xmlns:mc="http://schemas.openxmlformats.org/markup-compatibility/2006">
               <mc:Choice xmlns:v="urn:schemas-microsoft-com:vml" Requires="v">
-                <p:oleObj spid="_x0000_s19465" name="Document" r:id="rId3" imgW="7377498" imgH="3048318" progId="Word.Document.12">
+                <p:oleObj spid="_x0000_s19466" name="Document" r:id="rId3" imgW="7377498" imgH="3048318" progId="Word.Document.12">
                   <p:embed/>
                 </p:oleObj>
               </mc:Choice>
@@ -4902,7 +4896,7 @@
 </file>
 
 <file path=ppt/slides/slide2.xml><?xml version="1.0" encoding="utf-8"?>
-<p:sld xmlns:a="http://schemas.openxmlformats.org/drawingml/2006/main" xmlns:r="http://schemas.openxmlformats.org/officeDocument/2006/relationships" xmlns:p="http://schemas.openxmlformats.org/presentationml/2006/main">
+<p:sld xmlns:a="http://schemas.openxmlformats.org/drawingml/2006/main" xmlns:r="http://schemas.openxmlformats.org/officeDocument/2006/relationships" xmlns:p="http://schemas.openxmlformats.org/presentationml/2006/main" show="0">
   <p:cSld>
     <p:spTree>
       <p:nvGrpSpPr>
@@ -5820,7 +5814,7 @@
           <a:graphicData uri="http://schemas.openxmlformats.org/presentationml/2006/ole">
             <mc:AlternateContent xmlns:mc="http://schemas.openxmlformats.org/markup-compatibility/2006">
               <mc:Choice xmlns:v="urn:schemas-microsoft-com:vml" Requires="v">
-                <p:oleObj spid="_x0000_s20489" name="Document" r:id="rId3" imgW="7301323" imgH="3272279" progId="Word.Document.12">
+                <p:oleObj spid="_x0000_s20490" name="Document" r:id="rId3" imgW="7301323" imgH="3272279" progId="Word.Document.12">
                   <p:embed/>
                 </p:oleObj>
               </mc:Choice>
@@ -6046,7 +6040,7 @@
           <a:graphicData uri="http://schemas.openxmlformats.org/presentationml/2006/ole">
             <mc:AlternateContent xmlns:mc="http://schemas.openxmlformats.org/markup-compatibility/2006">
               <mc:Choice xmlns:v="urn:schemas-microsoft-com:vml" Requires="v">
-                <p:oleObj spid="_x0000_s21513" name="Document" r:id="rId3" imgW="7301323" imgH="2076860" progId="Word.Document.12">
+                <p:oleObj spid="_x0000_s21514" name="Document" r:id="rId3" imgW="7301323" imgH="2076860" progId="Word.Document.12">
                   <p:embed/>
                 </p:oleObj>
               </mc:Choice>
@@ -6272,7 +6266,7 @@
           <a:graphicData uri="http://schemas.openxmlformats.org/presentationml/2006/ole">
             <mc:AlternateContent xmlns:mc="http://schemas.openxmlformats.org/markup-compatibility/2006">
               <mc:Choice xmlns:v="urn:schemas-microsoft-com:vml" Requires="v">
-                <p:oleObj spid="_x0000_s22537" name="Document" r:id="rId3" imgW="7301323" imgH="1875223" progId="Word.Document.12">
+                <p:oleObj spid="_x0000_s22538" name="Document" r:id="rId3" imgW="7301323" imgH="1875223" progId="Word.Document.12">
                   <p:embed/>
                 </p:oleObj>
               </mc:Choice>
@@ -6490,7 +6484,7 @@
           <a:graphicData uri="http://schemas.openxmlformats.org/presentationml/2006/ole">
             <mc:AlternateContent xmlns:mc="http://schemas.openxmlformats.org/markup-compatibility/2006">
               <mc:Choice xmlns:v="urn:schemas-microsoft-com:vml" Requires="v">
-                <p:oleObj spid="_x0000_s23561" name="Document" r:id="rId3" imgW="7301323" imgH="3367697" progId="Word.Document.12">
+                <p:oleObj spid="_x0000_s23562" name="Document" r:id="rId3" imgW="7301323" imgH="3367697" progId="Word.Document.12">
                   <p:embed/>
                 </p:oleObj>
               </mc:Choice>
@@ -6708,7 +6702,7 @@
           <a:graphicData uri="http://schemas.openxmlformats.org/presentationml/2006/ole">
             <mc:AlternateContent xmlns:mc="http://schemas.openxmlformats.org/markup-compatibility/2006">
               <mc:Choice xmlns:v="urn:schemas-microsoft-com:vml" Requires="v">
-                <p:oleObj spid="_x0000_s24585" name="Document" r:id="rId3" imgW="7301323" imgH="3567893" progId="Word.Document.12">
+                <p:oleObj spid="_x0000_s24586" name="Document" r:id="rId3" imgW="7301323" imgH="3567893" progId="Word.Document.12">
                   <p:embed/>
                 </p:oleObj>
               </mc:Choice>
@@ -6922,7 +6916,7 @@
           <a:graphicData uri="http://schemas.openxmlformats.org/presentationml/2006/ole">
             <mc:AlternateContent xmlns:mc="http://schemas.openxmlformats.org/markup-compatibility/2006">
               <mc:Choice xmlns:v="urn:schemas-microsoft-com:vml" Requires="v">
-                <p:oleObj spid="_x0000_s25609" name="Document" r:id="rId3" imgW="7301323" imgH="4979352" progId="Word.Document.12">
+                <p:oleObj spid="_x0000_s25610" name="Document" r:id="rId3" imgW="7301323" imgH="4979352" progId="Word.Document.12">
                   <p:embed/>
                 </p:oleObj>
               </mc:Choice>
@@ -7140,7 +7134,7 @@
           <a:graphicData uri="http://schemas.openxmlformats.org/presentationml/2006/ole">
             <mc:AlternateContent xmlns:mc="http://schemas.openxmlformats.org/markup-compatibility/2006">
               <mc:Choice xmlns:v="urn:schemas-microsoft-com:vml" Requires="v">
-                <p:oleObj spid="_x0000_s26633" name="Document" r:id="rId3" imgW="7301323" imgH="3166060" progId="Word.Document.12">
+                <p:oleObj spid="_x0000_s26634" name="Document" r:id="rId3" imgW="7301323" imgH="3166060" progId="Word.Document.12">
                   <p:embed/>
                 </p:oleObj>
               </mc:Choice>
@@ -7354,7 +7348,7 @@
           <a:graphicData uri="http://schemas.openxmlformats.org/presentationml/2006/ole">
             <mc:AlternateContent xmlns:mc="http://schemas.openxmlformats.org/markup-compatibility/2006">
               <mc:Choice xmlns:v="urn:schemas-microsoft-com:vml" Requires="v">
-                <p:oleObj spid="_x0000_s27657" name="Document" r:id="rId3" imgW="7301323" imgH="3166060" progId="Word.Document.12">
+                <p:oleObj spid="_x0000_s27658" name="Document" r:id="rId3" imgW="7301323" imgH="3166060" progId="Word.Document.12">
                   <p:embed/>
                 </p:oleObj>
               </mc:Choice>
@@ -7572,7 +7566,7 @@
           <a:graphicData uri="http://schemas.openxmlformats.org/presentationml/2006/ole">
             <mc:AlternateContent xmlns:mc="http://schemas.openxmlformats.org/markup-compatibility/2006">
               <mc:Choice xmlns:v="urn:schemas-microsoft-com:vml" Requires="v">
-                <p:oleObj spid="_x0000_s28681" name="Document" r:id="rId3" imgW="7301323" imgH="4979352" progId="Word.Document.12">
+                <p:oleObj spid="_x0000_s28682" name="Document" r:id="rId3" imgW="7301323" imgH="4979352" progId="Word.Document.12">
                   <p:embed/>
                 </p:oleObj>
               </mc:Choice>
@@ -7790,7 +7784,7 @@
           <a:graphicData uri="http://schemas.openxmlformats.org/presentationml/2006/ole">
             <mc:AlternateContent xmlns:mc="http://schemas.openxmlformats.org/markup-compatibility/2006">
               <mc:Choice xmlns:v="urn:schemas-microsoft-com:vml" Requires="v">
-                <p:oleObj spid="_x0000_s29705" name="Document" r:id="rId3" imgW="7313400" imgH="4976886" progId="Word.Document.12">
+                <p:oleObj spid="_x0000_s29706" name="Document" r:id="rId3" imgW="7313400" imgH="4976886" progId="Word.Document.12">
                   <p:embed/>
                 </p:oleObj>
               </mc:Choice>
@@ -8008,7 +8002,7 @@
           <a:graphicData uri="http://schemas.openxmlformats.org/presentationml/2006/ole">
             <mc:AlternateContent xmlns:mc="http://schemas.openxmlformats.org/markup-compatibility/2006">
               <mc:Choice xmlns:v="urn:schemas-microsoft-com:vml" Requires="v">
-                <p:oleObj spid="_x0000_s4106" name="Document" r:id="rId3" imgW="7301323" imgH="2680331" progId="Word.Document.12">
+                <p:oleObj spid="_x0000_s4107" name="Document" r:id="rId3" imgW="7301323" imgH="2680331" progId="Word.Document.12">
                   <p:embed/>
                 </p:oleObj>
               </mc:Choice>
@@ -8230,7 +8224,7 @@
           <a:graphicData uri="http://schemas.openxmlformats.org/presentationml/2006/ole">
             <mc:AlternateContent xmlns:mc="http://schemas.openxmlformats.org/markup-compatibility/2006">
               <mc:Choice xmlns:v="urn:schemas-microsoft-com:vml" Requires="v">
-                <p:oleObj spid="_x0000_s30729" name="Document" r:id="rId3" imgW="7301323" imgH="4576078" progId="Word.Document.12">
+                <p:oleObj spid="_x0000_s30730" name="Document" r:id="rId3" imgW="7301323" imgH="4576078" progId="Word.Document.12">
                   <p:embed/>
                 </p:oleObj>
               </mc:Choice>
@@ -8640,7 +8634,7 @@
           <a:graphicData uri="http://schemas.openxmlformats.org/presentationml/2006/ole">
             <mc:AlternateContent xmlns:mc="http://schemas.openxmlformats.org/markup-compatibility/2006">
               <mc:Choice xmlns:v="urn:schemas-microsoft-com:vml" Requires="v">
-                <p:oleObj spid="_x0000_s31753" name="Document" r:id="rId3" imgW="7301323" imgH="867039" progId="Word.Document.12">
+                <p:oleObj spid="_x0000_s31754" name="Document" r:id="rId3" imgW="7301323" imgH="867039" progId="Word.Document.12">
                   <p:embed/>
                 </p:oleObj>
               </mc:Choice>
@@ -8858,7 +8852,7 @@
           <a:graphicData uri="http://schemas.openxmlformats.org/presentationml/2006/ole">
             <mc:AlternateContent xmlns:mc="http://schemas.openxmlformats.org/markup-compatibility/2006">
               <mc:Choice xmlns:v="urn:schemas-microsoft-com:vml" Requires="v">
-                <p:oleObj spid="_x0000_s32777" name="Document" r:id="rId3" imgW="7301323" imgH="4979352" progId="Word.Document.12">
+                <p:oleObj spid="_x0000_s32778" name="Document" r:id="rId3" imgW="7301323" imgH="4979352" progId="Word.Document.12">
                   <p:embed/>
                 </p:oleObj>
               </mc:Choice>
@@ -9079,7 +9073,7 @@
           <a:graphicData uri="http://schemas.openxmlformats.org/presentationml/2006/ole">
             <mc:AlternateContent xmlns:mc="http://schemas.openxmlformats.org/markup-compatibility/2006">
               <mc:Choice xmlns:v="urn:schemas-microsoft-com:vml" Requires="v">
-                <p:oleObj spid="_x0000_s33801" name="Document" r:id="rId3" imgW="7313400" imgH="2726440" progId="Word.Document.12">
+                <p:oleObj spid="_x0000_s33802" name="Document" r:id="rId3" imgW="7313400" imgH="2726440" progId="Word.Document.12">
                   <p:embed/>
                 </p:oleObj>
               </mc:Choice>
@@ -9297,7 +9291,7 @@
           <a:graphicData uri="http://schemas.openxmlformats.org/presentationml/2006/ole">
             <mc:AlternateContent xmlns:mc="http://schemas.openxmlformats.org/markup-compatibility/2006">
               <mc:Choice xmlns:v="urn:schemas-microsoft-com:vml" Requires="v">
-                <p:oleObj spid="_x0000_s35848" name="Document" r:id="rId3" imgW="7301323" imgH="2819676" progId="Word.Document.12">
+                <p:oleObj spid="_x0000_s35849" name="Document" r:id="rId3" imgW="7301323" imgH="2819676" progId="Word.Document.12">
                   <p:embed/>
                 </p:oleObj>
               </mc:Choice>
@@ -9714,7 +9708,7 @@
           <a:graphicData uri="http://schemas.openxmlformats.org/presentationml/2006/ole">
             <mc:AlternateContent xmlns:mc="http://schemas.openxmlformats.org/markup-compatibility/2006">
               <mc:Choice xmlns:v="urn:schemas-microsoft-com:vml" Requires="v">
-                <p:oleObj spid="_x0000_s34825" name="Document" r:id="rId3" imgW="7301323" imgH="2492736" progId="Word.Document.12">
+                <p:oleObj spid="_x0000_s34826" name="Document" r:id="rId3" imgW="7301323" imgH="2492736" progId="Word.Document.12">
                   <p:embed/>
                 </p:oleObj>
               </mc:Choice>
@@ -10128,7 +10122,7 @@
           <a:graphicData uri="http://schemas.openxmlformats.org/presentationml/2006/ole">
             <mc:AlternateContent xmlns:mc="http://schemas.openxmlformats.org/markup-compatibility/2006">
               <mc:Choice xmlns:v="urn:schemas-microsoft-com:vml" Requires="v">
-                <p:oleObj spid="_x0000_s5130" name="Document" r:id="rId3" imgW="7301323" imgH="5043083" progId="Word.Document.12">
+                <p:oleObj spid="_x0000_s5131" name="Document" r:id="rId3" imgW="7301323" imgH="5043083" progId="Word.Document.12">
                   <p:embed/>
                 </p:oleObj>
               </mc:Choice>
@@ -10354,7 +10348,7 @@
           <a:graphicData uri="http://schemas.openxmlformats.org/presentationml/2006/ole">
             <mc:AlternateContent xmlns:mc="http://schemas.openxmlformats.org/markup-compatibility/2006">
               <mc:Choice xmlns:v="urn:schemas-microsoft-com:vml" Requires="v">
-                <p:oleObj spid="_x0000_s6154" name="Document" r:id="rId3" imgW="7301323" imgH="3302525" progId="Word.Document.12">
+                <p:oleObj spid="_x0000_s6155" name="Document" r:id="rId3" imgW="7301323" imgH="3302525" progId="Word.Document.12">
                   <p:embed/>
                 </p:oleObj>
               </mc:Choice>
@@ -10568,7 +10562,7 @@
           <a:graphicData uri="http://schemas.openxmlformats.org/presentationml/2006/ole">
             <mc:AlternateContent xmlns:mc="http://schemas.openxmlformats.org/markup-compatibility/2006">
               <mc:Choice xmlns:v="urn:schemas-microsoft-com:vml" Requires="v">
-                <p:oleObj spid="_x0000_s7178" name="Document" r:id="rId3" imgW="7301323" imgH="2036173" progId="Word.Document.12">
+                <p:oleObj spid="_x0000_s7179" name="Document" r:id="rId3" imgW="7301323" imgH="2036173" progId="Word.Document.12">
                   <p:embed/>
                 </p:oleObj>
               </mc:Choice>
@@ -10786,7 +10780,7 @@
           <a:graphicData uri="http://schemas.openxmlformats.org/presentationml/2006/ole">
             <mc:AlternateContent xmlns:mc="http://schemas.openxmlformats.org/markup-compatibility/2006">
               <mc:Choice xmlns:v="urn:schemas-microsoft-com:vml" Requires="v">
-                <p:oleObj spid="_x0000_s8202" name="Document" r:id="rId3" imgW="7301323" imgH="3863147" progId="Word.Document.12">
+                <p:oleObj spid="_x0000_s8203" name="Document" r:id="rId3" imgW="7301323" imgH="3863147" progId="Word.Document.12">
                   <p:embed/>
                 </p:oleObj>
               </mc:Choice>
@@ -11011,7 +11005,7 @@
           <a:graphicData uri="http://schemas.openxmlformats.org/presentationml/2006/ole">
             <mc:AlternateContent xmlns:mc="http://schemas.openxmlformats.org/markup-compatibility/2006">
               <mc:Choice xmlns:v="urn:schemas-microsoft-com:vml" Requires="v">
-                <p:oleObj spid="_x0000_s9225" name="Document" r:id="rId3" imgW="7301323" imgH="1446385" progId="Word.Document.12">
+                <p:oleObj spid="_x0000_s9226" name="Document" r:id="rId3" imgW="7301323" imgH="1446385" progId="Word.Document.12">
                   <p:embed/>
                 </p:oleObj>
               </mc:Choice>
@@ -11229,7 +11223,7 @@
           <a:graphicData uri="http://schemas.openxmlformats.org/presentationml/2006/ole">
             <mc:AlternateContent xmlns:mc="http://schemas.openxmlformats.org/markup-compatibility/2006">
               <mc:Choice xmlns:v="urn:schemas-microsoft-com:vml" Requires="v">
-                <p:oleObj spid="_x0000_s10249" name="Document" r:id="rId3" imgW="7301323" imgH="2714897" progId="Word.Document.12">
+                <p:oleObj spid="_x0000_s10250" name="Document" r:id="rId3" imgW="7301323" imgH="2714897" progId="Word.Document.12">
                   <p:embed/>
                 </p:oleObj>
               </mc:Choice>
